--- a/docs/스프링부트+리액트 정리.pptx
+++ b/docs/스프링부트+리액트 정리.pptx
@@ -352,7 +352,7 @@
           <a:p>
             <a:fld id="{4487A7D5-BEB9-4F0F-96DA-B93C3377B38E}" type="datetimeFigureOut">
               <a:rPr lang="ko-KR" altLang="en-US" smtClean="0"/>
-              <a:t>2021-01-15</a:t>
+              <a:t>2021-01-18</a:t>
             </a:fld>
             <a:endParaRPr lang="ko-KR" altLang="en-US"/>
           </a:p>
@@ -522,7 +522,7 @@
           <a:p>
             <a:fld id="{4487A7D5-BEB9-4F0F-96DA-B93C3377B38E}" type="datetimeFigureOut">
               <a:rPr lang="ko-KR" altLang="en-US" smtClean="0"/>
-              <a:t>2021-01-15</a:t>
+              <a:t>2021-01-18</a:t>
             </a:fld>
             <a:endParaRPr lang="ko-KR" altLang="en-US"/>
           </a:p>
@@ -702,7 +702,7 @@
           <a:p>
             <a:fld id="{4487A7D5-BEB9-4F0F-96DA-B93C3377B38E}" type="datetimeFigureOut">
               <a:rPr lang="ko-KR" altLang="en-US" smtClean="0"/>
-              <a:t>2021-01-15</a:t>
+              <a:t>2021-01-18</a:t>
             </a:fld>
             <a:endParaRPr lang="ko-KR" altLang="en-US"/>
           </a:p>
@@ -872,7 +872,7 @@
           <a:p>
             <a:fld id="{4487A7D5-BEB9-4F0F-96DA-B93C3377B38E}" type="datetimeFigureOut">
               <a:rPr lang="ko-KR" altLang="en-US" smtClean="0"/>
-              <a:t>2021-01-15</a:t>
+              <a:t>2021-01-18</a:t>
             </a:fld>
             <a:endParaRPr lang="ko-KR" altLang="en-US"/>
           </a:p>
@@ -1118,7 +1118,7 @@
           <a:p>
             <a:fld id="{4487A7D5-BEB9-4F0F-96DA-B93C3377B38E}" type="datetimeFigureOut">
               <a:rPr lang="ko-KR" altLang="en-US" smtClean="0"/>
-              <a:t>2021-01-15</a:t>
+              <a:t>2021-01-18</a:t>
             </a:fld>
             <a:endParaRPr lang="ko-KR" altLang="en-US"/>
           </a:p>
@@ -1350,7 +1350,7 @@
           <a:p>
             <a:fld id="{4487A7D5-BEB9-4F0F-96DA-B93C3377B38E}" type="datetimeFigureOut">
               <a:rPr lang="ko-KR" altLang="en-US" smtClean="0"/>
-              <a:t>2021-01-15</a:t>
+              <a:t>2021-01-18</a:t>
             </a:fld>
             <a:endParaRPr lang="ko-KR" altLang="en-US"/>
           </a:p>
@@ -1717,7 +1717,7 @@
           <a:p>
             <a:fld id="{4487A7D5-BEB9-4F0F-96DA-B93C3377B38E}" type="datetimeFigureOut">
               <a:rPr lang="ko-KR" altLang="en-US" smtClean="0"/>
-              <a:t>2021-01-15</a:t>
+              <a:t>2021-01-18</a:t>
             </a:fld>
             <a:endParaRPr lang="ko-KR" altLang="en-US"/>
           </a:p>
@@ -1835,7 +1835,7 @@
           <a:p>
             <a:fld id="{4487A7D5-BEB9-4F0F-96DA-B93C3377B38E}" type="datetimeFigureOut">
               <a:rPr lang="ko-KR" altLang="en-US" smtClean="0"/>
-              <a:t>2021-01-15</a:t>
+              <a:t>2021-01-18</a:t>
             </a:fld>
             <a:endParaRPr lang="ko-KR" altLang="en-US"/>
           </a:p>
@@ -1930,7 +1930,7 @@
           <a:p>
             <a:fld id="{4487A7D5-BEB9-4F0F-96DA-B93C3377B38E}" type="datetimeFigureOut">
               <a:rPr lang="ko-KR" altLang="en-US" smtClean="0"/>
-              <a:t>2021-01-15</a:t>
+              <a:t>2021-01-18</a:t>
             </a:fld>
             <a:endParaRPr lang="ko-KR" altLang="en-US"/>
           </a:p>
@@ -2207,7 +2207,7 @@
           <a:p>
             <a:fld id="{4487A7D5-BEB9-4F0F-96DA-B93C3377B38E}" type="datetimeFigureOut">
               <a:rPr lang="ko-KR" altLang="en-US" smtClean="0"/>
-              <a:t>2021-01-15</a:t>
+              <a:t>2021-01-18</a:t>
             </a:fld>
             <a:endParaRPr lang="ko-KR" altLang="en-US"/>
           </a:p>
@@ -2460,7 +2460,7 @@
           <a:p>
             <a:fld id="{4487A7D5-BEB9-4F0F-96DA-B93C3377B38E}" type="datetimeFigureOut">
               <a:rPr lang="ko-KR" altLang="en-US" smtClean="0"/>
-              <a:t>2021-01-15</a:t>
+              <a:t>2021-01-18</a:t>
             </a:fld>
             <a:endParaRPr lang="ko-KR" altLang="en-US"/>
           </a:p>
@@ -2673,7 +2673,7 @@
           <a:p>
             <a:fld id="{4487A7D5-BEB9-4F0F-96DA-B93C3377B38E}" type="datetimeFigureOut">
               <a:rPr lang="ko-KR" altLang="en-US" smtClean="0"/>
-              <a:t>2021-01-15</a:t>
+              <a:t>2021-01-18</a:t>
             </a:fld>
             <a:endParaRPr lang="ko-KR" altLang="en-US"/>
           </a:p>
@@ -6358,11 +6358,7 @@
           <a:p>
             <a:r>
               <a:rPr lang="en-US" altLang="ko-KR" sz="2400" b="1" dirty="0" smtClean="0"/>
-              <a:t>1. </a:t>
-            </a:r>
-            <a:r>
-              <a:rPr lang="en-US" altLang="ko-KR" sz="2400" b="1" dirty="0" smtClean="0"/>
-              <a:t>React </a:t>
+              <a:t>1. React </a:t>
             </a:r>
             <a:r>
               <a:rPr lang="en-US" altLang="ko-KR" sz="2400" b="1" dirty="0" err="1" smtClean="0"/>
@@ -7825,40 +7821,38 @@
               <a:t>jdbc:mariadb</a:t>
             </a:r>
             <a:r>
-              <a:rPr lang="en-US" altLang="ko-KR" dirty="0"/>
+              <a:rPr lang="en-US" altLang="ko-KR" dirty="0" smtClean="0"/>
               <a:t>://localhost:3306/</a:t>
             </a:r>
             <a:r>
-              <a:rPr lang="en-US" altLang="ko-KR" dirty="0" err="1"/>
+              <a:rPr lang="en-US" altLang="ko-KR" dirty="0" err="1" smtClean="0"/>
               <a:t>ismaniatest?characterEncoding</a:t>
             </a:r>
             <a:r>
-              <a:rPr lang="en-US" altLang="ko-KR" dirty="0"/>
+              <a:rPr lang="en-US" altLang="ko-KR" dirty="0" smtClean="0"/>
               <a:t>=UTF-8&amp;serverTimezone=UTC</a:t>
             </a:r>
-          </a:p>
-          <a:p>
-            <a:r>
-              <a:rPr lang="en-US" altLang="ko-KR" dirty="0" err="1"/>
+            <a:endParaRPr lang="en-US" altLang="ko-KR" dirty="0"/>
+          </a:p>
+          <a:p>
+            <a:r>
+              <a:rPr lang="en-US" altLang="ko-KR" dirty="0" err="1" smtClean="0"/>
               <a:t>spring.datasource.username</a:t>
             </a:r>
             <a:r>
-              <a:rPr lang="en-US" altLang="ko-KR" dirty="0"/>
+              <a:rPr lang="en-US" altLang="ko-KR" dirty="0" smtClean="0"/>
               <a:t>=root</a:t>
             </a:r>
-          </a:p>
-          <a:p>
-            <a:r>
-              <a:rPr lang="en-US" altLang="ko-KR" dirty="0" err="1"/>
+            <a:endParaRPr lang="en-US" altLang="ko-KR" dirty="0"/>
+          </a:p>
+          <a:p>
+            <a:r>
+              <a:rPr lang="en-US" altLang="ko-KR" dirty="0" err="1" smtClean="0"/>
               <a:t>spring.datasource.password</a:t>
             </a:r>
             <a:r>
-              <a:rPr lang="en-US" altLang="ko-KR" dirty="0"/>
-              <a:t>=root</a:t>
-            </a:r>
-            <a:r>
-              <a:rPr lang="en-US" altLang="ko-KR" dirty="0" smtClean="0"/>
-              <a:t>!!</a:t>
+              <a:rPr lang="en-US" altLang="ko-KR" dirty="0" smtClean="0"/>
+              <a:t>=root!!</a:t>
             </a:r>
             <a:endParaRPr lang="en-US" altLang="ko-KR" dirty="0"/>
           </a:p>
@@ -8046,17 +8040,18 @@
               <a:t>jdbc:mariadb</a:t>
             </a:r>
             <a:r>
-              <a:rPr lang="en-US" altLang="ko-KR" sz="1600" dirty="0"/>
+              <a:rPr lang="en-US" altLang="ko-KR" sz="1600" dirty="0" smtClean="0"/>
               <a:t>://localhost:3306/</a:t>
             </a:r>
             <a:r>
-              <a:rPr lang="en-US" altLang="ko-KR" sz="1600" dirty="0" err="1"/>
+              <a:rPr lang="en-US" altLang="ko-KR" sz="1600" dirty="0" err="1" smtClean="0"/>
               <a:t>ismaniatest?characterEncoding</a:t>
             </a:r>
             <a:r>
-              <a:rPr lang="en-US" altLang="ko-KR" sz="1600" dirty="0"/>
+              <a:rPr lang="en-US" altLang="ko-KR" sz="1600" dirty="0" smtClean="0"/>
               <a:t>=UTF-8&amp;serverTimezone=UTC</a:t>
             </a:r>
+            <a:endParaRPr lang="en-US" altLang="ko-KR" sz="1600" dirty="0"/>
           </a:p>
           <a:p>
             <a:r>

--- a/docs/스프링부트+리액트 정리.pptx
+++ b/docs/스프링부트+리액트 정리.pptx
@@ -25,29 +25,19 @@
     <p:sldId id="280" r:id="rId19"/>
     <p:sldId id="308" r:id="rId20"/>
     <p:sldId id="281" r:id="rId21"/>
-    <p:sldId id="304" r:id="rId22"/>
-    <p:sldId id="305" r:id="rId23"/>
-    <p:sldId id="306" r:id="rId24"/>
-    <p:sldId id="309" r:id="rId25"/>
-    <p:sldId id="291" r:id="rId26"/>
-    <p:sldId id="293" r:id="rId27"/>
-    <p:sldId id="292" r:id="rId28"/>
-    <p:sldId id="294" r:id="rId29"/>
-    <p:sldId id="296" r:id="rId30"/>
-    <p:sldId id="297" r:id="rId31"/>
-    <p:sldId id="298" r:id="rId32"/>
-    <p:sldId id="299" r:id="rId33"/>
-    <p:sldId id="300" r:id="rId34"/>
-    <p:sldId id="301" r:id="rId35"/>
-    <p:sldId id="302" r:id="rId36"/>
-    <p:sldId id="303" r:id="rId37"/>
-    <p:sldId id="283" r:id="rId38"/>
-    <p:sldId id="284" r:id="rId39"/>
-    <p:sldId id="285" r:id="rId40"/>
-    <p:sldId id="287" r:id="rId41"/>
-    <p:sldId id="288" r:id="rId42"/>
-    <p:sldId id="289" r:id="rId43"/>
-    <p:sldId id="290" r:id="rId44"/>
+    <p:sldId id="291" r:id="rId22"/>
+    <p:sldId id="293" r:id="rId23"/>
+    <p:sldId id="292" r:id="rId24"/>
+    <p:sldId id="294" r:id="rId25"/>
+    <p:sldId id="296" r:id="rId26"/>
+    <p:sldId id="297" r:id="rId27"/>
+    <p:sldId id="283" r:id="rId28"/>
+    <p:sldId id="284" r:id="rId29"/>
+    <p:sldId id="285" r:id="rId30"/>
+    <p:sldId id="287" r:id="rId31"/>
+    <p:sldId id="288" r:id="rId32"/>
+    <p:sldId id="289" r:id="rId33"/>
+    <p:sldId id="290" r:id="rId34"/>
   </p:sldIdLst>
   <p:sldSz cx="12192000" cy="6858000"/>
   <p:notesSz cx="6858000" cy="9144000"/>
@@ -173,14 +163,6 @@
             <p14:sldId id="281"/>
           </p14:sldIdLst>
         </p14:section>
-        <p14:section name="Spring-Boot + React" id="{03798F0A-41CA-4CB9-A19C-221B7A325EA2}">
-          <p14:sldIdLst>
-            <p14:sldId id="304"/>
-            <p14:sldId id="305"/>
-            <p14:sldId id="306"/>
-            <p14:sldId id="309"/>
-          </p14:sldIdLst>
-        </p14:section>
         <p14:section name="Spring-Boot + Mybatis" id="{4593C83C-C517-4C5A-A0BC-63B202A577F6}">
           <p14:sldIdLst>
             <p14:sldId id="291"/>
@@ -189,12 +171,6 @@
             <p14:sldId id="294"/>
             <p14:sldId id="296"/>
             <p14:sldId id="297"/>
-            <p14:sldId id="298"/>
-            <p14:sldId id="299"/>
-            <p14:sldId id="300"/>
-            <p14:sldId id="301"/>
-            <p14:sldId id="302"/>
-            <p14:sldId id="303"/>
           </p14:sldIdLst>
         </p14:section>
         <p14:section name="React" id="{9D6ED6DE-1B0F-493A-B773-BEAEAF8BD7BD}">
@@ -352,7 +328,7 @@
           <a:p>
             <a:fld id="{4487A7D5-BEB9-4F0F-96DA-B93C3377B38E}" type="datetimeFigureOut">
               <a:rPr lang="ko-KR" altLang="en-US" smtClean="0"/>
-              <a:t>2021-01-18</a:t>
+              <a:t>2021-01-25</a:t>
             </a:fld>
             <a:endParaRPr lang="ko-KR" altLang="en-US"/>
           </a:p>
@@ -522,7 +498,7 @@
           <a:p>
             <a:fld id="{4487A7D5-BEB9-4F0F-96DA-B93C3377B38E}" type="datetimeFigureOut">
               <a:rPr lang="ko-KR" altLang="en-US" smtClean="0"/>
-              <a:t>2021-01-18</a:t>
+              <a:t>2021-01-25</a:t>
             </a:fld>
             <a:endParaRPr lang="ko-KR" altLang="en-US"/>
           </a:p>
@@ -702,7 +678,7 @@
           <a:p>
             <a:fld id="{4487A7D5-BEB9-4F0F-96DA-B93C3377B38E}" type="datetimeFigureOut">
               <a:rPr lang="ko-KR" altLang="en-US" smtClean="0"/>
-              <a:t>2021-01-18</a:t>
+              <a:t>2021-01-25</a:t>
             </a:fld>
             <a:endParaRPr lang="ko-KR" altLang="en-US"/>
           </a:p>
@@ -872,7 +848,7 @@
           <a:p>
             <a:fld id="{4487A7D5-BEB9-4F0F-96DA-B93C3377B38E}" type="datetimeFigureOut">
               <a:rPr lang="ko-KR" altLang="en-US" smtClean="0"/>
-              <a:t>2021-01-18</a:t>
+              <a:t>2021-01-25</a:t>
             </a:fld>
             <a:endParaRPr lang="ko-KR" altLang="en-US"/>
           </a:p>
@@ -1118,7 +1094,7 @@
           <a:p>
             <a:fld id="{4487A7D5-BEB9-4F0F-96DA-B93C3377B38E}" type="datetimeFigureOut">
               <a:rPr lang="ko-KR" altLang="en-US" smtClean="0"/>
-              <a:t>2021-01-18</a:t>
+              <a:t>2021-01-25</a:t>
             </a:fld>
             <a:endParaRPr lang="ko-KR" altLang="en-US"/>
           </a:p>
@@ -1350,7 +1326,7 @@
           <a:p>
             <a:fld id="{4487A7D5-BEB9-4F0F-96DA-B93C3377B38E}" type="datetimeFigureOut">
               <a:rPr lang="ko-KR" altLang="en-US" smtClean="0"/>
-              <a:t>2021-01-18</a:t>
+              <a:t>2021-01-25</a:t>
             </a:fld>
             <a:endParaRPr lang="ko-KR" altLang="en-US"/>
           </a:p>
@@ -1717,7 +1693,7 @@
           <a:p>
             <a:fld id="{4487A7D5-BEB9-4F0F-96DA-B93C3377B38E}" type="datetimeFigureOut">
               <a:rPr lang="ko-KR" altLang="en-US" smtClean="0"/>
-              <a:t>2021-01-18</a:t>
+              <a:t>2021-01-25</a:t>
             </a:fld>
             <a:endParaRPr lang="ko-KR" altLang="en-US"/>
           </a:p>
@@ -1835,7 +1811,7 @@
           <a:p>
             <a:fld id="{4487A7D5-BEB9-4F0F-96DA-B93C3377B38E}" type="datetimeFigureOut">
               <a:rPr lang="ko-KR" altLang="en-US" smtClean="0"/>
-              <a:t>2021-01-18</a:t>
+              <a:t>2021-01-25</a:t>
             </a:fld>
             <a:endParaRPr lang="ko-KR" altLang="en-US"/>
           </a:p>
@@ -1930,7 +1906,7 @@
           <a:p>
             <a:fld id="{4487A7D5-BEB9-4F0F-96DA-B93C3377B38E}" type="datetimeFigureOut">
               <a:rPr lang="ko-KR" altLang="en-US" smtClean="0"/>
-              <a:t>2021-01-18</a:t>
+              <a:t>2021-01-25</a:t>
             </a:fld>
             <a:endParaRPr lang="ko-KR" altLang="en-US"/>
           </a:p>
@@ -2207,7 +2183,7 @@
           <a:p>
             <a:fld id="{4487A7D5-BEB9-4F0F-96DA-B93C3377B38E}" type="datetimeFigureOut">
               <a:rPr lang="ko-KR" altLang="en-US" smtClean="0"/>
-              <a:t>2021-01-18</a:t>
+              <a:t>2021-01-25</a:t>
             </a:fld>
             <a:endParaRPr lang="ko-KR" altLang="en-US"/>
           </a:p>
@@ -2460,7 +2436,7 @@
           <a:p>
             <a:fld id="{4487A7D5-BEB9-4F0F-96DA-B93C3377B38E}" type="datetimeFigureOut">
               <a:rPr lang="ko-KR" altLang="en-US" smtClean="0"/>
-              <a:t>2021-01-18</a:t>
+              <a:t>2021-01-25</a:t>
             </a:fld>
             <a:endParaRPr lang="ko-KR" altLang="en-US"/>
           </a:p>
@@ -2673,7 +2649,7 @@
           <a:p>
             <a:fld id="{4487A7D5-BEB9-4F0F-96DA-B93C3377B38E}" type="datetimeFigureOut">
               <a:rPr lang="ko-KR" altLang="en-US" smtClean="0"/>
-              <a:t>2021-01-18</a:t>
+              <a:t>2021-01-25</a:t>
             </a:fld>
             <a:endParaRPr lang="ko-KR" altLang="en-US"/>
           </a:p>
@@ -3850,7 +3826,11 @@
             </a:r>
             <a:r>
               <a:rPr lang="en-US" altLang="ko-KR" sz="2400" b="1" dirty="0" smtClean="0"/>
-              <a:t>&gt; 1.8</a:t>
+              <a:t>&gt; </a:t>
+            </a:r>
+            <a:r>
+              <a:rPr lang="en-US" altLang="ko-KR" sz="2400" b="1" dirty="0" smtClean="0"/>
+              <a:t>14</a:t>
             </a:r>
             <a:endParaRPr lang="ko-KR" altLang="en-US" sz="2400" b="1" dirty="0"/>
           </a:p>
@@ -3864,7 +3844,7 @@
         </p:nvSpPr>
         <p:spPr>
           <a:xfrm>
-            <a:off x="2039650" y="1808017"/>
+            <a:off x="2041136" y="1975071"/>
             <a:ext cx="3480001" cy="187037"/>
           </a:xfrm>
           <a:prstGeom prst="rect">
@@ -4089,7 +4069,7 @@
         <p:spPr>
           <a:xfrm>
             <a:off x="7787214" y="1972178"/>
-            <a:ext cx="4394130" cy="923330"/>
+            <a:ext cx="4394130" cy="1200329"/>
           </a:xfrm>
           <a:prstGeom prst="rect">
             <a:avLst/>
@@ -4104,8 +4084,19 @@
           <a:p>
             <a:r>
               <a:rPr lang="en-US" altLang="ko-KR" dirty="0" smtClean="0"/>
-              <a:t>Spring Web</a:t>
-            </a:r>
+              <a:t>Spring </a:t>
+            </a:r>
+            <a:r>
+              <a:rPr lang="en-US" altLang="ko-KR" dirty="0" smtClean="0"/>
+              <a:t>Web</a:t>
+            </a:r>
+          </a:p>
+          <a:p>
+            <a:r>
+              <a:rPr lang="en-US" altLang="ko-KR" dirty="0" smtClean="0"/>
+              <a:t>Spring Web Services</a:t>
+            </a:r>
+            <a:endParaRPr lang="en-US" altLang="ko-KR" dirty="0" smtClean="0"/>
           </a:p>
           <a:p>
             <a:r>
@@ -4797,7 +4788,7 @@
       </p:grpSpPr>
       <p:pic>
         <p:nvPicPr>
-          <p:cNvPr id="3" name="그림 2"/>
+          <p:cNvPr id="2" name="그림 1"/>
           <p:cNvPicPr>
             <a:picLocks noChangeAspect="1"/>
           </p:cNvPicPr>
@@ -4811,8 +4802,8 @@
         </p:blipFill>
         <p:spPr>
           <a:xfrm>
-            <a:off x="163044" y="998443"/>
-            <a:ext cx="7236186" cy="5508378"/>
+            <a:off x="163043" y="998443"/>
+            <a:ext cx="7236187" cy="5508378"/>
           </a:xfrm>
           <a:prstGeom prst="rect">
             <a:avLst/>
@@ -4861,8 +4852,8 @@
         </p:nvSpPr>
         <p:spPr>
           <a:xfrm>
-            <a:off x="1517012" y="1425632"/>
-            <a:ext cx="1051622" cy="1359131"/>
+            <a:off x="637781" y="1793631"/>
+            <a:ext cx="1930851" cy="1143000"/>
           </a:xfrm>
           <a:prstGeom prst="rect">
             <a:avLst/>
@@ -4944,7 +4935,7 @@
         <p:spPr>
           <a:xfrm>
             <a:off x="7714210" y="998443"/>
-            <a:ext cx="4477789" cy="3416320"/>
+            <a:ext cx="4477789" cy="2723823"/>
           </a:xfrm>
           <a:prstGeom prst="rect">
             <a:avLst/>
@@ -4964,20 +4955,21 @@
             </a:pPr>
             <a:r>
               <a:rPr lang="ko-KR" altLang="en-US" sz="1200" dirty="0" smtClean="0"/>
-              <a:t>프로젝트 어플리케이션 설정을 추가하기 위해 </a:t>
+              <a:t>프로젝트 어플리케이션 설정을 </a:t>
             </a:r>
             <a:r>
               <a:rPr lang="en-US" altLang="ko-KR" sz="1200" dirty="0" err="1" smtClean="0"/>
-              <a:t>application.yml</a:t>
+              <a:t>application.properties</a:t>
             </a:r>
             <a:r>
               <a:rPr lang="ko-KR" altLang="en-US" sz="1200" dirty="0" smtClean="0"/>
-              <a:t>에 파일을 생성한다</a:t>
-            </a:r>
-            <a:r>
-              <a:rPr lang="en-US" altLang="ko-KR" sz="1200" dirty="0" smtClean="0"/>
-              <a:t>.</a:t>
-            </a:r>
+              <a:t> </a:t>
+            </a:r>
+            <a:r>
+              <a:rPr lang="ko-KR" altLang="en-US" sz="1200" dirty="0" smtClean="0"/>
+              <a:t>파일 수정</a:t>
+            </a:r>
+            <a:endParaRPr lang="en-US" altLang="ko-KR" sz="1200" dirty="0" smtClean="0"/>
           </a:p>
           <a:p>
             <a:pPr>
@@ -4985,73 +4977,36 @@
                 <a:spcPct val="150000"/>
               </a:lnSpc>
             </a:pPr>
-            <a:r>
-              <a:rPr lang="en-US" altLang="ko-KR" sz="1200" dirty="0" smtClean="0"/>
-              <a:t>(</a:t>
-            </a:r>
-            <a:r>
-              <a:rPr lang="en-US" altLang="ko-KR" sz="1200" dirty="0" err="1" smtClean="0"/>
-              <a:t>application.properties</a:t>
-            </a:r>
-            <a:r>
-              <a:rPr lang="ko-KR" altLang="en-US" sz="1200" dirty="0" smtClean="0"/>
-              <a:t>의 확장자만 변경</a:t>
-            </a:r>
-            <a:r>
-              <a:rPr lang="en-US" altLang="ko-KR" sz="1200" dirty="0" smtClean="0"/>
-              <a:t>)</a:t>
-            </a:r>
-          </a:p>
-          <a:p>
-            <a:pPr>
-              <a:lnSpc>
-                <a:spcPct val="150000"/>
-              </a:lnSpc>
-            </a:pPr>
-            <a:endParaRPr lang="en-US" altLang="ko-KR" sz="1200" dirty="0"/>
+            <a:endParaRPr lang="en-US" altLang="ko-KR" sz="1000" dirty="0"/>
           </a:p>
           <a:p>
             <a:r>
               <a:rPr lang="en-US" altLang="ko-KR" sz="1200" dirty="0"/>
-              <a:t>server:</a:t>
-            </a:r>
-          </a:p>
-          <a:p>
+              <a:t>## Server </a:t>
+            </a:r>
+            <a:r>
+              <a:rPr lang="ko-KR" altLang="en-US" sz="1200" dirty="0"/>
+              <a:t>설정</a:t>
+            </a:r>
+          </a:p>
+          <a:p>
+            <a:r>
+              <a:rPr lang="en-US" altLang="ko-KR" sz="1200" dirty="0" err="1"/>
+              <a:t>server.servlet.encoding.charset</a:t>
+            </a:r>
             <a:r>
               <a:rPr lang="en-US" altLang="ko-KR" sz="1200" dirty="0"/>
-              <a:t>    servlet:</a:t>
-            </a:r>
-          </a:p>
-          <a:p>
+              <a:t>=UTF-8</a:t>
+            </a:r>
+          </a:p>
+          <a:p>
+            <a:r>
+              <a:rPr lang="en-US" altLang="ko-KR" sz="1200" dirty="0" err="1"/>
+              <a:t>server.servlet.tomcat.uri</a:t>
+            </a:r>
             <a:r>
               <a:rPr lang="en-US" altLang="ko-KR" sz="1200" dirty="0"/>
-              <a:t>        encoding:</a:t>
-            </a:r>
-          </a:p>
-          <a:p>
-            <a:r>
-              <a:rPr lang="en-US" altLang="ko-KR" sz="1200" dirty="0"/>
-              <a:t>            charset: UTF-8</a:t>
-            </a:r>
-          </a:p>
-          <a:p>
-            <a:r>
-              <a:rPr lang="en-US" altLang="ko-KR" sz="1200" dirty="0"/>
-              <a:t>    tomcat:</a:t>
-            </a:r>
-          </a:p>
-          <a:p>
-            <a:r>
-              <a:rPr lang="en-US" altLang="ko-KR" sz="1200" dirty="0"/>
-              <a:t>        </a:t>
-            </a:r>
-            <a:r>
-              <a:rPr lang="en-US" altLang="ko-KR" sz="1200" dirty="0" err="1"/>
-              <a:t>uri</a:t>
-            </a:r>
-            <a:r>
-              <a:rPr lang="en-US" altLang="ko-KR" sz="1200" dirty="0"/>
-              <a:t>-encoding: UTF-8</a:t>
+              <a:t>-encoding=UTF-8</a:t>
             </a:r>
           </a:p>
           <a:p>
@@ -5064,50 +5019,55 @@
             </a:br>
             <a:r>
               <a:rPr lang="en-US" altLang="ko-KR" sz="1200" dirty="0"/>
-              <a:t>spring:</a:t>
-            </a:r>
-          </a:p>
-          <a:p>
+              <a:t>## JSP </a:t>
+            </a:r>
+            <a:r>
+              <a:rPr lang="ko-KR" altLang="en-US" sz="1200" dirty="0"/>
+              <a:t>페이지 처리 설정</a:t>
+            </a:r>
+          </a:p>
+          <a:p>
+            <a:r>
+              <a:rPr lang="en-US" altLang="ko-KR" sz="1200" dirty="0" err="1"/>
+              <a:t>spring.mvc.view.prefix</a:t>
+            </a:r>
             <a:r>
               <a:rPr lang="en-US" altLang="ko-KR" sz="1200" dirty="0"/>
-              <a:t>    </a:t>
-            </a:r>
-            <a:r>
-              <a:rPr lang="en-US" altLang="ko-KR" sz="1200" dirty="0" err="1"/>
-              <a:t>mvc</a:t>
-            </a:r>
-            <a:r>
-              <a:rPr lang="en-US" altLang="ko-KR" sz="1200" dirty="0"/>
-              <a:t>:</a:t>
-            </a:r>
-          </a:p>
-          <a:p>
-            <a:r>
-              <a:rPr lang="en-US" altLang="ko-KR" sz="1200" dirty="0"/>
-              <a:t>        view:</a:t>
-            </a:r>
-          </a:p>
-          <a:p>
-            <a:r>
-              <a:rPr lang="en-US" altLang="ko-KR" sz="1200" dirty="0"/>
-              <a:t>            prefix: /</a:t>
+              <a:t>=/WEB-INF/</a:t>
             </a:r>
             <a:r>
               <a:rPr lang="en-US" altLang="ko-KR" sz="1200" dirty="0" err="1"/>
               <a:t>jsp</a:t>
             </a:r>
+            <a:r>
+              <a:rPr lang="en-US" altLang="ko-KR" sz="1200" dirty="0"/>
+              <a:t>/</a:t>
+            </a:r>
+          </a:p>
+          <a:p>
+            <a:r>
+              <a:rPr lang="en-US" altLang="ko-KR" sz="1200" dirty="0" err="1"/>
+              <a:t>spring.mvc.view.suffix</a:t>
+            </a:r>
+            <a:r>
+              <a:rPr lang="en-US" altLang="ko-KR" sz="1200" dirty="0"/>
+              <a:t>=.</a:t>
+            </a:r>
+            <a:r>
+              <a:rPr lang="en-US" altLang="ko-KR" sz="1200" dirty="0" err="1"/>
+              <a:t>jsp</a:t>
+            </a:r>
             <a:endParaRPr lang="en-US" altLang="ko-KR" sz="1200" dirty="0"/>
           </a:p>
           <a:p>
             <a:r>
-              <a:rPr lang="en-US" altLang="ko-KR" sz="1200" dirty="0"/>
-              <a:t>            suffix: .</a:t>
-            </a:r>
-            <a:r>
-              <a:rPr lang="en-US" altLang="ko-KR" sz="1200" dirty="0" err="1" smtClean="0"/>
-              <a:t>jsp</a:t>
-            </a:r>
-            <a:endParaRPr lang="en-US" altLang="ko-KR" sz="1200" dirty="0"/>
+              <a:rPr lang="en-US" altLang="ko-KR" dirty="0"/>
+              <a:t/>
+            </a:r>
+            <a:br>
+              <a:rPr lang="en-US" altLang="ko-KR" dirty="0"/>
+            </a:br>
+            <a:endParaRPr lang="en-US" altLang="ko-KR" dirty="0"/>
           </a:p>
         </p:txBody>
       </p:sp>
@@ -5902,7 +5862,11 @@
           <a:p>
             <a:r>
               <a:rPr lang="en-US" altLang="ko-KR" dirty="0" smtClean="0"/>
-              <a:t>Spring-Boot + React</a:t>
+              <a:t>Spring Boot + </a:t>
+            </a:r>
+            <a:r>
+              <a:rPr lang="en-US" altLang="ko-KR" dirty="0" err="1" smtClean="0"/>
+              <a:t>Mybatis</a:t>
             </a:r>
             <a:endParaRPr lang="ko-KR" altLang="en-US" dirty="0"/>
           </a:p>
@@ -5925,11 +5889,15 @@
           <a:p>
             <a:r>
               <a:rPr lang="en-US" altLang="ko-KR" dirty="0" smtClean="0"/>
-              <a:t>1. </a:t>
+              <a:t>0. </a:t>
             </a:r>
             <a:r>
               <a:rPr lang="ko-KR" altLang="en-US" dirty="0" smtClean="0"/>
               <a:t>사전 세팅</a:t>
+            </a:r>
+            <a:r>
+              <a:rPr lang="en-US" altLang="ko-KR" dirty="0" smtClean="0"/>
+              <a:t> </a:t>
             </a:r>
             <a:endParaRPr lang="ko-KR" altLang="en-US" dirty="0"/>
           </a:p>
@@ -5938,7 +5906,7 @@
     </p:spTree>
     <p:extLst>
       <p:ext uri="{BB962C8B-B14F-4D97-AF65-F5344CB8AC3E}">
-        <p14:creationId xmlns:p14="http://schemas.microsoft.com/office/powerpoint/2010/main" val="4231885053"/>
+        <p14:creationId xmlns:p14="http://schemas.microsoft.com/office/powerpoint/2010/main" val="2475783380"/>
       </p:ext>
     </p:extLst>
   </p:cSld>
@@ -5965,6 +5933,30 @@
           <a:chExt cx="0" cy="0"/>
         </a:xfrm>
       </p:grpSpPr>
+      <p:pic>
+        <p:nvPicPr>
+          <p:cNvPr id="4" name="그림 3"/>
+          <p:cNvPicPr>
+            <a:picLocks noChangeAspect="1"/>
+          </p:cNvPicPr>
+          <p:nvPr/>
+        </p:nvPicPr>
+        <p:blipFill>
+          <a:blip r:embed="rId2"/>
+          <a:stretch>
+            <a:fillRect/>
+          </a:stretch>
+        </p:blipFill>
+        <p:spPr>
+          <a:xfrm>
+            <a:off x="163043" y="1087997"/>
+            <a:ext cx="7259315" cy="5427138"/>
+          </a:xfrm>
+          <a:prstGeom prst="rect">
+            <a:avLst/>
+          </a:prstGeom>
+        </p:spPr>
+      </p:pic>
       <p:sp>
         <p:nvSpPr>
           <p:cNvPr id="5" name="TextBox 4"/>
@@ -5989,12 +5981,52 @@
           <a:p>
             <a:r>
               <a:rPr lang="en-US" altLang="ko-KR" sz="2400" b="1" dirty="0" smtClean="0"/>
-              <a:t>0. </a:t>
+              <a:t>1. Dependency </a:t>
+            </a:r>
+            <a:r>
+              <a:rPr lang="ko-KR" altLang="en-US" sz="2400" b="1" dirty="0" smtClean="0"/>
+              <a:t>등록</a:t>
             </a:r>
             <a:endParaRPr lang="ko-KR" altLang="en-US" sz="2400" b="1" dirty="0"/>
           </a:p>
         </p:txBody>
       </p:sp>
+      <p:cxnSp>
+        <p:nvCxnSpPr>
+          <p:cNvPr id="9" name="직선 화살표 연결선 8"/>
+          <p:cNvCxnSpPr/>
+          <p:nvPr/>
+        </p:nvCxnSpPr>
+        <p:spPr>
+          <a:xfrm flipV="1">
+            <a:off x="3602623" y="3300152"/>
+            <a:ext cx="4061712" cy="1"/>
+          </a:xfrm>
+          <a:prstGeom prst="straightConnector1">
+            <a:avLst/>
+          </a:prstGeom>
+          <a:ln>
+            <a:solidFill>
+              <a:srgbClr val="00B0F0"/>
+            </a:solidFill>
+            <a:tailEnd type="triangle"/>
+          </a:ln>
+        </p:spPr>
+        <p:style>
+          <a:lnRef idx="1">
+            <a:schemeClr val="accent1"/>
+          </a:lnRef>
+          <a:fillRef idx="0">
+            <a:schemeClr val="accent1"/>
+          </a:fillRef>
+          <a:effectRef idx="0">
+            <a:schemeClr val="accent1"/>
+          </a:effectRef>
+          <a:fontRef idx="minor">
+            <a:schemeClr val="tx1"/>
+          </a:fontRef>
+        </p:style>
+      </p:cxnSp>
       <p:sp>
         <p:nvSpPr>
           <p:cNvPr id="10" name="TextBox 9"/>
@@ -6003,8 +6035,8 @@
         </p:nvSpPr>
         <p:spPr>
           <a:xfrm>
-            <a:off x="163043" y="732978"/>
-            <a:ext cx="11873785" cy="2585323"/>
+            <a:off x="7664335" y="2153967"/>
+            <a:ext cx="4394130" cy="3139321"/>
           </a:xfrm>
           <a:prstGeom prst="rect">
             <a:avLst/>
@@ -6017,273 +6049,202 @@
           </a:bodyPr>
           <a:lstStyle/>
           <a:p>
-            <a:pPr algn="just">
-              <a:lnSpc>
-                <a:spcPct val="150000"/>
-              </a:lnSpc>
-            </a:pPr>
-            <a:r>
-              <a:rPr lang="en-US" altLang="ko-KR" dirty="0" smtClean="0">
-                <a:solidFill>
-                  <a:srgbClr val="FF0000"/>
-                </a:solidFill>
-              </a:rPr>
-              <a:t>“ </a:t>
-            </a:r>
-            <a:r>
-              <a:rPr lang="en-US" altLang="ko-KR" dirty="0" err="1" smtClean="0">
-                <a:solidFill>
-                  <a:srgbClr val="FF0000"/>
-                </a:solidFill>
-              </a:rPr>
-              <a:t>npx</a:t>
-            </a:r>
-            <a:r>
-              <a:rPr lang="en-US" altLang="ko-KR" dirty="0" smtClean="0">
-                <a:solidFill>
-                  <a:srgbClr val="FF0000"/>
-                </a:solidFill>
-              </a:rPr>
-              <a:t> create-react-app </a:t>
-            </a:r>
-            <a:r>
-              <a:rPr lang="ko-KR" altLang="en-US" dirty="0" err="1" smtClean="0">
-                <a:solidFill>
-                  <a:srgbClr val="FF0000"/>
-                </a:solidFill>
-              </a:rPr>
-              <a:t>프로젝트명</a:t>
-            </a:r>
-            <a:r>
-              <a:rPr lang="ko-KR" altLang="en-US" dirty="0" smtClean="0">
-                <a:solidFill>
-                  <a:srgbClr val="FF0000"/>
-                </a:solidFill>
-              </a:rPr>
+            <a:r>
+              <a:rPr lang="en-US" altLang="ko-KR" dirty="0" err="1" smtClean="0"/>
+              <a:t>Mybatis</a:t>
+            </a:r>
+            <a:r>
+              <a:rPr lang="en-US" altLang="ko-KR" dirty="0" smtClean="0"/>
               <a:t> </a:t>
             </a:r>
             <a:r>
-              <a:rPr lang="en-US" altLang="ko-KR" dirty="0" smtClean="0">
-                <a:solidFill>
-                  <a:srgbClr val="FF0000"/>
-                </a:solidFill>
-              </a:rPr>
-              <a:t>“ </a:t>
-            </a:r>
-            <a:r>
-              <a:rPr lang="ko-KR" altLang="en-US" dirty="0" smtClean="0">
-                <a:solidFill>
-                  <a:srgbClr val="FF0000"/>
-                </a:solidFill>
-              </a:rPr>
-              <a:t>명령어를 사용하면 단일 </a:t>
-            </a:r>
-            <a:r>
-              <a:rPr lang="ko-KR" altLang="en-US" dirty="0" err="1" smtClean="0">
-                <a:solidFill>
-                  <a:srgbClr val="FF0000"/>
-                </a:solidFill>
-              </a:rPr>
-              <a:t>리액트</a:t>
-            </a:r>
-            <a:r>
-              <a:rPr lang="ko-KR" altLang="en-US" dirty="0" smtClean="0">
-                <a:solidFill>
-                  <a:srgbClr val="FF0000"/>
-                </a:solidFill>
-              </a:rPr>
-              <a:t> 프로젝트로 스프링부트와 별개로 프로젝트가 생성된다</a:t>
-            </a:r>
-            <a:r>
-              <a:rPr lang="en-US" altLang="ko-KR" dirty="0" smtClean="0">
-                <a:solidFill>
-                  <a:srgbClr val="FF0000"/>
-                </a:solidFill>
-              </a:rPr>
-              <a:t>. </a:t>
-            </a:r>
-          </a:p>
-          <a:p>
-            <a:pPr algn="just">
-              <a:lnSpc>
-                <a:spcPct val="150000"/>
-              </a:lnSpc>
-            </a:pPr>
-            <a:endParaRPr lang="en-US" altLang="ko-KR" dirty="0">
-              <a:solidFill>
-                <a:srgbClr val="FF0000"/>
-              </a:solidFill>
-            </a:endParaRPr>
-          </a:p>
-          <a:p>
-            <a:pPr algn="just">
-              <a:lnSpc>
-                <a:spcPct val="150000"/>
-              </a:lnSpc>
-            </a:pPr>
-            <a:r>
-              <a:rPr lang="ko-KR" altLang="en-US" dirty="0" smtClean="0">
-                <a:solidFill>
-                  <a:srgbClr val="FF0000"/>
-                </a:solidFill>
-              </a:rPr>
-              <a:t>따라서</a:t>
-            </a:r>
-            <a:r>
-              <a:rPr lang="en-US" altLang="ko-KR" dirty="0" smtClean="0">
-                <a:solidFill>
-                  <a:srgbClr val="FF0000"/>
-                </a:solidFill>
-              </a:rPr>
-              <a:t>,</a:t>
-            </a:r>
-            <a:r>
-              <a:rPr lang="ko-KR" altLang="en-US" dirty="0" smtClean="0">
-                <a:solidFill>
-                  <a:srgbClr val="FF0000"/>
-                </a:solidFill>
-              </a:rPr>
+              <a:rPr lang="ko-KR" altLang="en-US" dirty="0" smtClean="0"/>
+              <a:t>연동 전</a:t>
+            </a:r>
+            <a:r>
+              <a:rPr lang="en-US" altLang="ko-KR" dirty="0" smtClean="0"/>
+              <a:t>, pom.xml</a:t>
+            </a:r>
+            <a:r>
+              <a:rPr lang="ko-KR" altLang="en-US" dirty="0" smtClean="0"/>
+              <a:t>에 </a:t>
+            </a:r>
+            <a:r>
+              <a:rPr lang="en-US" altLang="ko-KR" dirty="0" smtClean="0"/>
+              <a:t>dependency</a:t>
+            </a:r>
+            <a:r>
+              <a:rPr lang="ko-KR" altLang="en-US" dirty="0" smtClean="0"/>
+              <a:t>를 등록한다</a:t>
+            </a:r>
+            <a:r>
+              <a:rPr lang="en-US" altLang="ko-KR" dirty="0" smtClean="0"/>
+              <a:t>.</a:t>
+            </a:r>
+          </a:p>
+          <a:p>
+            <a:endParaRPr lang="en-US" altLang="ko-KR" dirty="0"/>
+          </a:p>
+          <a:p>
+            <a:r>
+              <a:rPr lang="en-US" altLang="ko-KR" dirty="0" smtClean="0"/>
+              <a:t>1) </a:t>
+            </a:r>
+            <a:r>
+              <a:rPr lang="en-US" altLang="ko-KR" dirty="0" err="1" smtClean="0"/>
+              <a:t>Mybatis</a:t>
+            </a:r>
+            <a:endParaRPr lang="en-US" altLang="ko-KR" dirty="0" smtClean="0"/>
+          </a:p>
+          <a:p>
+            <a:r>
+              <a:rPr lang="en-US" altLang="ko-KR" dirty="0" smtClean="0"/>
+              <a:t>2)</a:t>
+            </a:r>
+            <a:r>
+              <a:rPr lang="ko-KR" altLang="en-US" dirty="0" smtClean="0"/>
               <a:t> </a:t>
             </a:r>
             <a:r>
-              <a:rPr lang="en-US" altLang="ko-KR" dirty="0" smtClean="0">
-                <a:solidFill>
-                  <a:srgbClr val="FF0000"/>
-                </a:solidFill>
-              </a:rPr>
-              <a:t>Spring-Boot</a:t>
-            </a:r>
-            <a:r>
-              <a:rPr lang="ko-KR" altLang="en-US" dirty="0" smtClean="0">
-                <a:solidFill>
-                  <a:srgbClr val="FF0000"/>
-                </a:solidFill>
-              </a:rPr>
-              <a:t>와 결합된 프로젝트를 만들기 위해서는</a:t>
-            </a:r>
-            <a:r>
-              <a:rPr lang="en-US" altLang="ko-KR" dirty="0" smtClean="0">
-                <a:solidFill>
-                  <a:srgbClr val="FF0000"/>
-                </a:solidFill>
-              </a:rPr>
-              <a:t>, Spring-Boot </a:t>
-            </a:r>
-            <a:r>
-              <a:rPr lang="ko-KR" altLang="en-US" dirty="0" smtClean="0">
-                <a:solidFill>
-                  <a:srgbClr val="FF0000"/>
-                </a:solidFill>
-              </a:rPr>
-              <a:t>프로젝트를 먼저 생성 후</a:t>
-            </a:r>
-            <a:r>
-              <a:rPr lang="en-US" altLang="ko-KR" dirty="0" smtClean="0">
-                <a:solidFill>
-                  <a:srgbClr val="FF0000"/>
-                </a:solidFill>
-              </a:rPr>
-              <a:t>, </a:t>
-            </a:r>
-            <a:r>
-              <a:rPr lang="ko-KR" altLang="en-US" dirty="0" smtClean="0">
-                <a:solidFill>
-                  <a:srgbClr val="FF0000"/>
-                </a:solidFill>
-              </a:rPr>
-              <a:t>프로젝트에 </a:t>
-            </a:r>
-            <a:r>
-              <a:rPr lang="en-US" altLang="ko-KR" dirty="0" smtClean="0">
-                <a:solidFill>
-                  <a:srgbClr val="FF0000"/>
-                </a:solidFill>
-              </a:rPr>
-              <a:t>React</a:t>
-            </a:r>
-            <a:r>
-              <a:rPr lang="ko-KR" altLang="en-US" dirty="0" smtClean="0">
-                <a:solidFill>
-                  <a:srgbClr val="FF0000"/>
-                </a:solidFill>
-              </a:rPr>
-              <a:t>를 설치해야 한다</a:t>
-            </a:r>
-            <a:r>
-              <a:rPr lang="en-US" altLang="ko-KR" dirty="0" smtClean="0">
-                <a:solidFill>
-                  <a:srgbClr val="FF0000"/>
-                </a:solidFill>
-              </a:rPr>
-              <a:t>.</a:t>
-            </a:r>
-          </a:p>
-          <a:p>
-            <a:pPr algn="just">
-              <a:lnSpc>
-                <a:spcPct val="150000"/>
-              </a:lnSpc>
-            </a:pPr>
-            <a:r>
-              <a:rPr lang="en-US" altLang="ko-KR" dirty="0" smtClean="0">
-                <a:solidFill>
-                  <a:srgbClr val="FF0000"/>
-                </a:solidFill>
-              </a:rPr>
+              <a:rPr lang="en-US" altLang="ko-KR" dirty="0" err="1" smtClean="0"/>
+              <a:t>Mybatis</a:t>
+            </a:r>
+            <a:r>
+              <a:rPr lang="en-US" altLang="ko-KR" dirty="0" smtClean="0"/>
+              <a:t>-Spring</a:t>
+            </a:r>
+          </a:p>
+          <a:p>
+            <a:r>
+              <a:rPr lang="en-US" altLang="ko-KR" dirty="0" smtClean="0"/>
+              <a:t>3) </a:t>
+            </a:r>
+            <a:r>
+              <a:rPr lang="en-US" altLang="ko-KR" dirty="0" err="1" smtClean="0"/>
+              <a:t>Mybatis</a:t>
+            </a:r>
+            <a:r>
+              <a:rPr lang="en-US" altLang="ko-KR" dirty="0" smtClean="0"/>
+              <a:t>-Spring-Boot-Starter</a:t>
+            </a:r>
+          </a:p>
+          <a:p>
+            <a:r>
+              <a:rPr lang="en-US" altLang="ko-KR" dirty="0" smtClean="0"/>
+              <a:t>4) </a:t>
+            </a:r>
+            <a:r>
+              <a:rPr lang="en-US" altLang="ko-KR" dirty="0" err="1" smtClean="0"/>
+              <a:t>MariaDB</a:t>
+            </a:r>
+            <a:r>
+              <a:rPr lang="en-US" altLang="ko-KR" dirty="0" smtClean="0"/>
+              <a:t> JDBC Client</a:t>
+            </a:r>
+          </a:p>
+          <a:p>
+            <a:r>
+              <a:rPr lang="en-US" altLang="ko-KR" dirty="0" smtClean="0"/>
+              <a:t>5) </a:t>
+            </a:r>
+            <a:r>
+              <a:rPr lang="en-US" altLang="ko-KR" dirty="0" err="1" smtClean="0"/>
+              <a:t>HikariCP</a:t>
+            </a:r>
+            <a:r>
+              <a:rPr lang="en-US" altLang="ko-KR" dirty="0" smtClean="0"/>
+              <a:t> (</a:t>
+            </a:r>
+            <a:r>
+              <a:rPr lang="en-US" altLang="ko-KR" dirty="0" err="1" smtClean="0"/>
+              <a:t>com.zaxxer</a:t>
+            </a:r>
+            <a:r>
+              <a:rPr lang="en-US" altLang="ko-KR" dirty="0" smtClean="0"/>
+              <a:t>)</a:t>
+            </a:r>
+          </a:p>
+          <a:p>
+            <a:endParaRPr lang="en-US" altLang="ko-KR" dirty="0"/>
+          </a:p>
+          <a:p>
+            <a:r>
+              <a:rPr lang="en-US" altLang="ko-KR" dirty="0" smtClean="0"/>
               <a:t>* </a:t>
             </a:r>
             <a:r>
-              <a:rPr lang="ko-KR" altLang="en-US" dirty="0" smtClean="0">
-                <a:solidFill>
-                  <a:srgbClr val="FF0000"/>
-                </a:solidFill>
-              </a:rPr>
-              <a:t>경로 </a:t>
-            </a:r>
-            <a:r>
-              <a:rPr lang="en-US" altLang="ko-KR" dirty="0" smtClean="0">
-                <a:solidFill>
-                  <a:srgbClr val="FF0000"/>
-                </a:solidFill>
-              </a:rPr>
-              <a:t>: </a:t>
-            </a:r>
-            <a:r>
-              <a:rPr lang="ko-KR" altLang="en-US" dirty="0" smtClean="0">
-                <a:solidFill>
-                  <a:srgbClr val="FF0000"/>
-                </a:solidFill>
-              </a:rPr>
-              <a:t>프로젝트 </a:t>
-            </a:r>
-            <a:r>
-              <a:rPr lang="en-US" altLang="ko-KR" dirty="0" smtClean="0">
-                <a:solidFill>
-                  <a:srgbClr val="FF0000"/>
-                </a:solidFill>
-              </a:rPr>
-              <a:t>&gt; </a:t>
-            </a:r>
-            <a:r>
-              <a:rPr lang="en-US" altLang="ko-KR" dirty="0" err="1" smtClean="0">
-                <a:solidFill>
-                  <a:srgbClr val="FF0000"/>
-                </a:solidFill>
-              </a:rPr>
-              <a:t>src</a:t>
-            </a:r>
-            <a:endParaRPr lang="en-US" altLang="ko-KR" dirty="0">
-              <a:solidFill>
-                <a:srgbClr val="FF0000"/>
-              </a:solidFill>
-            </a:endParaRPr>
+              <a:rPr lang="en-US" altLang="ko-KR" dirty="0" err="1" smtClean="0"/>
+              <a:t>Dependecy</a:t>
+            </a:r>
+            <a:r>
+              <a:rPr lang="en-US" altLang="ko-KR" dirty="0" smtClean="0"/>
+              <a:t> </a:t>
+            </a:r>
+            <a:r>
+              <a:rPr lang="ko-KR" altLang="en-US" dirty="0" smtClean="0"/>
+              <a:t>참고 사이트</a:t>
+            </a:r>
+            <a:endParaRPr lang="en-US" altLang="ko-KR" dirty="0" smtClean="0"/>
+          </a:p>
+          <a:p>
+            <a:r>
+              <a:rPr lang="en-US" altLang="ko-KR" dirty="0"/>
+              <a:t>https://mvnrepository.com/</a:t>
+            </a:r>
+            <a:endParaRPr lang="ko-KR" altLang="en-US" dirty="0"/>
+          </a:p>
+        </p:txBody>
+      </p:sp>
+      <p:sp>
+        <p:nvSpPr>
+          <p:cNvPr id="8" name="직사각형 7"/>
+          <p:cNvSpPr/>
+          <p:nvPr/>
+        </p:nvSpPr>
+        <p:spPr>
+          <a:xfrm>
+            <a:off x="1704109" y="1812175"/>
+            <a:ext cx="1903615" cy="3042458"/>
+          </a:xfrm>
+          <a:prstGeom prst="rect">
+            <a:avLst/>
+          </a:prstGeom>
+          <a:noFill/>
+          <a:ln w="38100">
+            <a:solidFill>
+              <a:srgbClr val="00B0F0"/>
+            </a:solidFill>
+          </a:ln>
+        </p:spPr>
+        <p:style>
+          <a:lnRef idx="2">
+            <a:schemeClr val="accent1">
+              <a:shade val="50000"/>
+            </a:schemeClr>
+          </a:lnRef>
+          <a:fillRef idx="1">
+            <a:schemeClr val="accent1"/>
+          </a:fillRef>
+          <a:effectRef idx="0">
+            <a:schemeClr val="accent1"/>
+          </a:effectRef>
+          <a:fontRef idx="minor">
+            <a:schemeClr val="lt1"/>
+          </a:fontRef>
+        </p:style>
+        <p:txBody>
+          <a:bodyPr rtlCol="0" anchor="ctr"/>
+          <a:lstStyle/>
+          <a:p>
+            <a:pPr algn="ctr"/>
+            <a:endParaRPr lang="ko-KR" altLang="en-US"/>
           </a:p>
         </p:txBody>
       </p:sp>
     </p:spTree>
     <p:extLst>
       <p:ext uri="{BB962C8B-B14F-4D97-AF65-F5344CB8AC3E}">
-        <p14:creationId xmlns:p14="http://schemas.microsoft.com/office/powerpoint/2010/main" val="1400204711"/>
+        <p14:creationId xmlns:p14="http://schemas.microsoft.com/office/powerpoint/2010/main" val="462192275"/>
       </p:ext>
     </p:extLst>
   </p:cSld>
@@ -6326,8 +6287,8 @@
         </p:blipFill>
         <p:spPr>
           <a:xfrm>
-            <a:off x="281247" y="987629"/>
-            <a:ext cx="6944694" cy="1971950"/>
+            <a:off x="163043" y="1087997"/>
+            <a:ext cx="7259315" cy="5427138"/>
           </a:xfrm>
           <a:prstGeom prst="rect">
             <a:avLst/>
@@ -6358,19 +6319,19 @@
           <a:p>
             <a:r>
               <a:rPr lang="en-US" altLang="ko-KR" sz="2400" b="1" dirty="0" smtClean="0"/>
-              <a:t>1. React </a:t>
+              <a:t>2. </a:t>
             </a:r>
             <a:r>
               <a:rPr lang="en-US" altLang="ko-KR" sz="2400" b="1" dirty="0" err="1" smtClean="0"/>
-              <a:t>Pjt</a:t>
+              <a:t>MariaDB</a:t>
             </a:r>
             <a:r>
               <a:rPr lang="en-US" altLang="ko-KR" sz="2400" b="1" dirty="0" smtClean="0"/>
-              <a:t> </a:t>
+              <a:t> JDBC Connection </a:t>
             </a:r>
             <a:r>
               <a:rPr lang="ko-KR" altLang="en-US" sz="2400" b="1" dirty="0" smtClean="0"/>
-              <a:t>생성</a:t>
+              <a:t>설정</a:t>
             </a:r>
             <a:endParaRPr lang="ko-KR" altLang="en-US" sz="2400" b="1" dirty="0"/>
           </a:p>
@@ -6378,108 +6339,14 @@
       </p:sp>
       <p:sp>
         <p:nvSpPr>
-          <p:cNvPr id="10" name="TextBox 9"/>
-          <p:cNvSpPr txBox="1"/>
-          <p:nvPr/>
-        </p:nvSpPr>
-        <p:spPr>
-          <a:xfrm>
-            <a:off x="283385" y="3184745"/>
-            <a:ext cx="11620439" cy="697050"/>
-          </a:xfrm>
-          <a:prstGeom prst="rect">
-            <a:avLst/>
-          </a:prstGeom>
-          <a:noFill/>
-        </p:spPr>
-        <p:txBody>
-          <a:bodyPr wrap="square" rtlCol="0">
-            <a:spAutoFit/>
-          </a:bodyPr>
-          <a:lstStyle/>
-          <a:p>
-            <a:pPr algn="just">
-              <a:lnSpc>
-                <a:spcPct val="150000"/>
-              </a:lnSpc>
-            </a:pPr>
-            <a:r>
-              <a:rPr lang="en-US" altLang="ko-KR" sz="1400" dirty="0" smtClean="0"/>
-              <a:t>Spring-boot </a:t>
-            </a:r>
-            <a:r>
-              <a:rPr lang="ko-KR" altLang="en-US" sz="1400" dirty="0" smtClean="0"/>
-              <a:t>프로젝트에 </a:t>
-            </a:r>
-            <a:r>
-              <a:rPr lang="en-US" altLang="ko-KR" sz="1400" dirty="0" smtClean="0"/>
-              <a:t>React </a:t>
-            </a:r>
-            <a:r>
-              <a:rPr lang="ko-KR" altLang="en-US" sz="1400" dirty="0" smtClean="0"/>
-              <a:t>프로젝트에 필수인 </a:t>
-            </a:r>
-            <a:r>
-              <a:rPr lang="en-US" altLang="ko-KR" sz="1400" dirty="0" smtClean="0"/>
-              <a:t>React </a:t>
-            </a:r>
-            <a:r>
-              <a:rPr lang="ko-KR" altLang="en-US" sz="1400" dirty="0" smtClean="0"/>
-              <a:t>모듈</a:t>
-            </a:r>
-            <a:r>
-              <a:rPr lang="en-US" altLang="ko-KR" sz="1400" dirty="0" smtClean="0"/>
-              <a:t>, React-Dom </a:t>
-            </a:r>
-            <a:r>
-              <a:rPr lang="ko-KR" altLang="en-US" sz="1400" dirty="0" smtClean="0"/>
-              <a:t>모듈</a:t>
-            </a:r>
-            <a:r>
-              <a:rPr lang="en-US" altLang="ko-KR" sz="1400" dirty="0" smtClean="0"/>
-              <a:t> </a:t>
-            </a:r>
-            <a:r>
-              <a:rPr lang="ko-KR" altLang="en-US" sz="1400" dirty="0" smtClean="0"/>
-              <a:t>설치한다</a:t>
-            </a:r>
-            <a:r>
-              <a:rPr lang="en-US" altLang="ko-KR" sz="1400" dirty="0" smtClean="0"/>
-              <a:t>.</a:t>
-            </a:r>
-          </a:p>
-          <a:p>
-            <a:pPr algn="just">
-              <a:lnSpc>
-                <a:spcPct val="150000"/>
-              </a:lnSpc>
-            </a:pPr>
-            <a:r>
-              <a:rPr lang="en-US" altLang="ko-KR" sz="1400" dirty="0" err="1" smtClean="0"/>
-              <a:t>npm</a:t>
-            </a:r>
-            <a:r>
-              <a:rPr lang="en-US" altLang="ko-KR" sz="1400" dirty="0" smtClean="0"/>
-              <a:t> install react react-</a:t>
-            </a:r>
-            <a:r>
-              <a:rPr lang="en-US" altLang="ko-KR" sz="1400" dirty="0" err="1" smtClean="0"/>
-              <a:t>dom</a:t>
-            </a:r>
-            <a:endParaRPr lang="ko-KR" altLang="en-US" sz="1400" dirty="0"/>
-          </a:p>
-        </p:txBody>
-      </p:sp>
-      <p:sp>
-        <p:nvSpPr>
-          <p:cNvPr id="8" name="직사각형 7"/>
+          <p:cNvPr id="7" name="직사각형 6"/>
           <p:cNvSpPr/>
           <p:nvPr/>
         </p:nvSpPr>
         <p:spPr>
           <a:xfrm>
-            <a:off x="2751514" y="987629"/>
-            <a:ext cx="1926002" cy="192778"/>
+            <a:off x="1321721" y="5156279"/>
+            <a:ext cx="3142212" cy="1186332"/>
           </a:xfrm>
           <a:prstGeom prst="rect">
             <a:avLst/>
@@ -6518,21 +6385,19 @@
       </p:sp>
       <p:cxnSp>
         <p:nvCxnSpPr>
-          <p:cNvPr id="6" name="직선 화살표 연결선 5"/>
-          <p:cNvCxnSpPr>
-            <a:stCxn id="8" idx="2"/>
-          </p:cNvCxnSpPr>
+          <p:cNvPr id="9" name="직선 화살표 연결선 8"/>
+          <p:cNvCxnSpPr/>
           <p:nvPr/>
         </p:nvCxnSpPr>
         <p:spPr>
-          <a:xfrm>
-            <a:off x="3714515" y="1180407"/>
-            <a:ext cx="17900" cy="1986742"/>
+          <a:xfrm flipV="1">
+            <a:off x="4696691" y="1895301"/>
+            <a:ext cx="3092333" cy="1"/>
           </a:xfrm>
           <a:prstGeom prst="straightConnector1">
             <a:avLst/>
           </a:prstGeom>
-          <a:ln w="19050">
+          <a:ln>
             <a:solidFill>
               <a:srgbClr val="00B0F0"/>
             </a:solidFill>
@@ -6554,10 +6419,322 @@
           </a:fontRef>
         </p:style>
       </p:cxnSp>
+      <p:sp>
+        <p:nvSpPr>
+          <p:cNvPr id="10" name="TextBox 9"/>
+          <p:cNvSpPr txBox="1"/>
+          <p:nvPr/>
+        </p:nvSpPr>
+        <p:spPr>
+          <a:xfrm>
+            <a:off x="7789024" y="1087997"/>
+            <a:ext cx="4394130" cy="3416320"/>
+          </a:xfrm>
+          <a:prstGeom prst="rect">
+            <a:avLst/>
+          </a:prstGeom>
+          <a:noFill/>
+        </p:spPr>
+        <p:txBody>
+          <a:bodyPr wrap="square" rtlCol="0">
+            <a:spAutoFit/>
+          </a:bodyPr>
+          <a:lstStyle/>
+          <a:p>
+            <a:r>
+              <a:rPr lang="en-US" altLang="ko-KR" dirty="0" err="1" smtClean="0"/>
+              <a:t>Mybatis</a:t>
+            </a:r>
+            <a:r>
+              <a:rPr lang="en-US" altLang="ko-KR" dirty="0" smtClean="0"/>
+              <a:t>-Spring-Boot-Starter</a:t>
+            </a:r>
+            <a:r>
+              <a:rPr lang="ko-KR" altLang="en-US" dirty="0" smtClean="0"/>
+              <a:t>를 </a:t>
+            </a:r>
+            <a:r>
+              <a:rPr lang="en-US" altLang="ko-KR" dirty="0" smtClean="0"/>
+              <a:t>pom.xml</a:t>
+            </a:r>
+            <a:r>
+              <a:rPr lang="ko-KR" altLang="en-US" dirty="0" smtClean="0"/>
+              <a:t>에 추가 후 </a:t>
+            </a:r>
+            <a:r>
+              <a:rPr lang="en-US" altLang="ko-KR" dirty="0" err="1" smtClean="0"/>
+              <a:t>mvn</a:t>
+            </a:r>
+            <a:r>
+              <a:rPr lang="en-US" altLang="ko-KR" dirty="0" smtClean="0"/>
+              <a:t> clean </a:t>
+            </a:r>
+            <a:r>
+              <a:rPr lang="ko-KR" altLang="en-US" dirty="0" smtClean="0"/>
+              <a:t>및 </a:t>
+            </a:r>
+            <a:r>
+              <a:rPr lang="en-US" altLang="ko-KR" dirty="0" err="1" smtClean="0"/>
+              <a:t>mvn</a:t>
+            </a:r>
+            <a:r>
+              <a:rPr lang="en-US" altLang="ko-KR" dirty="0" smtClean="0"/>
+              <a:t> install </a:t>
+            </a:r>
+            <a:r>
+              <a:rPr lang="ko-KR" altLang="en-US" dirty="0" smtClean="0"/>
+              <a:t>실행하면 </a:t>
+            </a:r>
+            <a:r>
+              <a:rPr lang="en-US" altLang="ko-KR" dirty="0" err="1" smtClean="0"/>
+              <a:t>mvn</a:t>
+            </a:r>
+            <a:r>
+              <a:rPr lang="en-US" altLang="ko-KR" dirty="0" smtClean="0"/>
+              <a:t> </a:t>
+            </a:r>
+            <a:r>
+              <a:rPr lang="ko-KR" altLang="en-US" dirty="0" smtClean="0"/>
+              <a:t>오류가 발생함</a:t>
+            </a:r>
+            <a:r>
+              <a:rPr lang="en-US" altLang="ko-KR" dirty="0" smtClean="0"/>
+              <a:t>. </a:t>
+            </a:r>
+            <a:endParaRPr lang="en-US" altLang="ko-KR" dirty="0"/>
+          </a:p>
+          <a:p>
+            <a:endParaRPr lang="en-US" altLang="ko-KR" dirty="0"/>
+          </a:p>
+          <a:p>
+            <a:pPr marL="285750" indent="-285750">
+              <a:buFont typeface="Arial" panose="020B0604020202020204" pitchFamily="34" charset="0"/>
+              <a:buChar char="•"/>
+            </a:pPr>
+            <a:r>
+              <a:rPr lang="ko-KR" altLang="en-US" dirty="0" smtClean="0"/>
+              <a:t>오류 사유 </a:t>
+            </a:r>
+            <a:r>
+              <a:rPr lang="en-US" altLang="ko-KR" dirty="0" smtClean="0"/>
+              <a:t>: </a:t>
+            </a:r>
+            <a:r>
+              <a:rPr lang="en-US" altLang="ko-KR" dirty="0" err="1" smtClean="0"/>
+              <a:t>Datasource</a:t>
+            </a:r>
+            <a:r>
+              <a:rPr lang="en-US" altLang="ko-KR" dirty="0" smtClean="0"/>
+              <a:t> </a:t>
+            </a:r>
+            <a:r>
+              <a:rPr lang="ko-KR" altLang="en-US" dirty="0" smtClean="0"/>
+              <a:t>설정 하기 위해 데이터베이스 드라이버를 입력하지 않았기 때문에 발생</a:t>
+            </a:r>
+            <a:r>
+              <a:rPr lang="en-US" altLang="ko-KR" dirty="0" smtClean="0"/>
+              <a:t>.</a:t>
+            </a:r>
+          </a:p>
+          <a:p>
+            <a:pPr marL="285750" indent="-285750">
+              <a:buFont typeface="Arial" panose="020B0604020202020204" pitchFamily="34" charset="0"/>
+              <a:buChar char="•"/>
+            </a:pPr>
+            <a:endParaRPr lang="en-US" altLang="ko-KR" dirty="0"/>
+          </a:p>
+          <a:p>
+            <a:pPr marL="285750" indent="-285750">
+              <a:buFont typeface="Arial" panose="020B0604020202020204" pitchFamily="34" charset="0"/>
+              <a:buChar char="•"/>
+            </a:pPr>
+            <a:r>
+              <a:rPr lang="ko-KR" altLang="en-US" dirty="0" smtClean="0"/>
+              <a:t>오류 해결 </a:t>
+            </a:r>
+            <a:r>
+              <a:rPr lang="en-US" altLang="ko-KR" dirty="0" smtClean="0"/>
+              <a:t>: /</a:t>
+            </a:r>
+            <a:r>
+              <a:rPr lang="en-US" altLang="ko-KR" dirty="0" err="1" smtClean="0"/>
+              <a:t>src</a:t>
+            </a:r>
+            <a:r>
+              <a:rPr lang="en-US" altLang="ko-KR" dirty="0" smtClean="0"/>
+              <a:t>/main/resource/</a:t>
+            </a:r>
+            <a:r>
+              <a:rPr lang="en-US" altLang="ko-KR" dirty="0" err="1" smtClean="0"/>
+              <a:t>application.properties</a:t>
+            </a:r>
+            <a:r>
+              <a:rPr lang="en-US" altLang="ko-KR" dirty="0" smtClean="0"/>
+              <a:t> </a:t>
+            </a:r>
+            <a:r>
+              <a:rPr lang="ko-KR" altLang="en-US" dirty="0" smtClean="0"/>
+              <a:t>파일에 데이터베이스 드라이버 정보를 추가하면 됨</a:t>
+            </a:r>
+            <a:r>
+              <a:rPr lang="en-US" altLang="ko-KR" dirty="0" smtClean="0"/>
+              <a:t>.</a:t>
+            </a:r>
+          </a:p>
+        </p:txBody>
+      </p:sp>
+      <p:sp>
+        <p:nvSpPr>
+          <p:cNvPr id="8" name="직사각형 7"/>
+          <p:cNvSpPr/>
+          <p:nvPr/>
+        </p:nvSpPr>
+        <p:spPr>
+          <a:xfrm>
+            <a:off x="1521229" y="1612669"/>
+            <a:ext cx="3175462" cy="565265"/>
+          </a:xfrm>
+          <a:prstGeom prst="rect">
+            <a:avLst/>
+          </a:prstGeom>
+          <a:noFill/>
+          <a:ln w="38100">
+            <a:solidFill>
+              <a:srgbClr val="00B0F0"/>
+            </a:solidFill>
+          </a:ln>
+        </p:spPr>
+        <p:style>
+          <a:lnRef idx="2">
+            <a:schemeClr val="accent1">
+              <a:shade val="50000"/>
+            </a:schemeClr>
+          </a:lnRef>
+          <a:fillRef idx="1">
+            <a:schemeClr val="accent1"/>
+          </a:fillRef>
+          <a:effectRef idx="0">
+            <a:schemeClr val="accent1"/>
+          </a:effectRef>
+          <a:fontRef idx="minor">
+            <a:schemeClr val="lt1"/>
+          </a:fontRef>
+        </p:style>
+        <p:txBody>
+          <a:bodyPr rtlCol="0" anchor="ctr"/>
+          <a:lstStyle/>
+          <a:p>
+            <a:pPr algn="ctr"/>
+            <a:endParaRPr lang="ko-KR" altLang="en-US"/>
+          </a:p>
+        </p:txBody>
+      </p:sp>
+      <p:sp>
+        <p:nvSpPr>
+          <p:cNvPr id="11" name="TextBox 10"/>
+          <p:cNvSpPr txBox="1"/>
+          <p:nvPr/>
+        </p:nvSpPr>
+        <p:spPr>
+          <a:xfrm>
+            <a:off x="7797870" y="4504317"/>
+            <a:ext cx="4394130" cy="2308324"/>
+          </a:xfrm>
+          <a:prstGeom prst="rect">
+            <a:avLst/>
+          </a:prstGeom>
+          <a:noFill/>
+        </p:spPr>
+        <p:txBody>
+          <a:bodyPr wrap="square" rtlCol="0">
+            <a:spAutoFit/>
+          </a:bodyPr>
+          <a:lstStyle/>
+          <a:p>
+            <a:r>
+              <a:rPr lang="en-US" altLang="ko-KR" dirty="0" smtClean="0"/>
+              <a:t>## </a:t>
+            </a:r>
+            <a:r>
+              <a:rPr lang="en-US" altLang="ko-KR" dirty="0" err="1" smtClean="0"/>
+              <a:t>MariaDB</a:t>
+            </a:r>
+            <a:r>
+              <a:rPr lang="en-US" altLang="ko-KR" dirty="0" smtClean="0"/>
+              <a:t> </a:t>
+            </a:r>
+            <a:r>
+              <a:rPr lang="en-US" altLang="ko-KR" dirty="0" err="1" smtClean="0"/>
+              <a:t>Connention</a:t>
+            </a:r>
+            <a:endParaRPr lang="en-US" altLang="ko-KR" dirty="0" smtClean="0"/>
+          </a:p>
+          <a:p>
+            <a:r>
+              <a:rPr lang="en-US" altLang="ko-KR" dirty="0" err="1" smtClean="0"/>
+              <a:t>spring.datasource.driverClassName</a:t>
+            </a:r>
+            <a:r>
+              <a:rPr lang="en-US" altLang="ko-KR" dirty="0" smtClean="0"/>
+              <a:t>=</a:t>
+            </a:r>
+            <a:r>
+              <a:rPr lang="en-US" altLang="ko-KR" dirty="0" err="1" smtClean="0"/>
+              <a:t>org.mariadb.jdbc.Driver</a:t>
+            </a:r>
+            <a:endParaRPr lang="en-US" altLang="ko-KR" dirty="0"/>
+          </a:p>
+          <a:p>
+            <a:r>
+              <a:rPr lang="en-US" altLang="ko-KR" dirty="0"/>
+              <a:t>spring.datasource.url=</a:t>
+            </a:r>
+            <a:r>
+              <a:rPr lang="en-US" altLang="ko-KR" dirty="0" err="1"/>
+              <a:t>jdbc:mariadb</a:t>
+            </a:r>
+            <a:r>
+              <a:rPr lang="en-US" altLang="ko-KR" dirty="0" smtClean="0"/>
+              <a:t>://localhost:3306/</a:t>
+            </a:r>
+            <a:r>
+              <a:rPr lang="en-US" altLang="ko-KR" dirty="0" err="1" smtClean="0"/>
+              <a:t>ismaniatest?characterEncoding</a:t>
+            </a:r>
+            <a:r>
+              <a:rPr lang="en-US" altLang="ko-KR" dirty="0" smtClean="0"/>
+              <a:t>=UTF-8&amp;serverTimezone=UTC</a:t>
+            </a:r>
+            <a:endParaRPr lang="en-US" altLang="ko-KR" dirty="0"/>
+          </a:p>
+          <a:p>
+            <a:r>
+              <a:rPr lang="en-US" altLang="ko-KR" dirty="0" err="1" smtClean="0"/>
+              <a:t>spring.datasource.username</a:t>
+            </a:r>
+            <a:r>
+              <a:rPr lang="en-US" altLang="ko-KR" dirty="0" smtClean="0"/>
+              <a:t>=root</a:t>
+            </a:r>
+            <a:endParaRPr lang="en-US" altLang="ko-KR" dirty="0"/>
+          </a:p>
+          <a:p>
+            <a:r>
+              <a:rPr lang="en-US" altLang="ko-KR" dirty="0" err="1" smtClean="0"/>
+              <a:t>spring.datasource.password</a:t>
+            </a:r>
+            <a:r>
+              <a:rPr lang="en-US" altLang="ko-KR" dirty="0" smtClean="0"/>
+              <a:t>=root!!</a:t>
+            </a:r>
+            <a:endParaRPr lang="en-US" altLang="ko-KR" dirty="0"/>
+          </a:p>
+        </p:txBody>
+      </p:sp>
     </p:spTree>
     <p:extLst>
       <p:ext uri="{BB962C8B-B14F-4D97-AF65-F5344CB8AC3E}">
-        <p14:creationId xmlns:p14="http://schemas.microsoft.com/office/powerpoint/2010/main" val="2554914623"/>
+        <p14:creationId xmlns:p14="http://schemas.microsoft.com/office/powerpoint/2010/main" val="1243975518"/>
       </p:ext>
     </p:extLst>
   </p:cSld>
@@ -6600,8 +6777,8 @@
         </p:blipFill>
         <p:spPr>
           <a:xfrm>
-            <a:off x="281247" y="987629"/>
-            <a:ext cx="6944694" cy="1971950"/>
+            <a:off x="163043" y="1087997"/>
+            <a:ext cx="7259315" cy="5427138"/>
           </a:xfrm>
           <a:prstGeom prst="rect">
             <a:avLst/>
@@ -6632,19 +6809,11 @@
           <a:p>
             <a:r>
               <a:rPr lang="en-US" altLang="ko-KR" sz="2400" b="1" dirty="0" smtClean="0"/>
-              <a:t>2. @babel, </a:t>
+              <a:t>3. </a:t>
             </a:r>
             <a:r>
               <a:rPr lang="en-US" altLang="ko-KR" sz="2400" b="1" dirty="0" err="1" smtClean="0"/>
-              <a:t>css</a:t>
-            </a:r>
-            <a:r>
-              <a:rPr lang="en-US" altLang="ko-KR" sz="2400" b="1" dirty="0" smtClean="0"/>
-              <a:t>-loader, style-loader, </a:t>
-            </a:r>
-            <a:r>
-              <a:rPr lang="en-US" altLang="ko-KR" sz="2400" b="1" dirty="0" err="1" smtClean="0"/>
-              <a:t>webpack</a:t>
+              <a:t>Hikari</a:t>
             </a:r>
             <a:r>
               <a:rPr lang="en-US" altLang="ko-KR" sz="2400" b="1" dirty="0" smtClean="0"/>
@@ -6652,12 +6821,48 @@
             </a:r>
             <a:r>
               <a:rPr lang="ko-KR" altLang="en-US" sz="2400" b="1" dirty="0" smtClean="0"/>
-              <a:t>설치</a:t>
+              <a:t>설정</a:t>
             </a:r>
             <a:endParaRPr lang="ko-KR" altLang="en-US" sz="2400" b="1" dirty="0"/>
           </a:p>
         </p:txBody>
       </p:sp>
+      <p:cxnSp>
+        <p:nvCxnSpPr>
+          <p:cNvPr id="9" name="직선 화살표 연결선 8"/>
+          <p:cNvCxnSpPr/>
+          <p:nvPr/>
+        </p:nvCxnSpPr>
+        <p:spPr>
+          <a:xfrm flipV="1">
+            <a:off x="4987636" y="2722686"/>
+            <a:ext cx="2810234" cy="1"/>
+          </a:xfrm>
+          <a:prstGeom prst="straightConnector1">
+            <a:avLst/>
+          </a:prstGeom>
+          <a:ln>
+            <a:solidFill>
+              <a:srgbClr val="00B0F0"/>
+            </a:solidFill>
+            <a:tailEnd type="triangle"/>
+          </a:ln>
+        </p:spPr>
+        <p:style>
+          <a:lnRef idx="1">
+            <a:schemeClr val="accent1"/>
+          </a:lnRef>
+          <a:fillRef idx="0">
+            <a:schemeClr val="accent1"/>
+          </a:fillRef>
+          <a:effectRef idx="0">
+            <a:schemeClr val="accent1"/>
+          </a:effectRef>
+          <a:fontRef idx="minor">
+            <a:schemeClr val="tx1"/>
+          </a:fontRef>
+        </p:style>
+      </p:cxnSp>
       <p:sp>
         <p:nvSpPr>
           <p:cNvPr id="10" name="TextBox 9"/>
@@ -6666,8 +6871,8 @@
         </p:nvSpPr>
         <p:spPr>
           <a:xfrm>
-            <a:off x="283385" y="3184745"/>
-            <a:ext cx="11620439" cy="738664"/>
+            <a:off x="7789024" y="1087997"/>
+            <a:ext cx="4394130" cy="5262979"/>
           </a:xfrm>
           <a:prstGeom prst="rect">
             <a:avLst/>
@@ -6680,183 +6885,137 @@
           </a:bodyPr>
           <a:lstStyle/>
           <a:p>
-            <a:pPr algn="just">
-              <a:lnSpc>
-                <a:spcPct val="150000"/>
-              </a:lnSpc>
-            </a:pPr>
-            <a:r>
-              <a:rPr lang="en-US" altLang="ko-KR" sz="1400" dirty="0" smtClean="0"/>
-              <a:t>Spring-boot </a:t>
-            </a:r>
-            <a:r>
-              <a:rPr lang="ko-KR" altLang="en-US" sz="1400" dirty="0" smtClean="0"/>
-              <a:t>프로젝트에 </a:t>
-            </a:r>
-            <a:r>
-              <a:rPr lang="en-US" altLang="ko-KR" sz="1400" dirty="0" smtClean="0"/>
-              <a:t>React </a:t>
-            </a:r>
-            <a:r>
-              <a:rPr lang="ko-KR" altLang="en-US" sz="1400" dirty="0" smtClean="0"/>
-              <a:t>프로젝트에 필수인 </a:t>
-            </a:r>
-            <a:r>
-              <a:rPr lang="en-US" altLang="ko-KR" sz="1400" dirty="0" smtClean="0"/>
-              <a:t>@babel</a:t>
-            </a:r>
-            <a:r>
-              <a:rPr lang="ko-KR" altLang="en-US" sz="1400" dirty="0" smtClean="0"/>
-              <a:t>과 관련된 모듈</a:t>
-            </a:r>
-            <a:r>
-              <a:rPr lang="en-US" altLang="ko-KR" sz="1400" dirty="0" smtClean="0"/>
-              <a:t>, </a:t>
-            </a:r>
-            <a:r>
-              <a:rPr lang="en-US" altLang="ko-KR" sz="1400" dirty="0" err="1" smtClean="0"/>
-              <a:t>css</a:t>
-            </a:r>
-            <a:r>
-              <a:rPr lang="en-US" altLang="ko-KR" sz="1400" dirty="0" smtClean="0"/>
-              <a:t>/style</a:t>
-            </a:r>
-            <a:r>
-              <a:rPr lang="ko-KR" altLang="en-US" sz="1400" dirty="0" smtClean="0"/>
-              <a:t>과 관련된 모듈</a:t>
-            </a:r>
-            <a:r>
-              <a:rPr lang="en-US" altLang="ko-KR" sz="1400" dirty="0" smtClean="0"/>
-              <a:t>, </a:t>
-            </a:r>
-            <a:r>
-              <a:rPr lang="en-US" altLang="ko-KR" sz="1400" dirty="0" err="1" smtClean="0"/>
-              <a:t>webpack</a:t>
-            </a:r>
-            <a:r>
-              <a:rPr lang="ko-KR" altLang="en-US" sz="1400" dirty="0" smtClean="0"/>
-              <a:t>과 관련된 모듈을 설치한다</a:t>
-            </a:r>
-            <a:r>
-              <a:rPr lang="en-US" altLang="ko-KR" sz="1400" dirty="0" smtClean="0"/>
-              <a:t>.</a:t>
-            </a:r>
-          </a:p>
-          <a:p>
-            <a:pPr algn="just">
-              <a:lnSpc>
-                <a:spcPct val="150000"/>
-              </a:lnSpc>
-            </a:pPr>
-            <a:r>
-              <a:rPr lang="en-US" altLang="ko-KR" sz="1400" dirty="0" err="1" smtClean="0"/>
-              <a:t>npm</a:t>
-            </a:r>
-            <a:r>
-              <a:rPr lang="en-US" altLang="ko-KR" sz="1400" dirty="0" smtClean="0"/>
-              <a:t> install @</a:t>
-            </a:r>
-            <a:r>
-              <a:rPr lang="ko-KR" altLang="ko-KR" sz="1400" dirty="0" err="1" smtClean="0"/>
-              <a:t>babel</a:t>
-            </a:r>
-            <a:r>
-              <a:rPr lang="ko-KR" altLang="ko-KR" sz="1400" dirty="0" smtClean="0"/>
-              <a:t>/</a:t>
-            </a:r>
-            <a:r>
-              <a:rPr lang="ko-KR" altLang="ko-KR" sz="1400" dirty="0" err="1" smtClean="0"/>
-              <a:t>core</a:t>
-            </a:r>
-            <a:r>
-              <a:rPr lang="ko-KR" altLang="ko-KR" sz="1400" dirty="0" smtClean="0"/>
-              <a:t> </a:t>
-            </a:r>
-            <a:r>
-              <a:rPr lang="ko-KR" altLang="ko-KR" sz="1400" dirty="0"/>
-              <a:t>@</a:t>
-            </a:r>
-            <a:r>
-              <a:rPr lang="ko-KR" altLang="ko-KR" sz="1400" dirty="0" err="1"/>
-              <a:t>babel</a:t>
-            </a:r>
-            <a:r>
-              <a:rPr lang="ko-KR" altLang="ko-KR" sz="1400" dirty="0"/>
-              <a:t>/</a:t>
-            </a:r>
-            <a:r>
-              <a:rPr lang="ko-KR" altLang="ko-KR" sz="1400" dirty="0" err="1"/>
-              <a:t>preset-env</a:t>
-            </a:r>
-            <a:r>
-              <a:rPr lang="ko-KR" altLang="ko-KR" sz="1400" dirty="0"/>
-              <a:t> @</a:t>
-            </a:r>
-            <a:r>
-              <a:rPr lang="ko-KR" altLang="ko-KR" sz="1400" dirty="0" err="1"/>
-              <a:t>babel</a:t>
-            </a:r>
-            <a:r>
-              <a:rPr lang="ko-KR" altLang="ko-KR" sz="1400" dirty="0"/>
-              <a:t>/</a:t>
-            </a:r>
-            <a:r>
-              <a:rPr lang="ko-KR" altLang="ko-KR" sz="1400" dirty="0" err="1"/>
-              <a:t>preset-react</a:t>
-            </a:r>
-            <a:r>
-              <a:rPr lang="ko-KR" altLang="ko-KR" sz="1400" dirty="0"/>
-              <a:t> </a:t>
-            </a:r>
-            <a:r>
-              <a:rPr lang="ko-KR" altLang="ko-KR" sz="1400" dirty="0" err="1"/>
-              <a:t>babel-loader</a:t>
-            </a:r>
-            <a:r>
-              <a:rPr lang="ko-KR" altLang="ko-KR" sz="1400" dirty="0"/>
-              <a:t> </a:t>
-            </a:r>
-            <a:r>
-              <a:rPr lang="ko-KR" altLang="ko-KR" sz="1400" dirty="0" err="1"/>
-              <a:t>css-loader</a:t>
-            </a:r>
-            <a:r>
-              <a:rPr lang="ko-KR" altLang="ko-KR" sz="1400" dirty="0"/>
-              <a:t> </a:t>
-            </a:r>
-            <a:r>
-              <a:rPr lang="ko-KR" altLang="ko-KR" sz="1400" dirty="0" err="1"/>
-              <a:t>style-loader</a:t>
-            </a:r>
-            <a:r>
-              <a:rPr lang="ko-KR" altLang="ko-KR" sz="1400" dirty="0"/>
-              <a:t> </a:t>
-            </a:r>
-            <a:r>
-              <a:rPr lang="ko-KR" altLang="ko-KR" sz="1400" dirty="0" err="1"/>
-              <a:t>webpack</a:t>
-            </a:r>
-            <a:r>
-              <a:rPr lang="ko-KR" altLang="ko-KR" sz="1400" dirty="0"/>
-              <a:t> </a:t>
-            </a:r>
-            <a:r>
-              <a:rPr lang="ko-KR" altLang="ko-KR" sz="1400" dirty="0" err="1"/>
-              <a:t>webpack-cli</a:t>
-            </a:r>
-            <a:r>
-              <a:rPr lang="ko-KR" altLang="ko-KR" sz="1400" dirty="0"/>
-              <a:t> -</a:t>
-            </a:r>
-            <a:r>
-              <a:rPr lang="ko-KR" altLang="ko-KR" sz="1400" dirty="0" err="1"/>
-              <a:t>D</a:t>
-            </a:r>
-            <a:r>
-              <a:rPr lang="ko-KR" altLang="ko-KR" sz="1100" dirty="0"/>
-              <a:t> </a:t>
-            </a:r>
-            <a:endParaRPr lang="ko-KR" altLang="en-US" sz="1400" dirty="0"/>
+            <a:r>
+              <a:rPr lang="en-US" altLang="ko-KR" sz="1600" dirty="0" err="1"/>
+              <a:t>spring.datasource.hikari.driver</a:t>
+            </a:r>
+            <a:r>
+              <a:rPr lang="en-US" altLang="ko-KR" sz="1600" dirty="0"/>
+              <a:t>-class-name=</a:t>
+            </a:r>
+            <a:r>
+              <a:rPr lang="en-US" altLang="ko-KR" sz="1600" dirty="0" err="1"/>
+              <a:t>org.mariadb.jdbc.Driver</a:t>
+            </a:r>
+            <a:endParaRPr lang="en-US" altLang="ko-KR" sz="1600" dirty="0"/>
+          </a:p>
+          <a:p>
+            <a:r>
+              <a:rPr lang="en-US" altLang="ko-KR" sz="1600" dirty="0" err="1"/>
+              <a:t>spring.datasource.hikari.jdbc-url</a:t>
+            </a:r>
+            <a:r>
+              <a:rPr lang="en-US" altLang="ko-KR" sz="1600" dirty="0"/>
+              <a:t>=</a:t>
+            </a:r>
+            <a:r>
+              <a:rPr lang="en-US" altLang="ko-KR" sz="1600" dirty="0" err="1"/>
+              <a:t>jdbc:mariadb</a:t>
+            </a:r>
+            <a:r>
+              <a:rPr lang="en-US" altLang="ko-KR" sz="1600" dirty="0" smtClean="0"/>
+              <a:t>://localhost:3306/</a:t>
+            </a:r>
+            <a:r>
+              <a:rPr lang="en-US" altLang="ko-KR" sz="1600" dirty="0" err="1" smtClean="0"/>
+              <a:t>ismaniatest?characterEncoding</a:t>
+            </a:r>
+            <a:r>
+              <a:rPr lang="en-US" altLang="ko-KR" sz="1600" dirty="0" smtClean="0"/>
+              <a:t>=UTF-8&amp;serverTimezone=UTC</a:t>
+            </a:r>
+            <a:endParaRPr lang="en-US" altLang="ko-KR" sz="1600" dirty="0"/>
+          </a:p>
+          <a:p>
+            <a:r>
+              <a:rPr lang="en-US" altLang="ko-KR" sz="1600" dirty="0" err="1"/>
+              <a:t>spring.datasource.hikari.username</a:t>
+            </a:r>
+            <a:r>
+              <a:rPr lang="en-US" altLang="ko-KR" sz="1600" dirty="0"/>
+              <a:t>=root</a:t>
+            </a:r>
+          </a:p>
+          <a:p>
+            <a:r>
+              <a:rPr lang="en-US" altLang="ko-KR" sz="1600" dirty="0" err="1"/>
+              <a:t>spring.datasource.hikari.password</a:t>
+            </a:r>
+            <a:r>
+              <a:rPr lang="en-US" altLang="ko-KR" sz="1600" dirty="0"/>
+              <a:t>=root!!</a:t>
+            </a:r>
+          </a:p>
+          <a:p>
+            <a:r>
+              <a:rPr lang="en-US" altLang="ko-KR" sz="1600" dirty="0" err="1"/>
+              <a:t>spring.datasource.hikari.pool</a:t>
+            </a:r>
+            <a:r>
+              <a:rPr lang="en-US" altLang="ko-KR" sz="1600" dirty="0"/>
+              <a:t>-name=</a:t>
+            </a:r>
+            <a:r>
+              <a:rPr lang="en-US" altLang="ko-KR" sz="1600" dirty="0" err="1"/>
+              <a:t>ismania-HikariCP</a:t>
+            </a:r>
+            <a:endParaRPr lang="en-US" altLang="ko-KR" sz="1600" dirty="0"/>
+          </a:p>
+          <a:p>
+            <a:r>
+              <a:rPr lang="en-US" altLang="ko-KR" sz="1600" dirty="0" err="1"/>
+              <a:t>spring.datasource.hikari.maximum</a:t>
+            </a:r>
+            <a:r>
+              <a:rPr lang="en-US" altLang="ko-KR" sz="1600" dirty="0"/>
+              <a:t>-pool-size=30</a:t>
+            </a:r>
+          </a:p>
+          <a:p>
+            <a:r>
+              <a:rPr lang="en-US" altLang="ko-KR" sz="1600" dirty="0" err="1"/>
+              <a:t>spring.datasource.hikari.minimum</a:t>
+            </a:r>
+            <a:r>
+              <a:rPr lang="en-US" altLang="ko-KR" sz="1600" dirty="0"/>
+              <a:t>-idle=2</a:t>
+            </a:r>
+          </a:p>
+          <a:p>
+            <a:r>
+              <a:rPr lang="en-US" altLang="ko-KR" sz="1600" dirty="0" err="1"/>
+              <a:t>spring.datasource.hikari.data</a:t>
+            </a:r>
+            <a:r>
+              <a:rPr lang="en-US" altLang="ko-KR" sz="1600" dirty="0"/>
+              <a:t>-source-</a:t>
+            </a:r>
+            <a:r>
+              <a:rPr lang="en-US" altLang="ko-KR" sz="1600" dirty="0" err="1"/>
+              <a:t>properties.cachePrepStmts</a:t>
+            </a:r>
+            <a:r>
+              <a:rPr lang="en-US" altLang="ko-KR" sz="1600" dirty="0"/>
+              <a:t>=true</a:t>
+            </a:r>
+          </a:p>
+          <a:p>
+            <a:r>
+              <a:rPr lang="en-US" altLang="ko-KR" sz="1600" dirty="0"/>
+              <a:t>spring.datasource.hikari.data-source-properties.prepStmtCacheSize=250</a:t>
+            </a:r>
+          </a:p>
+          <a:p>
+            <a:r>
+              <a:rPr lang="en-US" altLang="ko-KR" sz="1600" dirty="0"/>
+              <a:t>spring.datasource.hikari.data-source-properties.prepStmtCacheSqlLimit=2048</a:t>
+            </a:r>
+          </a:p>
+          <a:p>
+            <a:r>
+              <a:rPr lang="en-US" altLang="ko-KR" sz="1600" dirty="0"/>
+              <a:t>spring.datasource.hikari.data-source-properties.useServerPrepStmts=true</a:t>
+            </a:r>
           </a:p>
         </p:txBody>
       </p:sp>
@@ -6868,8 +7027,8 @@
         </p:nvSpPr>
         <p:spPr>
           <a:xfrm>
-            <a:off x="1895303" y="1084017"/>
-            <a:ext cx="5330638" cy="229393"/>
+            <a:off x="1521229" y="2103659"/>
+            <a:ext cx="3524596" cy="1254683"/>
           </a:xfrm>
           <a:prstGeom prst="rect">
             <a:avLst/>
@@ -6906,46 +7065,10 @@
           </a:p>
         </p:txBody>
       </p:sp>
-      <p:cxnSp>
-        <p:nvCxnSpPr>
-          <p:cNvPr id="6" name="직선 화살표 연결선 5"/>
-          <p:cNvCxnSpPr/>
-          <p:nvPr/>
-        </p:nvCxnSpPr>
-        <p:spPr>
-          <a:xfrm>
-            <a:off x="4551672" y="1297880"/>
-            <a:ext cx="17000" cy="1886865"/>
-          </a:xfrm>
-          <a:prstGeom prst="straightConnector1">
-            <a:avLst/>
-          </a:prstGeom>
-          <a:ln w="19050">
-            <a:solidFill>
-              <a:srgbClr val="00B0F0"/>
-            </a:solidFill>
-            <a:tailEnd type="triangle"/>
-          </a:ln>
-        </p:spPr>
-        <p:style>
-          <a:lnRef idx="1">
-            <a:schemeClr val="accent1"/>
-          </a:lnRef>
-          <a:fillRef idx="0">
-            <a:schemeClr val="accent1"/>
-          </a:fillRef>
-          <a:effectRef idx="0">
-            <a:schemeClr val="accent1"/>
-          </a:effectRef>
-          <a:fontRef idx="minor">
-            <a:schemeClr val="tx1"/>
-          </a:fontRef>
-        </p:style>
-      </p:cxnSp>
     </p:spTree>
     <p:extLst>
       <p:ext uri="{BB962C8B-B14F-4D97-AF65-F5344CB8AC3E}">
-        <p14:creationId xmlns:p14="http://schemas.microsoft.com/office/powerpoint/2010/main" val="2211828550"/>
+        <p14:creationId xmlns:p14="http://schemas.microsoft.com/office/powerpoint/2010/main" val="1235552358"/>
       </p:ext>
     </p:extLst>
   </p:cSld>
@@ -6972,68 +7095,195 @@
           <a:chExt cx="0" cy="0"/>
         </a:xfrm>
       </p:grpSpPr>
-      <p:sp>
-        <p:nvSpPr>
-          <p:cNvPr id="2" name="제목 1"/>
-          <p:cNvSpPr>
-            <a:spLocks noGrp="1"/>
-          </p:cNvSpPr>
-          <p:nvPr>
-            <p:ph type="ctrTitle"/>
-          </p:nvPr>
-        </p:nvSpPr>
-        <p:spPr/>
-        <p:txBody>
-          <a:bodyPr/>
-          <a:lstStyle/>
-          <a:p>
+      <p:pic>
+        <p:nvPicPr>
+          <p:cNvPr id="12" name="그림 11"/>
+          <p:cNvPicPr>
+            <a:picLocks noChangeAspect="1"/>
+          </p:cNvPicPr>
+          <p:nvPr/>
+        </p:nvPicPr>
+        <p:blipFill>
+          <a:blip r:embed="rId2"/>
+          <a:stretch>
+            <a:fillRect/>
+          </a:stretch>
+        </p:blipFill>
+        <p:spPr>
+          <a:xfrm>
+            <a:off x="163043" y="1087997"/>
+            <a:ext cx="7259315" cy="5427138"/>
+          </a:xfrm>
+          <a:prstGeom prst="rect">
+            <a:avLst/>
+          </a:prstGeom>
+        </p:spPr>
+      </p:pic>
+      <p:sp>
+        <p:nvSpPr>
+          <p:cNvPr id="5" name="TextBox 4"/>
+          <p:cNvSpPr txBox="1"/>
+          <p:nvPr/>
+        </p:nvSpPr>
+        <p:spPr>
+          <a:xfrm>
+            <a:off x="163044" y="200921"/>
+            <a:ext cx="10008295" cy="461665"/>
+          </a:xfrm>
+          <a:prstGeom prst="rect">
+            <a:avLst/>
+          </a:prstGeom>
+          <a:noFill/>
+        </p:spPr>
+        <p:txBody>
+          <a:bodyPr wrap="square" rtlCol="0">
+            <a:spAutoFit/>
+          </a:bodyPr>
+          <a:lstStyle/>
+          <a:p>
+            <a:r>
+              <a:rPr lang="en-US" altLang="ko-KR" sz="2400" b="1" dirty="0" smtClean="0"/>
+              <a:t>4. *Mapper.xml </a:t>
+            </a:r>
+            <a:r>
+              <a:rPr lang="ko-KR" altLang="en-US" sz="2400" b="1" dirty="0" smtClean="0"/>
+              <a:t>경로 설정</a:t>
+            </a:r>
+            <a:endParaRPr lang="ko-KR" altLang="en-US" sz="2400" b="1" dirty="0"/>
+          </a:p>
+        </p:txBody>
+      </p:sp>
+      <p:cxnSp>
+        <p:nvCxnSpPr>
+          <p:cNvPr id="9" name="직선 화살표 연결선 8"/>
+          <p:cNvCxnSpPr/>
+          <p:nvPr/>
+        </p:nvCxnSpPr>
+        <p:spPr>
+          <a:xfrm flipV="1">
+            <a:off x="4705537" y="3528240"/>
+            <a:ext cx="3092333" cy="1"/>
+          </a:xfrm>
+          <a:prstGeom prst="straightConnector1">
+            <a:avLst/>
+          </a:prstGeom>
+          <a:ln>
+            <a:solidFill>
+              <a:srgbClr val="00B0F0"/>
+            </a:solidFill>
+            <a:tailEnd type="triangle"/>
+          </a:ln>
+        </p:spPr>
+        <p:style>
+          <a:lnRef idx="1">
+            <a:schemeClr val="accent1"/>
+          </a:lnRef>
+          <a:fillRef idx="0">
+            <a:schemeClr val="accent1"/>
+          </a:fillRef>
+          <a:effectRef idx="0">
+            <a:schemeClr val="accent1"/>
+          </a:effectRef>
+          <a:fontRef idx="minor">
+            <a:schemeClr val="tx1"/>
+          </a:fontRef>
+        </p:style>
+      </p:cxnSp>
+      <p:sp>
+        <p:nvSpPr>
+          <p:cNvPr id="10" name="TextBox 9"/>
+          <p:cNvSpPr txBox="1"/>
+          <p:nvPr/>
+        </p:nvSpPr>
+        <p:spPr>
+          <a:xfrm>
+            <a:off x="7806716" y="3155235"/>
+            <a:ext cx="4394130" cy="923330"/>
+          </a:xfrm>
+          <a:prstGeom prst="rect">
+            <a:avLst/>
+          </a:prstGeom>
+          <a:noFill/>
+        </p:spPr>
+        <p:txBody>
+          <a:bodyPr wrap="square" rtlCol="0">
+            <a:spAutoFit/>
+          </a:bodyPr>
+          <a:lstStyle/>
+          <a:p>
+            <a:r>
+              <a:rPr lang="en-US" altLang="ko-KR" dirty="0" err="1" smtClean="0"/>
+              <a:t>mybatis.mapper</a:t>
+            </a:r>
             <a:r>
               <a:rPr lang="en-US" altLang="ko-KR" dirty="0" smtClean="0"/>
-              <a:t>Spring Boot + </a:t>
+              <a:t>-locations=</a:t>
             </a:r>
             <a:r>
               <a:rPr lang="en-US" altLang="ko-KR" dirty="0" err="1" smtClean="0"/>
-              <a:t>Mybatis</a:t>
-            </a:r>
-            <a:endParaRPr lang="ko-KR" altLang="en-US" dirty="0"/>
-          </a:p>
-        </p:txBody>
-      </p:sp>
-      <p:sp>
-        <p:nvSpPr>
-          <p:cNvPr id="3" name="부제목 2"/>
-          <p:cNvSpPr>
-            <a:spLocks noGrp="1"/>
-          </p:cNvSpPr>
-          <p:nvPr>
-            <p:ph type="subTitle" idx="1"/>
-          </p:nvPr>
-        </p:nvSpPr>
-        <p:spPr/>
-        <p:txBody>
-          <a:bodyPr/>
-          <a:lstStyle/>
-          <a:p>
+              <a:t>mybatis</a:t>
+            </a:r>
             <a:r>
               <a:rPr lang="en-US" altLang="ko-KR" dirty="0" smtClean="0"/>
-              <a:t>0. </a:t>
-            </a:r>
-            <a:r>
-              <a:rPr lang="ko-KR" altLang="en-US" dirty="0" smtClean="0"/>
-              <a:t>사전 세팅</a:t>
-            </a:r>
-            <a:r>
-              <a:rPr lang="en-US" altLang="ko-KR" dirty="0" smtClean="0"/>
-              <a:t> </a:t>
-            </a:r>
-            <a:endParaRPr lang="ko-KR" altLang="en-US" dirty="0"/>
+              <a:t>/mapper</a:t>
+            </a:r>
+            <a:r>
+              <a:rPr lang="en-US" altLang="ko-KR" dirty="0"/>
+              <a:t>/**/*Mapper.xml</a:t>
+            </a:r>
+          </a:p>
+        </p:txBody>
+      </p:sp>
+      <p:sp>
+        <p:nvSpPr>
+          <p:cNvPr id="8" name="직사각형 7"/>
+          <p:cNvSpPr/>
+          <p:nvPr/>
+        </p:nvSpPr>
+        <p:spPr>
+          <a:xfrm>
+            <a:off x="1521229" y="3357321"/>
+            <a:ext cx="3175462" cy="325217"/>
+          </a:xfrm>
+          <a:prstGeom prst="rect">
+            <a:avLst/>
+          </a:prstGeom>
+          <a:noFill/>
+          <a:ln w="38100">
+            <a:solidFill>
+              <a:srgbClr val="00B0F0"/>
+            </a:solidFill>
+          </a:ln>
+        </p:spPr>
+        <p:style>
+          <a:lnRef idx="2">
+            <a:schemeClr val="accent1">
+              <a:shade val="50000"/>
+            </a:schemeClr>
+          </a:lnRef>
+          <a:fillRef idx="1">
+            <a:schemeClr val="accent1"/>
+          </a:fillRef>
+          <a:effectRef idx="0">
+            <a:schemeClr val="accent1"/>
+          </a:effectRef>
+          <a:fontRef idx="minor">
+            <a:schemeClr val="lt1"/>
+          </a:fontRef>
+        </p:style>
+        <p:txBody>
+          <a:bodyPr rtlCol="0" anchor="ctr"/>
+          <a:lstStyle/>
+          <a:p>
+            <a:pPr algn="ctr"/>
+            <a:endParaRPr lang="ko-KR" altLang="en-US"/>
           </a:p>
         </p:txBody>
       </p:sp>
     </p:spTree>
     <p:extLst>
       <p:ext uri="{BB962C8B-B14F-4D97-AF65-F5344CB8AC3E}">
-        <p14:creationId xmlns:p14="http://schemas.microsoft.com/office/powerpoint/2010/main" val="2475783380"/>
+        <p14:creationId xmlns:p14="http://schemas.microsoft.com/office/powerpoint/2010/main" val="4011767706"/>
       </p:ext>
     </p:extLst>
   </p:cSld>
@@ -7062,7 +7312,7 @@
       </p:grpSpPr>
       <p:pic>
         <p:nvPicPr>
-          <p:cNvPr id="4" name="그림 3"/>
+          <p:cNvPr id="3" name="그림 2"/>
           <p:cNvPicPr>
             <a:picLocks noChangeAspect="1"/>
           </p:cNvPicPr>
@@ -7076,7 +7326,7 @@
         </p:blipFill>
         <p:spPr>
           <a:xfrm>
-            <a:off x="163043" y="1087997"/>
+            <a:off x="163044" y="1087997"/>
             <a:ext cx="7259315" cy="5427138"/>
           </a:xfrm>
           <a:prstGeom prst="rect">
@@ -7093,7 +7343,7 @@
         <p:spPr>
           <a:xfrm>
             <a:off x="163044" y="200921"/>
-            <a:ext cx="10008295" cy="461665"/>
+            <a:ext cx="10008295" cy="830997"/>
           </a:xfrm>
           <a:prstGeom prst="rect">
             <a:avLst/>
@@ -7108,217 +7358,16 @@
           <a:p>
             <a:r>
               <a:rPr lang="en-US" altLang="ko-KR" sz="2400" b="1" dirty="0" smtClean="0"/>
-              <a:t>1. Dependency </a:t>
+              <a:t>5. DataSourceConfig.java </a:t>
             </a:r>
             <a:r>
               <a:rPr lang="ko-KR" altLang="en-US" sz="2400" b="1" dirty="0" smtClean="0"/>
-              <a:t>등록</a:t>
-            </a:r>
+              <a:t>생성</a:t>
+            </a:r>
+            <a:endParaRPr lang="en-US" altLang="ko-KR" sz="2400" b="1" dirty="0" smtClean="0"/>
+          </a:p>
+          <a:p>
             <a:endParaRPr lang="ko-KR" altLang="en-US" sz="2400" b="1" dirty="0"/>
-          </a:p>
-        </p:txBody>
-      </p:sp>
-      <p:cxnSp>
-        <p:nvCxnSpPr>
-          <p:cNvPr id="9" name="직선 화살표 연결선 8"/>
-          <p:cNvCxnSpPr/>
-          <p:nvPr/>
-        </p:nvCxnSpPr>
-        <p:spPr>
-          <a:xfrm flipV="1">
-            <a:off x="3602623" y="3300152"/>
-            <a:ext cx="4061712" cy="1"/>
-          </a:xfrm>
-          <a:prstGeom prst="straightConnector1">
-            <a:avLst/>
-          </a:prstGeom>
-          <a:ln>
-            <a:solidFill>
-              <a:srgbClr val="00B0F0"/>
-            </a:solidFill>
-            <a:tailEnd type="triangle"/>
-          </a:ln>
-        </p:spPr>
-        <p:style>
-          <a:lnRef idx="1">
-            <a:schemeClr val="accent1"/>
-          </a:lnRef>
-          <a:fillRef idx="0">
-            <a:schemeClr val="accent1"/>
-          </a:fillRef>
-          <a:effectRef idx="0">
-            <a:schemeClr val="accent1"/>
-          </a:effectRef>
-          <a:fontRef idx="minor">
-            <a:schemeClr val="tx1"/>
-          </a:fontRef>
-        </p:style>
-      </p:cxnSp>
-      <p:sp>
-        <p:nvSpPr>
-          <p:cNvPr id="10" name="TextBox 9"/>
-          <p:cNvSpPr txBox="1"/>
-          <p:nvPr/>
-        </p:nvSpPr>
-        <p:spPr>
-          <a:xfrm>
-            <a:off x="7664335" y="2153967"/>
-            <a:ext cx="4394130" cy="3139321"/>
-          </a:xfrm>
-          <a:prstGeom prst="rect">
-            <a:avLst/>
-          </a:prstGeom>
-          <a:noFill/>
-        </p:spPr>
-        <p:txBody>
-          <a:bodyPr wrap="square" rtlCol="0">
-            <a:spAutoFit/>
-          </a:bodyPr>
-          <a:lstStyle/>
-          <a:p>
-            <a:r>
-              <a:rPr lang="en-US" altLang="ko-KR" dirty="0" err="1" smtClean="0"/>
-              <a:t>Mybatis</a:t>
-            </a:r>
-            <a:r>
-              <a:rPr lang="en-US" altLang="ko-KR" dirty="0" smtClean="0"/>
-              <a:t> </a:t>
-            </a:r>
-            <a:r>
-              <a:rPr lang="ko-KR" altLang="en-US" dirty="0" smtClean="0"/>
-              <a:t>연동 전</a:t>
-            </a:r>
-            <a:r>
-              <a:rPr lang="en-US" altLang="ko-KR" dirty="0" smtClean="0"/>
-              <a:t>, pom.xml</a:t>
-            </a:r>
-            <a:r>
-              <a:rPr lang="ko-KR" altLang="en-US" dirty="0" smtClean="0"/>
-              <a:t>에 </a:t>
-            </a:r>
-            <a:r>
-              <a:rPr lang="en-US" altLang="ko-KR" dirty="0" smtClean="0"/>
-              <a:t>dependency</a:t>
-            </a:r>
-            <a:r>
-              <a:rPr lang="ko-KR" altLang="en-US" dirty="0" smtClean="0"/>
-              <a:t>를 등록한다</a:t>
-            </a:r>
-            <a:r>
-              <a:rPr lang="en-US" altLang="ko-KR" dirty="0" smtClean="0"/>
-              <a:t>.</a:t>
-            </a:r>
-          </a:p>
-          <a:p>
-            <a:endParaRPr lang="en-US" altLang="ko-KR" dirty="0"/>
-          </a:p>
-          <a:p>
-            <a:r>
-              <a:rPr lang="en-US" altLang="ko-KR" dirty="0" smtClean="0"/>
-              <a:t>1) </a:t>
-            </a:r>
-            <a:r>
-              <a:rPr lang="en-US" altLang="ko-KR" dirty="0" err="1" smtClean="0"/>
-              <a:t>Mybatis</a:t>
-            </a:r>
-            <a:endParaRPr lang="en-US" altLang="ko-KR" dirty="0" smtClean="0"/>
-          </a:p>
-          <a:p>
-            <a:r>
-              <a:rPr lang="en-US" altLang="ko-KR" dirty="0" smtClean="0"/>
-              <a:t>2)</a:t>
-            </a:r>
-            <a:r>
-              <a:rPr lang="ko-KR" altLang="en-US" dirty="0" smtClean="0"/>
-              <a:t> </a:t>
-            </a:r>
-            <a:r>
-              <a:rPr lang="en-US" altLang="ko-KR" dirty="0" err="1" smtClean="0"/>
-              <a:t>Mybatis</a:t>
-            </a:r>
-            <a:r>
-              <a:rPr lang="en-US" altLang="ko-KR" dirty="0" smtClean="0"/>
-              <a:t>-Spring</a:t>
-            </a:r>
-          </a:p>
-          <a:p>
-            <a:r>
-              <a:rPr lang="en-US" altLang="ko-KR" dirty="0" smtClean="0"/>
-              <a:t>3) </a:t>
-            </a:r>
-            <a:r>
-              <a:rPr lang="en-US" altLang="ko-KR" dirty="0" err="1" smtClean="0"/>
-              <a:t>Mybatis</a:t>
-            </a:r>
-            <a:r>
-              <a:rPr lang="en-US" altLang="ko-KR" dirty="0" smtClean="0"/>
-              <a:t>-Spring-Boot-Starter</a:t>
-            </a:r>
-          </a:p>
-          <a:p>
-            <a:r>
-              <a:rPr lang="en-US" altLang="ko-KR" dirty="0" smtClean="0"/>
-              <a:t>4) </a:t>
-            </a:r>
-            <a:r>
-              <a:rPr lang="en-US" altLang="ko-KR" dirty="0" err="1" smtClean="0"/>
-              <a:t>MariaDB</a:t>
-            </a:r>
-            <a:r>
-              <a:rPr lang="en-US" altLang="ko-KR" dirty="0" smtClean="0"/>
-              <a:t> JDBC Client</a:t>
-            </a:r>
-          </a:p>
-          <a:p>
-            <a:r>
-              <a:rPr lang="en-US" altLang="ko-KR" dirty="0" smtClean="0"/>
-              <a:t>5) </a:t>
-            </a:r>
-            <a:r>
-              <a:rPr lang="en-US" altLang="ko-KR" dirty="0" err="1" smtClean="0"/>
-              <a:t>HikariCP</a:t>
-            </a:r>
-            <a:r>
-              <a:rPr lang="en-US" altLang="ko-KR" dirty="0" smtClean="0"/>
-              <a:t> (</a:t>
-            </a:r>
-            <a:r>
-              <a:rPr lang="en-US" altLang="ko-KR" dirty="0" err="1" smtClean="0"/>
-              <a:t>com.zaxxer</a:t>
-            </a:r>
-            <a:r>
-              <a:rPr lang="en-US" altLang="ko-KR" dirty="0" smtClean="0"/>
-              <a:t>)</a:t>
-            </a:r>
-          </a:p>
-          <a:p>
-            <a:endParaRPr lang="en-US" altLang="ko-KR" dirty="0"/>
-          </a:p>
-          <a:p>
-            <a:r>
-              <a:rPr lang="en-US" altLang="ko-KR" dirty="0" smtClean="0"/>
-              <a:t>* </a:t>
-            </a:r>
-            <a:r>
-              <a:rPr lang="en-US" altLang="ko-KR" dirty="0" err="1" smtClean="0"/>
-              <a:t>Dependecy</a:t>
-            </a:r>
-            <a:r>
-              <a:rPr lang="en-US" altLang="ko-KR" dirty="0" smtClean="0"/>
-              <a:t> </a:t>
-            </a:r>
-            <a:r>
-              <a:rPr lang="ko-KR" altLang="en-US" dirty="0" smtClean="0"/>
-              <a:t>참고 사이트</a:t>
-            </a:r>
-            <a:endParaRPr lang="en-US" altLang="ko-KR" dirty="0" smtClean="0"/>
-          </a:p>
-          <a:p>
-            <a:r>
-              <a:rPr lang="en-US" altLang="ko-KR" dirty="0"/>
-              <a:t>https://mvnrepository.com/</a:t>
-            </a:r>
-            <a:endParaRPr lang="ko-KR" altLang="en-US" dirty="0"/>
           </a:p>
         </p:txBody>
       </p:sp>
@@ -7330,8 +7379,8 @@
         </p:nvSpPr>
         <p:spPr>
           <a:xfrm>
-            <a:off x="1704109" y="1812175"/>
-            <a:ext cx="1903615" cy="3042458"/>
+            <a:off x="1539952" y="1538394"/>
+            <a:ext cx="3805132" cy="3445361"/>
           </a:xfrm>
           <a:prstGeom prst="rect">
             <a:avLst/>
@@ -7371,7 +7420,7 @@
     </p:spTree>
     <p:extLst>
       <p:ext uri="{BB962C8B-B14F-4D97-AF65-F5344CB8AC3E}">
-        <p14:creationId xmlns:p14="http://schemas.microsoft.com/office/powerpoint/2010/main" val="462192275"/>
+        <p14:creationId xmlns:p14="http://schemas.microsoft.com/office/powerpoint/2010/main" val="1561654229"/>
       </p:ext>
     </p:extLst>
   </p:cSld>
@@ -7398,470 +7447,60 @@
           <a:chExt cx="0" cy="0"/>
         </a:xfrm>
       </p:grpSpPr>
-      <p:pic>
-        <p:nvPicPr>
-          <p:cNvPr id="2" name="그림 1"/>
-          <p:cNvPicPr>
-            <a:picLocks noChangeAspect="1"/>
-          </p:cNvPicPr>
-          <p:nvPr/>
-        </p:nvPicPr>
-        <p:blipFill>
-          <a:blip r:embed="rId2"/>
-          <a:stretch>
-            <a:fillRect/>
-          </a:stretch>
-        </p:blipFill>
-        <p:spPr>
-          <a:xfrm>
-            <a:off x="163043" y="1087997"/>
-            <a:ext cx="7259315" cy="5427138"/>
-          </a:xfrm>
-          <a:prstGeom prst="rect">
-            <a:avLst/>
-          </a:prstGeom>
-        </p:spPr>
-      </p:pic>
-      <p:sp>
-        <p:nvSpPr>
-          <p:cNvPr id="5" name="TextBox 4"/>
-          <p:cNvSpPr txBox="1"/>
-          <p:nvPr/>
-        </p:nvSpPr>
-        <p:spPr>
-          <a:xfrm>
-            <a:off x="163044" y="200921"/>
-            <a:ext cx="10008295" cy="461665"/>
-          </a:xfrm>
-          <a:prstGeom prst="rect">
-            <a:avLst/>
-          </a:prstGeom>
-          <a:noFill/>
-        </p:spPr>
-        <p:txBody>
-          <a:bodyPr wrap="square" rtlCol="0">
-            <a:spAutoFit/>
-          </a:bodyPr>
-          <a:lstStyle/>
-          <a:p>
-            <a:r>
-              <a:rPr lang="en-US" altLang="ko-KR" sz="2400" b="1" dirty="0" smtClean="0"/>
-              <a:t>2. </a:t>
-            </a:r>
-            <a:r>
-              <a:rPr lang="en-US" altLang="ko-KR" sz="2400" b="1" dirty="0" err="1" smtClean="0"/>
-              <a:t>MariaDB</a:t>
-            </a:r>
-            <a:r>
-              <a:rPr lang="en-US" altLang="ko-KR" sz="2400" b="1" dirty="0" smtClean="0"/>
-              <a:t> JDBC Connection </a:t>
-            </a:r>
-            <a:r>
-              <a:rPr lang="ko-KR" altLang="en-US" sz="2400" b="1" dirty="0" smtClean="0"/>
-              <a:t>설정</a:t>
-            </a:r>
-            <a:endParaRPr lang="ko-KR" altLang="en-US" sz="2400" b="1" dirty="0"/>
-          </a:p>
-        </p:txBody>
-      </p:sp>
-      <p:sp>
-        <p:nvSpPr>
-          <p:cNvPr id="7" name="직사각형 6"/>
-          <p:cNvSpPr/>
-          <p:nvPr/>
-        </p:nvSpPr>
-        <p:spPr>
-          <a:xfrm>
-            <a:off x="1321721" y="5156279"/>
-            <a:ext cx="3142212" cy="1186332"/>
-          </a:xfrm>
-          <a:prstGeom prst="rect">
-            <a:avLst/>
-          </a:prstGeom>
-          <a:noFill/>
-          <a:ln w="38100">
-            <a:solidFill>
-              <a:srgbClr val="00B0F0"/>
-            </a:solidFill>
-          </a:ln>
-        </p:spPr>
-        <p:style>
-          <a:lnRef idx="2">
-            <a:schemeClr val="accent1">
-              <a:shade val="50000"/>
-            </a:schemeClr>
-          </a:lnRef>
-          <a:fillRef idx="1">
-            <a:schemeClr val="accent1"/>
-          </a:fillRef>
-          <a:effectRef idx="0">
-            <a:schemeClr val="accent1"/>
-          </a:effectRef>
-          <a:fontRef idx="minor">
-            <a:schemeClr val="lt1"/>
-          </a:fontRef>
-        </p:style>
-        <p:txBody>
-          <a:bodyPr rtlCol="0" anchor="ctr"/>
-          <a:lstStyle/>
-          <a:p>
-            <a:pPr algn="ctr"/>
-            <a:endParaRPr lang="ko-KR" altLang="en-US"/>
-          </a:p>
-        </p:txBody>
-      </p:sp>
-      <p:cxnSp>
-        <p:nvCxnSpPr>
-          <p:cNvPr id="9" name="직선 화살표 연결선 8"/>
-          <p:cNvCxnSpPr/>
-          <p:nvPr/>
-        </p:nvCxnSpPr>
-        <p:spPr>
-          <a:xfrm flipV="1">
-            <a:off x="4696691" y="1895301"/>
-            <a:ext cx="3092333" cy="1"/>
-          </a:xfrm>
-          <a:prstGeom prst="straightConnector1">
-            <a:avLst/>
-          </a:prstGeom>
-          <a:ln>
-            <a:solidFill>
-              <a:srgbClr val="00B0F0"/>
-            </a:solidFill>
-            <a:tailEnd type="triangle"/>
-          </a:ln>
-        </p:spPr>
-        <p:style>
-          <a:lnRef idx="1">
-            <a:schemeClr val="accent1"/>
-          </a:lnRef>
-          <a:fillRef idx="0">
-            <a:schemeClr val="accent1"/>
-          </a:fillRef>
-          <a:effectRef idx="0">
-            <a:schemeClr val="accent1"/>
-          </a:effectRef>
-          <a:fontRef idx="minor">
-            <a:schemeClr val="tx1"/>
-          </a:fontRef>
-        </p:style>
-      </p:cxnSp>
-      <p:sp>
-        <p:nvSpPr>
-          <p:cNvPr id="10" name="TextBox 9"/>
-          <p:cNvSpPr txBox="1"/>
-          <p:nvPr/>
-        </p:nvSpPr>
-        <p:spPr>
-          <a:xfrm>
-            <a:off x="7789024" y="1087997"/>
-            <a:ext cx="4394130" cy="3416320"/>
-          </a:xfrm>
-          <a:prstGeom prst="rect">
-            <a:avLst/>
-          </a:prstGeom>
-          <a:noFill/>
-        </p:spPr>
-        <p:txBody>
-          <a:bodyPr wrap="square" rtlCol="0">
-            <a:spAutoFit/>
-          </a:bodyPr>
-          <a:lstStyle/>
-          <a:p>
-            <a:r>
-              <a:rPr lang="en-US" altLang="ko-KR" dirty="0" err="1" smtClean="0"/>
-              <a:t>Mybatis</a:t>
-            </a:r>
+      <p:sp>
+        <p:nvSpPr>
+          <p:cNvPr id="2" name="제목 1"/>
+          <p:cNvSpPr>
+            <a:spLocks noGrp="1"/>
+          </p:cNvSpPr>
+          <p:nvPr>
+            <p:ph type="ctrTitle"/>
+          </p:nvPr>
+        </p:nvSpPr>
+        <p:spPr/>
+        <p:txBody>
+          <a:bodyPr/>
+          <a:lstStyle/>
+          <a:p>
             <a:r>
               <a:rPr lang="en-US" altLang="ko-KR" dirty="0" smtClean="0"/>
-              <a:t>-Spring-Boot-Starter</a:t>
+              <a:t>React</a:t>
+            </a:r>
+            <a:endParaRPr lang="ko-KR" altLang="en-US" dirty="0"/>
+          </a:p>
+        </p:txBody>
+      </p:sp>
+      <p:sp>
+        <p:nvSpPr>
+          <p:cNvPr id="3" name="부제목 2"/>
+          <p:cNvSpPr>
+            <a:spLocks noGrp="1"/>
+          </p:cNvSpPr>
+          <p:nvPr>
+            <p:ph type="subTitle" idx="1"/>
+          </p:nvPr>
+        </p:nvSpPr>
+        <p:spPr/>
+        <p:txBody>
+          <a:bodyPr/>
+          <a:lstStyle/>
+          <a:p>
+            <a:r>
+              <a:rPr lang="en-US" altLang="ko-KR" dirty="0" smtClean="0"/>
+              <a:t>1. </a:t>
             </a:r>
             <a:r>
               <a:rPr lang="ko-KR" altLang="en-US" dirty="0" smtClean="0"/>
-              <a:t>를 </a:t>
-            </a:r>
-            <a:r>
-              <a:rPr lang="en-US" altLang="ko-KR" dirty="0" smtClean="0"/>
-              <a:t>pom.xml</a:t>
-            </a:r>
-            <a:r>
-              <a:rPr lang="ko-KR" altLang="en-US" dirty="0" smtClean="0"/>
-              <a:t>에 추가 후 </a:t>
-            </a:r>
-            <a:r>
-              <a:rPr lang="en-US" altLang="ko-KR" dirty="0" err="1" smtClean="0"/>
-              <a:t>mvn</a:t>
-            </a:r>
-            <a:r>
-              <a:rPr lang="en-US" altLang="ko-KR" dirty="0" smtClean="0"/>
-              <a:t> clean </a:t>
-            </a:r>
-            <a:r>
-              <a:rPr lang="ko-KR" altLang="en-US" dirty="0" smtClean="0"/>
-              <a:t>및 </a:t>
-            </a:r>
-            <a:r>
-              <a:rPr lang="en-US" altLang="ko-KR" dirty="0" err="1" smtClean="0"/>
-              <a:t>mvn</a:t>
-            </a:r>
-            <a:r>
-              <a:rPr lang="en-US" altLang="ko-KR" dirty="0" smtClean="0"/>
-              <a:t> install </a:t>
-            </a:r>
-            <a:r>
-              <a:rPr lang="ko-KR" altLang="en-US" dirty="0" smtClean="0"/>
-              <a:t>실행하면 </a:t>
-            </a:r>
-            <a:r>
-              <a:rPr lang="en-US" altLang="ko-KR" dirty="0" err="1" smtClean="0"/>
-              <a:t>mvn</a:t>
-            </a:r>
-            <a:r>
-              <a:rPr lang="en-US" altLang="ko-KR" dirty="0" smtClean="0"/>
-              <a:t> </a:t>
-            </a:r>
-            <a:r>
-              <a:rPr lang="ko-KR" altLang="en-US" dirty="0" smtClean="0"/>
-              <a:t>오류가 발생함</a:t>
-            </a:r>
-            <a:r>
-              <a:rPr lang="en-US" altLang="ko-KR" dirty="0" smtClean="0"/>
-              <a:t>. </a:t>
-            </a:r>
-            <a:endParaRPr lang="en-US" altLang="ko-KR" dirty="0"/>
-          </a:p>
-          <a:p>
-            <a:endParaRPr lang="en-US" altLang="ko-KR" dirty="0"/>
-          </a:p>
-          <a:p>
-            <a:pPr marL="285750" indent="-285750">
-              <a:buFont typeface="Arial" panose="020B0604020202020204" pitchFamily="34" charset="0"/>
-              <a:buChar char="•"/>
-            </a:pPr>
-            <a:r>
-              <a:rPr lang="ko-KR" altLang="en-US" dirty="0" smtClean="0"/>
-              <a:t>오류 사유 </a:t>
-            </a:r>
-            <a:r>
-              <a:rPr lang="en-US" altLang="ko-KR" dirty="0" smtClean="0"/>
-              <a:t>: </a:t>
-            </a:r>
-            <a:r>
-              <a:rPr lang="en-US" altLang="ko-KR" dirty="0" err="1" smtClean="0"/>
-              <a:t>Datasource</a:t>
-            </a:r>
-            <a:r>
-              <a:rPr lang="en-US" altLang="ko-KR" dirty="0" smtClean="0"/>
-              <a:t> </a:t>
-            </a:r>
-            <a:r>
-              <a:rPr lang="ko-KR" altLang="en-US" dirty="0" smtClean="0"/>
-              <a:t>설정 하기 위해 데이터베이스 드라이버를 입력하지 않았기 때문에 발생</a:t>
-            </a:r>
-            <a:r>
-              <a:rPr lang="en-US" altLang="ko-KR" dirty="0" smtClean="0"/>
-              <a:t>.</a:t>
-            </a:r>
-          </a:p>
-          <a:p>
-            <a:pPr marL="285750" indent="-285750">
-              <a:buFont typeface="Arial" panose="020B0604020202020204" pitchFamily="34" charset="0"/>
-              <a:buChar char="•"/>
-            </a:pPr>
-            <a:endParaRPr lang="en-US" altLang="ko-KR" dirty="0"/>
-          </a:p>
-          <a:p>
-            <a:pPr marL="285750" indent="-285750">
-              <a:buFont typeface="Arial" panose="020B0604020202020204" pitchFamily="34" charset="0"/>
-              <a:buChar char="•"/>
-            </a:pPr>
-            <a:r>
-              <a:rPr lang="ko-KR" altLang="en-US" dirty="0" smtClean="0"/>
-              <a:t>오류 해결 </a:t>
-            </a:r>
-            <a:r>
-              <a:rPr lang="en-US" altLang="ko-KR" dirty="0" smtClean="0"/>
-              <a:t>: /</a:t>
-            </a:r>
-            <a:r>
-              <a:rPr lang="en-US" altLang="ko-KR" dirty="0" err="1" smtClean="0"/>
-              <a:t>src</a:t>
-            </a:r>
-            <a:r>
-              <a:rPr lang="en-US" altLang="ko-KR" dirty="0" smtClean="0"/>
-              <a:t>/main/resource/</a:t>
-            </a:r>
-            <a:r>
-              <a:rPr lang="en-US" altLang="ko-KR" dirty="0" err="1" smtClean="0"/>
-              <a:t>application.properties</a:t>
-            </a:r>
-            <a:r>
-              <a:rPr lang="en-US" altLang="ko-KR" dirty="0" smtClean="0"/>
-              <a:t> </a:t>
-            </a:r>
-            <a:r>
-              <a:rPr lang="ko-KR" altLang="en-US" dirty="0" smtClean="0"/>
-              <a:t>파일에 데이터베이스 드라이버 정보를 추가하면 됨</a:t>
-            </a:r>
-            <a:r>
-              <a:rPr lang="en-US" altLang="ko-KR" dirty="0" smtClean="0"/>
-              <a:t>.</a:t>
-            </a:r>
-          </a:p>
-        </p:txBody>
-      </p:sp>
-      <p:sp>
-        <p:nvSpPr>
-          <p:cNvPr id="8" name="직사각형 7"/>
-          <p:cNvSpPr/>
-          <p:nvPr/>
-        </p:nvSpPr>
-        <p:spPr>
-          <a:xfrm>
-            <a:off x="1521229" y="1612669"/>
-            <a:ext cx="3175462" cy="565265"/>
-          </a:xfrm>
-          <a:prstGeom prst="rect">
-            <a:avLst/>
-          </a:prstGeom>
-          <a:noFill/>
-          <a:ln w="38100">
-            <a:solidFill>
-              <a:srgbClr val="00B0F0"/>
-            </a:solidFill>
-          </a:ln>
-        </p:spPr>
-        <p:style>
-          <a:lnRef idx="2">
-            <a:schemeClr val="accent1">
-              <a:shade val="50000"/>
-            </a:schemeClr>
-          </a:lnRef>
-          <a:fillRef idx="1">
-            <a:schemeClr val="accent1"/>
-          </a:fillRef>
-          <a:effectRef idx="0">
-            <a:schemeClr val="accent1"/>
-          </a:effectRef>
-          <a:fontRef idx="minor">
-            <a:schemeClr val="lt1"/>
-          </a:fontRef>
-        </p:style>
-        <p:txBody>
-          <a:bodyPr rtlCol="0" anchor="ctr"/>
-          <a:lstStyle/>
-          <a:p>
-            <a:pPr algn="ctr"/>
-            <a:endParaRPr lang="ko-KR" altLang="en-US"/>
-          </a:p>
-        </p:txBody>
-      </p:sp>
-      <p:sp>
-        <p:nvSpPr>
-          <p:cNvPr id="11" name="TextBox 10"/>
-          <p:cNvSpPr txBox="1"/>
-          <p:nvPr/>
-        </p:nvSpPr>
-        <p:spPr>
-          <a:xfrm>
-            <a:off x="7797870" y="4504317"/>
-            <a:ext cx="4394130" cy="2308324"/>
-          </a:xfrm>
-          <a:prstGeom prst="rect">
-            <a:avLst/>
-          </a:prstGeom>
-          <a:noFill/>
-        </p:spPr>
-        <p:txBody>
-          <a:bodyPr wrap="square" rtlCol="0">
-            <a:spAutoFit/>
-          </a:bodyPr>
-          <a:lstStyle/>
-          <a:p>
-            <a:r>
-              <a:rPr lang="en-US" altLang="ko-KR" dirty="0" smtClean="0"/>
-              <a:t>## </a:t>
-            </a:r>
-            <a:r>
-              <a:rPr lang="en-US" altLang="ko-KR" dirty="0" err="1" smtClean="0"/>
-              <a:t>MariaDB</a:t>
-            </a:r>
-            <a:r>
-              <a:rPr lang="en-US" altLang="ko-KR" dirty="0" smtClean="0"/>
-              <a:t> </a:t>
-            </a:r>
-            <a:r>
-              <a:rPr lang="en-US" altLang="ko-KR" dirty="0" err="1" smtClean="0"/>
-              <a:t>Connention</a:t>
-            </a:r>
-            <a:endParaRPr lang="en-US" altLang="ko-KR" dirty="0" smtClean="0"/>
-          </a:p>
-          <a:p>
-            <a:r>
-              <a:rPr lang="en-US" altLang="ko-KR" dirty="0" err="1" smtClean="0"/>
-              <a:t>spring.datasource.driverClassName</a:t>
-            </a:r>
-            <a:r>
-              <a:rPr lang="en-US" altLang="ko-KR" dirty="0" smtClean="0"/>
-              <a:t>=</a:t>
-            </a:r>
-            <a:r>
-              <a:rPr lang="en-US" altLang="ko-KR" dirty="0" err="1" smtClean="0"/>
-              <a:t>org.mariadb.jdbc.Driver</a:t>
-            </a:r>
-            <a:endParaRPr lang="en-US" altLang="ko-KR" dirty="0"/>
-          </a:p>
-          <a:p>
-            <a:r>
-              <a:rPr lang="en-US" altLang="ko-KR" dirty="0"/>
-              <a:t>spring.datasource.url=</a:t>
-            </a:r>
-            <a:r>
-              <a:rPr lang="en-US" altLang="ko-KR" dirty="0" err="1"/>
-              <a:t>jdbc:mariadb</a:t>
-            </a:r>
-            <a:r>
-              <a:rPr lang="en-US" altLang="ko-KR" dirty="0" smtClean="0"/>
-              <a:t>://localhost:3306/</a:t>
-            </a:r>
-            <a:r>
-              <a:rPr lang="en-US" altLang="ko-KR" dirty="0" err="1" smtClean="0"/>
-              <a:t>ismaniatest?characterEncoding</a:t>
-            </a:r>
-            <a:r>
-              <a:rPr lang="en-US" altLang="ko-KR" dirty="0" smtClean="0"/>
-              <a:t>=UTF-8&amp;serverTimezone=UTC</a:t>
-            </a:r>
-            <a:endParaRPr lang="en-US" altLang="ko-KR" dirty="0"/>
-          </a:p>
-          <a:p>
-            <a:r>
-              <a:rPr lang="en-US" altLang="ko-KR" dirty="0" err="1" smtClean="0"/>
-              <a:t>spring.datasource.username</a:t>
-            </a:r>
-            <a:r>
-              <a:rPr lang="en-US" altLang="ko-KR" dirty="0" smtClean="0"/>
-              <a:t>=root</a:t>
-            </a:r>
-            <a:endParaRPr lang="en-US" altLang="ko-KR" dirty="0"/>
-          </a:p>
-          <a:p>
-            <a:r>
-              <a:rPr lang="en-US" altLang="ko-KR" dirty="0" err="1" smtClean="0"/>
-              <a:t>spring.datasource.password</a:t>
-            </a:r>
-            <a:r>
-              <a:rPr lang="en-US" altLang="ko-KR" dirty="0" smtClean="0"/>
-              <a:t>=root!!</a:t>
-            </a:r>
-            <a:endParaRPr lang="en-US" altLang="ko-KR" dirty="0"/>
+              <a:t>사전 세팅</a:t>
+            </a:r>
+            <a:endParaRPr lang="ko-KR" altLang="en-US" dirty="0"/>
           </a:p>
         </p:txBody>
       </p:sp>
     </p:spTree>
     <p:extLst>
       <p:ext uri="{BB962C8B-B14F-4D97-AF65-F5344CB8AC3E}">
-        <p14:creationId xmlns:p14="http://schemas.microsoft.com/office/powerpoint/2010/main" val="1243975518"/>
+        <p14:creationId xmlns:p14="http://schemas.microsoft.com/office/powerpoint/2010/main" val="3456050011"/>
       </p:ext>
     </p:extLst>
   </p:cSld>
@@ -7888,30 +7527,6 @@
           <a:chExt cx="0" cy="0"/>
         </a:xfrm>
       </p:grpSpPr>
-      <p:pic>
-        <p:nvPicPr>
-          <p:cNvPr id="3" name="그림 2"/>
-          <p:cNvPicPr>
-            <a:picLocks noChangeAspect="1"/>
-          </p:cNvPicPr>
-          <p:nvPr/>
-        </p:nvPicPr>
-        <p:blipFill>
-          <a:blip r:embed="rId2"/>
-          <a:stretch>
-            <a:fillRect/>
-          </a:stretch>
-        </p:blipFill>
-        <p:spPr>
-          <a:xfrm>
-            <a:off x="163043" y="1087997"/>
-            <a:ext cx="7259315" cy="5427138"/>
-          </a:xfrm>
-          <a:prstGeom prst="rect">
-            <a:avLst/>
-          </a:prstGeom>
-        </p:spPr>
-      </p:pic>
       <p:sp>
         <p:nvSpPr>
           <p:cNvPr id="5" name="TextBox 4"/>
@@ -7936,60 +7551,12 @@
           <a:p>
             <a:r>
               <a:rPr lang="en-US" altLang="ko-KR" sz="2400" b="1" dirty="0" smtClean="0"/>
-              <a:t>3. </a:t>
-            </a:r>
-            <a:r>
-              <a:rPr lang="en-US" altLang="ko-KR" sz="2400" b="1" dirty="0" err="1" smtClean="0"/>
-              <a:t>Hikari</a:t>
-            </a:r>
-            <a:r>
-              <a:rPr lang="en-US" altLang="ko-KR" sz="2400" b="1" dirty="0" smtClean="0"/>
-              <a:t> </a:t>
-            </a:r>
-            <a:r>
-              <a:rPr lang="ko-KR" altLang="en-US" sz="2400" b="1" dirty="0" smtClean="0"/>
-              <a:t>설정</a:t>
+              <a:t>0. </a:t>
             </a:r>
             <a:endParaRPr lang="ko-KR" altLang="en-US" sz="2400" b="1" dirty="0"/>
           </a:p>
         </p:txBody>
       </p:sp>
-      <p:cxnSp>
-        <p:nvCxnSpPr>
-          <p:cNvPr id="9" name="직선 화살표 연결선 8"/>
-          <p:cNvCxnSpPr/>
-          <p:nvPr/>
-        </p:nvCxnSpPr>
-        <p:spPr>
-          <a:xfrm flipV="1">
-            <a:off x="4987636" y="2722686"/>
-            <a:ext cx="2810234" cy="1"/>
-          </a:xfrm>
-          <a:prstGeom prst="straightConnector1">
-            <a:avLst/>
-          </a:prstGeom>
-          <a:ln>
-            <a:solidFill>
-              <a:srgbClr val="00B0F0"/>
-            </a:solidFill>
-            <a:tailEnd type="triangle"/>
-          </a:ln>
-        </p:spPr>
-        <p:style>
-          <a:lnRef idx="1">
-            <a:schemeClr val="accent1"/>
-          </a:lnRef>
-          <a:fillRef idx="0">
-            <a:schemeClr val="accent1"/>
-          </a:fillRef>
-          <a:effectRef idx="0">
-            <a:schemeClr val="accent1"/>
-          </a:effectRef>
-          <a:fontRef idx="minor">
-            <a:schemeClr val="tx1"/>
-          </a:fontRef>
-        </p:style>
-      </p:cxnSp>
       <p:sp>
         <p:nvSpPr>
           <p:cNvPr id="10" name="TextBox 9"/>
@@ -7998,8 +7565,8 @@
         </p:nvSpPr>
         <p:spPr>
           <a:xfrm>
-            <a:off x="7789024" y="1087997"/>
-            <a:ext cx="4394130" cy="5262979"/>
+            <a:off x="163043" y="732978"/>
+            <a:ext cx="11873785" cy="369332"/>
           </a:xfrm>
           <a:prstGeom prst="rect">
             <a:avLst/>
@@ -8013,189 +7580,65 @@
           <a:lstStyle/>
           <a:p>
             <a:r>
-              <a:rPr lang="en-US" altLang="ko-KR" sz="1600" dirty="0" err="1"/>
-              <a:t>spring.datasource.hikari.driver</a:t>
-            </a:r>
-            <a:r>
-              <a:rPr lang="en-US" altLang="ko-KR" sz="1600" dirty="0"/>
-              <a:t>-class-name=</a:t>
-            </a:r>
-            <a:r>
-              <a:rPr lang="en-US" altLang="ko-KR" sz="1600" dirty="0" err="1"/>
-              <a:t>org.mariadb.jdbc.Driver</a:t>
-            </a:r>
-            <a:endParaRPr lang="en-US" altLang="ko-KR" sz="1600" dirty="0"/>
-          </a:p>
-          <a:p>
-            <a:r>
-              <a:rPr lang="en-US" altLang="ko-KR" sz="1600" dirty="0" err="1"/>
-              <a:t>spring.datasource.hikari.jdbc-url</a:t>
-            </a:r>
-            <a:r>
-              <a:rPr lang="en-US" altLang="ko-KR" sz="1600" dirty="0"/>
-              <a:t>=</a:t>
-            </a:r>
-            <a:r>
-              <a:rPr lang="en-US" altLang="ko-KR" sz="1600" dirty="0" err="1"/>
-              <a:t>jdbc:mariadb</a:t>
-            </a:r>
-            <a:r>
-              <a:rPr lang="en-US" altLang="ko-KR" sz="1600" dirty="0" smtClean="0"/>
-              <a:t>://localhost:3306/</a:t>
-            </a:r>
-            <a:r>
-              <a:rPr lang="en-US" altLang="ko-KR" sz="1600" dirty="0" err="1" smtClean="0"/>
-              <a:t>ismaniatest?characterEncoding</a:t>
-            </a:r>
-            <a:r>
-              <a:rPr lang="en-US" altLang="ko-KR" sz="1600" dirty="0" smtClean="0"/>
-              <a:t>=UTF-8&amp;serverTimezone=UTC</a:t>
-            </a:r>
-            <a:endParaRPr lang="en-US" altLang="ko-KR" sz="1600" dirty="0"/>
-          </a:p>
-          <a:p>
-            <a:r>
-              <a:rPr lang="en-US" altLang="ko-KR" sz="1600" dirty="0" err="1"/>
-              <a:t>spring.datasource.hikari.username</a:t>
-            </a:r>
-            <a:r>
-              <a:rPr lang="en-US" altLang="ko-KR" sz="1600" dirty="0"/>
-              <a:t>=root</a:t>
-            </a:r>
-          </a:p>
-          <a:p>
-            <a:r>
-              <a:rPr lang="en-US" altLang="ko-KR" sz="1600" dirty="0" err="1"/>
-              <a:t>spring.datasource.hikari.password</a:t>
-            </a:r>
-            <a:r>
-              <a:rPr lang="en-US" altLang="ko-KR" sz="1600" dirty="0"/>
-              <a:t>=root!!</a:t>
-            </a:r>
-          </a:p>
-          <a:p>
-            <a:r>
-              <a:rPr lang="en-US" altLang="ko-KR" sz="1600" dirty="0" err="1"/>
-              <a:t>spring.datasource.hikari.pool</a:t>
-            </a:r>
-            <a:r>
-              <a:rPr lang="en-US" altLang="ko-KR" sz="1600" dirty="0"/>
-              <a:t>-name=</a:t>
-            </a:r>
-            <a:r>
-              <a:rPr lang="en-US" altLang="ko-KR" sz="1600" dirty="0" err="1"/>
-              <a:t>ismania-HikariCP</a:t>
-            </a:r>
-            <a:endParaRPr lang="en-US" altLang="ko-KR" sz="1600" dirty="0"/>
-          </a:p>
-          <a:p>
-            <a:r>
-              <a:rPr lang="en-US" altLang="ko-KR" sz="1600" dirty="0" err="1"/>
-              <a:t>spring.datasource.hikari.maximum</a:t>
-            </a:r>
-            <a:r>
-              <a:rPr lang="en-US" altLang="ko-KR" sz="1600" dirty="0"/>
-              <a:t>-pool-size=30</a:t>
-            </a:r>
-          </a:p>
-          <a:p>
-            <a:r>
-              <a:rPr lang="en-US" altLang="ko-KR" sz="1600" dirty="0" err="1"/>
-              <a:t>spring.datasource.hikari.minimum</a:t>
-            </a:r>
-            <a:r>
-              <a:rPr lang="en-US" altLang="ko-KR" sz="1600" dirty="0"/>
-              <a:t>-idle=2</a:t>
-            </a:r>
-          </a:p>
-          <a:p>
-            <a:r>
-              <a:rPr lang="en-US" altLang="ko-KR" sz="1600" dirty="0" err="1"/>
-              <a:t>spring.datasource.hikari.data</a:t>
-            </a:r>
-            <a:r>
-              <a:rPr lang="en-US" altLang="ko-KR" sz="1600" dirty="0"/>
-              <a:t>-source-</a:t>
-            </a:r>
-            <a:r>
-              <a:rPr lang="en-US" altLang="ko-KR" sz="1600" dirty="0" err="1"/>
-              <a:t>properties.cachePrepStmts</a:t>
-            </a:r>
-            <a:r>
-              <a:rPr lang="en-US" altLang="ko-KR" sz="1600" dirty="0"/>
-              <a:t>=true</a:t>
-            </a:r>
-          </a:p>
-          <a:p>
-            <a:r>
-              <a:rPr lang="en-US" altLang="ko-KR" sz="1600" dirty="0"/>
-              <a:t>spring.datasource.hikari.data-source-properties.prepStmtCacheSize=250</a:t>
-            </a:r>
-          </a:p>
-          <a:p>
-            <a:r>
-              <a:rPr lang="en-US" altLang="ko-KR" sz="1600" dirty="0"/>
-              <a:t>spring.datasource.hikari.data-source-properties.prepStmtCacheSqlLimit=2048</a:t>
-            </a:r>
-          </a:p>
-          <a:p>
-            <a:r>
-              <a:rPr lang="en-US" altLang="ko-KR" sz="1600" dirty="0"/>
-              <a:t>spring.datasource.hikari.data-source-properties.useServerPrepStmts=true</a:t>
-            </a:r>
-          </a:p>
-        </p:txBody>
-      </p:sp>
-      <p:sp>
-        <p:nvSpPr>
-          <p:cNvPr id="8" name="직사각형 7"/>
-          <p:cNvSpPr/>
-          <p:nvPr/>
-        </p:nvSpPr>
-        <p:spPr>
-          <a:xfrm>
-            <a:off x="1521229" y="2103659"/>
-            <a:ext cx="3524596" cy="1254683"/>
-          </a:xfrm>
-          <a:prstGeom prst="rect">
-            <a:avLst/>
-          </a:prstGeom>
-          <a:noFill/>
-          <a:ln w="38100">
-            <a:solidFill>
-              <a:srgbClr val="00B0F0"/>
-            </a:solidFill>
-          </a:ln>
-        </p:spPr>
-        <p:style>
-          <a:lnRef idx="2">
-            <a:schemeClr val="accent1">
-              <a:shade val="50000"/>
-            </a:schemeClr>
-          </a:lnRef>
-          <a:fillRef idx="1">
-            <a:schemeClr val="accent1"/>
-          </a:fillRef>
-          <a:effectRef idx="0">
-            <a:schemeClr val="accent1"/>
-          </a:effectRef>
-          <a:fontRef idx="minor">
-            <a:schemeClr val="lt1"/>
-          </a:fontRef>
-        </p:style>
-        <p:txBody>
-          <a:bodyPr rtlCol="0" anchor="ctr"/>
-          <a:lstStyle/>
-          <a:p>
-            <a:pPr algn="ctr"/>
-            <a:endParaRPr lang="ko-KR" altLang="en-US"/>
+              <a:rPr lang="ko-KR" altLang="en-US" dirty="0" smtClean="0">
+                <a:solidFill>
+                  <a:srgbClr val="FF0000"/>
+                </a:solidFill>
+              </a:rPr>
+              <a:t>사전</a:t>
+            </a:r>
+            <a:r>
+              <a:rPr lang="en-US" altLang="ko-KR" dirty="0" smtClean="0">
+                <a:solidFill>
+                  <a:srgbClr val="FF0000"/>
+                </a:solidFill>
+              </a:rPr>
+              <a:t>, node.js </a:t>
+            </a:r>
+            <a:r>
+              <a:rPr lang="ko-KR" altLang="en-US" dirty="0" smtClean="0">
+                <a:solidFill>
+                  <a:srgbClr val="FF0000"/>
+                </a:solidFill>
+              </a:rPr>
+              <a:t>및 </a:t>
+            </a:r>
+            <a:r>
+              <a:rPr lang="en-US" altLang="ko-KR" dirty="0" err="1" smtClean="0">
+                <a:solidFill>
+                  <a:srgbClr val="FF0000"/>
+                </a:solidFill>
+              </a:rPr>
+              <a:t>npm</a:t>
+            </a:r>
+            <a:r>
+              <a:rPr lang="en-US" altLang="ko-KR" dirty="0" smtClean="0">
+                <a:solidFill>
+                  <a:srgbClr val="FF0000"/>
+                </a:solidFill>
+              </a:rPr>
+              <a:t> </a:t>
+            </a:r>
+            <a:r>
+              <a:rPr lang="ko-KR" altLang="en-US" dirty="0" smtClean="0">
+                <a:solidFill>
+                  <a:srgbClr val="FF0000"/>
+                </a:solidFill>
+              </a:rPr>
+              <a:t>설치</a:t>
+            </a:r>
+            <a:endParaRPr lang="en-US" altLang="ko-KR" dirty="0">
+              <a:solidFill>
+                <a:srgbClr val="FF0000"/>
+              </a:solidFill>
+            </a:endParaRPr>
           </a:p>
         </p:txBody>
       </p:sp>
     </p:spTree>
     <p:extLst>
       <p:ext uri="{BB962C8B-B14F-4D97-AF65-F5344CB8AC3E}">
-        <p14:creationId xmlns:p14="http://schemas.microsoft.com/office/powerpoint/2010/main" val="1235552358"/>
+        <p14:creationId xmlns:p14="http://schemas.microsoft.com/office/powerpoint/2010/main" val="198589173"/>
       </p:ext>
     </p:extLst>
   </p:cSld>
@@ -8224,7 +7667,7 @@
       </p:grpSpPr>
       <p:pic>
         <p:nvPicPr>
-          <p:cNvPr id="12" name="그림 11"/>
+          <p:cNvPr id="2" name="그림 1"/>
           <p:cNvPicPr>
             <a:picLocks noChangeAspect="1"/>
           </p:cNvPicPr>
@@ -8238,8 +7681,8 @@
         </p:blipFill>
         <p:spPr>
           <a:xfrm>
-            <a:off x="163043" y="1087997"/>
-            <a:ext cx="7259315" cy="5427138"/>
+            <a:off x="163044" y="1087997"/>
+            <a:ext cx="7255821" cy="5427138"/>
           </a:xfrm>
           <a:prstGeom prst="rect">
             <a:avLst/>
@@ -8270,107 +7713,26 @@
           <a:p>
             <a:r>
               <a:rPr lang="en-US" altLang="ko-KR" sz="2400" b="1" dirty="0" smtClean="0"/>
-              <a:t>4. *Mapper.xml </a:t>
+              <a:t>1. React PJT </a:t>
             </a:r>
             <a:r>
               <a:rPr lang="ko-KR" altLang="en-US" sz="2400" b="1" dirty="0" smtClean="0"/>
-              <a:t>경로 설정</a:t>
+              <a:t>생성</a:t>
             </a:r>
             <a:endParaRPr lang="ko-KR" altLang="en-US" sz="2400" b="1" dirty="0"/>
           </a:p>
         </p:txBody>
       </p:sp>
-      <p:cxnSp>
-        <p:nvCxnSpPr>
-          <p:cNvPr id="9" name="직선 화살표 연결선 8"/>
-          <p:cNvCxnSpPr/>
-          <p:nvPr/>
-        </p:nvCxnSpPr>
-        <p:spPr>
-          <a:xfrm flipV="1">
-            <a:off x="4705537" y="3528240"/>
-            <a:ext cx="3092333" cy="1"/>
-          </a:xfrm>
-          <a:prstGeom prst="straightConnector1">
-            <a:avLst/>
-          </a:prstGeom>
-          <a:ln>
-            <a:solidFill>
-              <a:srgbClr val="00B0F0"/>
-            </a:solidFill>
-            <a:tailEnd type="triangle"/>
-          </a:ln>
-        </p:spPr>
-        <p:style>
-          <a:lnRef idx="1">
-            <a:schemeClr val="accent1"/>
-          </a:lnRef>
-          <a:fillRef idx="0">
-            <a:schemeClr val="accent1"/>
-          </a:fillRef>
-          <a:effectRef idx="0">
-            <a:schemeClr val="accent1"/>
-          </a:effectRef>
-          <a:fontRef idx="minor">
-            <a:schemeClr val="tx1"/>
-          </a:fontRef>
-        </p:style>
-      </p:cxnSp>
-      <p:sp>
-        <p:nvSpPr>
-          <p:cNvPr id="10" name="TextBox 9"/>
-          <p:cNvSpPr txBox="1"/>
-          <p:nvPr/>
-        </p:nvSpPr>
-        <p:spPr>
-          <a:xfrm>
-            <a:off x="7806716" y="3155235"/>
-            <a:ext cx="4394130" cy="923330"/>
-          </a:xfrm>
-          <a:prstGeom prst="rect">
-            <a:avLst/>
-          </a:prstGeom>
-          <a:noFill/>
-        </p:spPr>
-        <p:txBody>
-          <a:bodyPr wrap="square" rtlCol="0">
-            <a:spAutoFit/>
-          </a:bodyPr>
-          <a:lstStyle/>
-          <a:p>
-            <a:r>
-              <a:rPr lang="en-US" altLang="ko-KR" dirty="0" err="1" smtClean="0"/>
-              <a:t>mybatis.mapper</a:t>
-            </a:r>
-            <a:r>
-              <a:rPr lang="en-US" altLang="ko-KR" dirty="0" smtClean="0"/>
-              <a:t>-locations=</a:t>
-            </a:r>
-            <a:r>
-              <a:rPr lang="en-US" altLang="ko-KR" dirty="0" err="1" smtClean="0"/>
-              <a:t>mybatis</a:t>
-            </a:r>
-            <a:r>
-              <a:rPr lang="en-US" altLang="ko-KR" dirty="0" smtClean="0"/>
-              <a:t>/mapper</a:t>
-            </a:r>
-            <a:r>
-              <a:rPr lang="en-US" altLang="ko-KR" dirty="0"/>
-              <a:t>/**/*Mapper.xml</a:t>
-            </a:r>
-          </a:p>
-        </p:txBody>
-      </p:sp>
-      <p:sp>
-        <p:nvSpPr>
-          <p:cNvPr id="8" name="직사각형 7"/>
+      <p:sp>
+        <p:nvSpPr>
+          <p:cNvPr id="7" name="직사각형 6"/>
           <p:cNvSpPr/>
           <p:nvPr/>
         </p:nvSpPr>
         <p:spPr>
           <a:xfrm>
-            <a:off x="1521229" y="3357321"/>
-            <a:ext cx="3175462" cy="325217"/>
+            <a:off x="573577" y="5187142"/>
+            <a:ext cx="1828801" cy="277668"/>
           </a:xfrm>
           <a:prstGeom prst="rect">
             <a:avLst/>
@@ -8407,10 +7769,108 @@
           </a:p>
         </p:txBody>
       </p:sp>
+      <p:cxnSp>
+        <p:nvCxnSpPr>
+          <p:cNvPr id="9" name="직선 화살표 연결선 8"/>
+          <p:cNvCxnSpPr/>
+          <p:nvPr/>
+        </p:nvCxnSpPr>
+        <p:spPr>
+          <a:xfrm flipV="1">
+            <a:off x="2402378" y="5313507"/>
+            <a:ext cx="5386646" cy="12469"/>
+          </a:xfrm>
+          <a:prstGeom prst="straightConnector1">
+            <a:avLst/>
+          </a:prstGeom>
+          <a:ln>
+            <a:solidFill>
+              <a:srgbClr val="00B0F0"/>
+            </a:solidFill>
+            <a:tailEnd type="triangle"/>
+          </a:ln>
+        </p:spPr>
+        <p:style>
+          <a:lnRef idx="1">
+            <a:schemeClr val="accent1"/>
+          </a:lnRef>
+          <a:fillRef idx="0">
+            <a:schemeClr val="accent1"/>
+          </a:fillRef>
+          <a:effectRef idx="0">
+            <a:schemeClr val="accent1"/>
+          </a:effectRef>
+          <a:fontRef idx="minor">
+            <a:schemeClr val="tx1"/>
+          </a:fontRef>
+        </p:style>
+      </p:cxnSp>
+      <p:sp>
+        <p:nvSpPr>
+          <p:cNvPr id="10" name="TextBox 9"/>
+          <p:cNvSpPr txBox="1"/>
+          <p:nvPr/>
+        </p:nvSpPr>
+        <p:spPr>
+          <a:xfrm>
+            <a:off x="7789024" y="5002810"/>
+            <a:ext cx="4394130" cy="646331"/>
+          </a:xfrm>
+          <a:prstGeom prst="rect">
+            <a:avLst/>
+          </a:prstGeom>
+          <a:noFill/>
+        </p:spPr>
+        <p:txBody>
+          <a:bodyPr wrap="square" rtlCol="0">
+            <a:spAutoFit/>
+          </a:bodyPr>
+          <a:lstStyle/>
+          <a:p>
+            <a:r>
+              <a:rPr lang="en-US" altLang="ko-KR" dirty="0" smtClean="0"/>
+              <a:t>“</a:t>
+            </a:r>
+            <a:r>
+              <a:rPr lang="en-US" altLang="ko-KR" dirty="0" err="1" smtClean="0"/>
+              <a:t>npx</a:t>
+            </a:r>
+            <a:r>
+              <a:rPr lang="en-US" altLang="ko-KR" dirty="0" smtClean="0"/>
+              <a:t> create-react-app </a:t>
+            </a:r>
+            <a:r>
+              <a:rPr lang="en-US" altLang="ko-KR" dirty="0" err="1" smtClean="0"/>
+              <a:t>pjtName</a:t>
+            </a:r>
+            <a:r>
+              <a:rPr lang="en-US" altLang="ko-KR" dirty="0" smtClean="0"/>
+              <a:t>” </a:t>
+            </a:r>
+            <a:r>
+              <a:rPr lang="ko-KR" altLang="en-US" dirty="0" smtClean="0"/>
+              <a:t>명령어를 통해 </a:t>
+            </a:r>
+            <a:r>
+              <a:rPr lang="en-US" altLang="ko-KR" dirty="0" smtClean="0"/>
+              <a:t>React </a:t>
+            </a:r>
+            <a:r>
+              <a:rPr lang="ko-KR" altLang="en-US" dirty="0" smtClean="0"/>
+              <a:t>프로젝트 생성</a:t>
+            </a:r>
+            <a:r>
+              <a:rPr lang="en-US" altLang="ko-KR" dirty="0" smtClean="0"/>
+              <a:t>.</a:t>
+            </a:r>
+            <a:endParaRPr lang="ko-KR" altLang="en-US" dirty="0"/>
+          </a:p>
+        </p:txBody>
+      </p:sp>
     </p:spTree>
     <p:extLst>
       <p:ext uri="{BB962C8B-B14F-4D97-AF65-F5344CB8AC3E}">
-        <p14:creationId xmlns:p14="http://schemas.microsoft.com/office/powerpoint/2010/main" val="4011767706"/>
+        <p14:creationId xmlns:p14="http://schemas.microsoft.com/office/powerpoint/2010/main" val="877759609"/>
       </p:ext>
     </p:extLst>
   </p:cSld>
@@ -8661,7 +8121,7 @@
       </p:grpSpPr>
       <p:pic>
         <p:nvPicPr>
-          <p:cNvPr id="3" name="그림 2"/>
+          <p:cNvPr id="8" name="그림 7"/>
           <p:cNvPicPr>
             <a:picLocks noChangeAspect="1"/>
           </p:cNvPicPr>
@@ -8675,8 +8135,8 @@
         </p:blipFill>
         <p:spPr>
           <a:xfrm>
-            <a:off x="163044" y="1087997"/>
-            <a:ext cx="7259315" cy="5427138"/>
+            <a:off x="163045" y="1087998"/>
+            <a:ext cx="7255820" cy="5427138"/>
           </a:xfrm>
           <a:prstGeom prst="rect">
             <a:avLst/>
@@ -8692,7 +8152,7 @@
         <p:spPr>
           <a:xfrm>
             <a:off x="163044" y="200921"/>
-            <a:ext cx="10008295" cy="830997"/>
+            <a:ext cx="10008295" cy="461665"/>
           </a:xfrm>
           <a:prstGeom prst="rect">
             <a:avLst/>
@@ -8707,29 +8167,26 @@
           <a:p>
             <a:r>
               <a:rPr lang="en-US" altLang="ko-KR" sz="2400" b="1" dirty="0" smtClean="0"/>
-              <a:t>5. DataSourceConfig.java </a:t>
+              <a:t>1. React PJT </a:t>
             </a:r>
             <a:r>
               <a:rPr lang="ko-KR" altLang="en-US" sz="2400" b="1" dirty="0" smtClean="0"/>
-              <a:t>생성</a:t>
-            </a:r>
-            <a:endParaRPr lang="en-US" altLang="ko-KR" sz="2400" b="1" dirty="0" smtClean="0"/>
-          </a:p>
-          <a:p>
+              <a:t>실행 확인</a:t>
+            </a:r>
             <a:endParaRPr lang="ko-KR" altLang="en-US" sz="2400" b="1" dirty="0"/>
           </a:p>
         </p:txBody>
       </p:sp>
       <p:sp>
         <p:nvSpPr>
-          <p:cNvPr id="8" name="직사각형 7"/>
+          <p:cNvPr id="7" name="직사각형 6"/>
           <p:cNvSpPr/>
           <p:nvPr/>
         </p:nvSpPr>
         <p:spPr>
           <a:xfrm>
-            <a:off x="1539952" y="1538394"/>
-            <a:ext cx="3805132" cy="3445361"/>
+            <a:off x="573577" y="6143106"/>
+            <a:ext cx="1828801" cy="277668"/>
           </a:xfrm>
           <a:prstGeom prst="rect">
             <a:avLst/>
@@ -8766,10 +8223,105 @@
           </a:p>
         </p:txBody>
       </p:sp>
+      <p:sp>
+        <p:nvSpPr>
+          <p:cNvPr id="10" name="TextBox 9"/>
+          <p:cNvSpPr txBox="1"/>
+          <p:nvPr/>
+        </p:nvSpPr>
+        <p:spPr>
+          <a:xfrm>
+            <a:off x="7789024" y="5002810"/>
+            <a:ext cx="4394130" cy="923330"/>
+          </a:xfrm>
+          <a:prstGeom prst="rect">
+            <a:avLst/>
+          </a:prstGeom>
+          <a:noFill/>
+        </p:spPr>
+        <p:txBody>
+          <a:bodyPr wrap="square" rtlCol="0">
+            <a:spAutoFit/>
+          </a:bodyPr>
+          <a:lstStyle/>
+          <a:p>
+            <a:r>
+              <a:rPr lang="ko-KR" altLang="en-US" dirty="0" smtClean="0"/>
+              <a:t>프로젝트 경로로 이동</a:t>
+            </a:r>
+            <a:r>
+              <a:rPr lang="en-US" altLang="ko-KR" dirty="0" smtClean="0"/>
+              <a:t>.</a:t>
+            </a:r>
+          </a:p>
+          <a:p>
+            <a:r>
+              <a:rPr lang="en-US" altLang="ko-KR" dirty="0" smtClean="0"/>
+              <a:t>“yarn start” </a:t>
+            </a:r>
+            <a:r>
+              <a:rPr lang="ko-KR" altLang="en-US" dirty="0" smtClean="0"/>
+              <a:t>명령어를 통해 </a:t>
+            </a:r>
+            <a:r>
+              <a:rPr lang="en-US" altLang="ko-KR" dirty="0" smtClean="0"/>
+              <a:t>React </a:t>
+            </a:r>
+            <a:r>
+              <a:rPr lang="ko-KR" altLang="en-US" dirty="0" smtClean="0"/>
+              <a:t>프로젝트 실행</a:t>
+            </a:r>
+            <a:r>
+              <a:rPr lang="en-US" altLang="ko-KR" dirty="0" smtClean="0"/>
+              <a:t>.</a:t>
+            </a:r>
+            <a:endParaRPr lang="ko-KR" altLang="en-US" dirty="0"/>
+          </a:p>
+        </p:txBody>
+      </p:sp>
+      <p:cxnSp>
+        <p:nvCxnSpPr>
+          <p:cNvPr id="4" name="꺾인 연결선 3"/>
+          <p:cNvCxnSpPr>
+            <a:stCxn id="7" idx="3"/>
+            <a:endCxn id="10" idx="1"/>
+          </p:cNvCxnSpPr>
+          <p:nvPr/>
+        </p:nvCxnSpPr>
+        <p:spPr>
+          <a:xfrm flipV="1">
+            <a:off x="2402378" y="5464475"/>
+            <a:ext cx="5386646" cy="817465"/>
+          </a:xfrm>
+          <a:prstGeom prst="bentConnector3">
+            <a:avLst/>
+          </a:prstGeom>
+          <a:ln>
+            <a:solidFill>
+              <a:srgbClr val="00B0F0"/>
+            </a:solidFill>
+            <a:tailEnd type="triangle"/>
+          </a:ln>
+        </p:spPr>
+        <p:style>
+          <a:lnRef idx="1">
+            <a:schemeClr val="accent1"/>
+          </a:lnRef>
+          <a:fillRef idx="0">
+            <a:schemeClr val="accent1"/>
+          </a:fillRef>
+          <a:effectRef idx="0">
+            <a:schemeClr val="accent1"/>
+          </a:effectRef>
+          <a:fontRef idx="minor">
+            <a:schemeClr val="tx1"/>
+          </a:fontRef>
+        </p:style>
+      </p:cxnSp>
     </p:spTree>
     <p:extLst>
       <p:ext uri="{BB962C8B-B14F-4D97-AF65-F5344CB8AC3E}">
-        <p14:creationId xmlns:p14="http://schemas.microsoft.com/office/powerpoint/2010/main" val="1561654229"/>
+        <p14:creationId xmlns:p14="http://schemas.microsoft.com/office/powerpoint/2010/main" val="3500613467"/>
       </p:ext>
     </p:extLst>
   </p:cSld>
@@ -8798,7 +8350,7 @@
       </p:grpSpPr>
       <p:pic>
         <p:nvPicPr>
-          <p:cNvPr id="2" name="그림 1"/>
+          <p:cNvPr id="6" name="그림 5"/>
           <p:cNvPicPr>
             <a:picLocks noChangeAspect="1"/>
           </p:cNvPicPr>
@@ -8812,8 +8364,8 @@
         </p:blipFill>
         <p:spPr>
           <a:xfrm>
-            <a:off x="163043" y="1087997"/>
-            <a:ext cx="7259315" cy="5427138"/>
+            <a:off x="163044" y="1087998"/>
+            <a:ext cx="7255821" cy="5427138"/>
           </a:xfrm>
           <a:prstGeom prst="rect">
             <a:avLst/>
@@ -8844,19 +8396,11 @@
           <a:p>
             <a:r>
               <a:rPr lang="en-US" altLang="ko-KR" sz="2400" b="1" dirty="0" smtClean="0"/>
-              <a:t>3. </a:t>
-            </a:r>
-            <a:r>
-              <a:rPr lang="en-US" altLang="ko-KR" sz="2400" b="1" dirty="0" err="1" smtClean="0"/>
-              <a:t>Hikari</a:t>
-            </a:r>
-            <a:r>
-              <a:rPr lang="en-US" altLang="ko-KR" sz="2400" b="1" dirty="0" smtClean="0"/>
-              <a:t> </a:t>
+              <a:t>1. React PJT </a:t>
             </a:r>
             <a:r>
               <a:rPr lang="ko-KR" altLang="en-US" sz="2400" b="1" dirty="0" smtClean="0"/>
-              <a:t>설정</a:t>
+              <a:t>실행 확인</a:t>
             </a:r>
             <a:endParaRPr lang="ko-KR" altLang="en-US" sz="2400" b="1" dirty="0"/>
           </a:p>
@@ -8870,8 +8414,8 @@
         </p:nvSpPr>
         <p:spPr>
           <a:xfrm>
-            <a:off x="1321721" y="5156279"/>
-            <a:ext cx="3142212" cy="1186332"/>
+            <a:off x="698268" y="1288473"/>
+            <a:ext cx="822961" cy="277668"/>
           </a:xfrm>
           <a:prstGeom prst="rect">
             <a:avLst/>
@@ -8908,6 +8452,51 @@
           </a:p>
         </p:txBody>
       </p:sp>
+      <p:sp>
+        <p:nvSpPr>
+          <p:cNvPr id="10" name="TextBox 9"/>
+          <p:cNvSpPr txBox="1"/>
+          <p:nvPr/>
+        </p:nvSpPr>
+        <p:spPr>
+          <a:xfrm>
+            <a:off x="7722524" y="965642"/>
+            <a:ext cx="4394130" cy="646331"/>
+          </a:xfrm>
+          <a:prstGeom prst="rect">
+            <a:avLst/>
+          </a:prstGeom>
+          <a:noFill/>
+        </p:spPr>
+        <p:txBody>
+          <a:bodyPr wrap="square" rtlCol="0">
+            <a:spAutoFit/>
+          </a:bodyPr>
+          <a:lstStyle/>
+          <a:p>
+            <a:r>
+              <a:rPr lang="en-US" altLang="ko-KR" dirty="0" smtClean="0"/>
+              <a:t>Localhost:300 </a:t>
+            </a:r>
+            <a:r>
+              <a:rPr lang="ko-KR" altLang="en-US" dirty="0" smtClean="0"/>
+              <a:t>접속하여 </a:t>
+            </a:r>
+            <a:endParaRPr lang="en-US" altLang="ko-KR" dirty="0" smtClean="0"/>
+          </a:p>
+          <a:p>
+            <a:r>
+              <a:rPr lang="en-US" altLang="ko-KR" dirty="0" smtClean="0"/>
+              <a:t>React PJT </a:t>
+            </a:r>
+            <a:r>
+              <a:rPr lang="ko-KR" altLang="en-US" dirty="0" smtClean="0"/>
+              <a:t>최종 실행 확인</a:t>
+            </a:r>
+            <a:endParaRPr lang="ko-KR" altLang="en-US" dirty="0"/>
+          </a:p>
+        </p:txBody>
+      </p:sp>
       <p:cxnSp>
         <p:nvCxnSpPr>
           <p:cNvPr id="9" name="직선 화살표 연결선 8"/>
@@ -8916,8 +8505,8 @@
         </p:nvCxnSpPr>
         <p:spPr>
           <a:xfrm flipV="1">
-            <a:off x="4696691" y="1895301"/>
-            <a:ext cx="3092333" cy="1"/>
+            <a:off x="1521229" y="1433542"/>
+            <a:ext cx="6201295" cy="1"/>
           </a:xfrm>
           <a:prstGeom prst="straightConnector1">
             <a:avLst/>
@@ -8944,275 +8533,10 @@
           </a:fontRef>
         </p:style>
       </p:cxnSp>
-      <p:sp>
-        <p:nvSpPr>
-          <p:cNvPr id="10" name="TextBox 9"/>
-          <p:cNvSpPr txBox="1"/>
-          <p:nvPr/>
-        </p:nvSpPr>
-        <p:spPr>
-          <a:xfrm>
-            <a:off x="7789024" y="1087997"/>
-            <a:ext cx="4394130" cy="2031325"/>
-          </a:xfrm>
-          <a:prstGeom prst="rect">
-            <a:avLst/>
-          </a:prstGeom>
-          <a:noFill/>
-        </p:spPr>
-        <p:txBody>
-          <a:bodyPr wrap="square" rtlCol="0">
-            <a:spAutoFit/>
-          </a:bodyPr>
-          <a:lstStyle/>
-          <a:p>
-            <a:r>
-              <a:rPr lang="en-US" altLang="ko-KR" dirty="0" smtClean="0"/>
-              <a:t>* </a:t>
-            </a:r>
-            <a:r>
-              <a:rPr lang="en-US" altLang="ko-KR" dirty="0" err="1" smtClean="0"/>
-              <a:t>Hikari</a:t>
-            </a:r>
-            <a:r>
-              <a:rPr lang="en-US" altLang="ko-KR" dirty="0" smtClean="0"/>
-              <a:t> </a:t>
-            </a:r>
-          </a:p>
-          <a:p>
-            <a:pPr marL="285750" indent="-285750">
-              <a:buFontTx/>
-              <a:buChar char="-"/>
-            </a:pPr>
-            <a:r>
-              <a:rPr lang="en-US" altLang="ko-KR" dirty="0" err="1" smtClean="0"/>
-              <a:t>Hikari</a:t>
-            </a:r>
-            <a:r>
-              <a:rPr lang="ko-KR" altLang="en-US" dirty="0" smtClean="0"/>
-              <a:t>는 </a:t>
-            </a:r>
-            <a:r>
-              <a:rPr lang="en-US" altLang="ko-KR" dirty="0" smtClean="0"/>
-              <a:t>Database</a:t>
-            </a:r>
-            <a:r>
-              <a:rPr lang="ko-KR" altLang="en-US" dirty="0" smtClean="0"/>
-              <a:t>와 </a:t>
-            </a:r>
-            <a:r>
-              <a:rPr lang="en-US" altLang="ko-KR" dirty="0" smtClean="0"/>
-              <a:t>Connection Pool</a:t>
-            </a:r>
-            <a:r>
-              <a:rPr lang="ko-KR" altLang="en-US" dirty="0" smtClean="0"/>
-              <a:t>을 관리해주는 역할</a:t>
-            </a:r>
-            <a:endParaRPr lang="en-US" altLang="ko-KR" dirty="0" smtClean="0"/>
-          </a:p>
-          <a:p>
-            <a:pPr marL="285750" indent="-285750">
-              <a:buFontTx/>
-              <a:buChar char="-"/>
-            </a:pPr>
-            <a:r>
-              <a:rPr lang="ko-KR" altLang="en-US" dirty="0" smtClean="0"/>
-              <a:t>미리 정해놓은 만큼의 커넥션을 </a:t>
-            </a:r>
-            <a:r>
-              <a:rPr lang="en-US" altLang="ko-KR" dirty="0" smtClean="0"/>
-              <a:t>Pool</a:t>
-            </a:r>
-            <a:r>
-              <a:rPr lang="ko-KR" altLang="en-US" dirty="0" smtClean="0"/>
-              <a:t>을 담아놓고 요청이 들어오면 </a:t>
-            </a:r>
-            <a:r>
-              <a:rPr lang="en-US" altLang="ko-KR" dirty="0" smtClean="0"/>
-              <a:t>Thread</a:t>
-            </a:r>
-            <a:r>
-              <a:rPr lang="ko-KR" altLang="en-US" dirty="0" smtClean="0"/>
-              <a:t>가 커넥션을 요청하고</a:t>
-            </a:r>
-            <a:r>
-              <a:rPr lang="en-US" altLang="ko-KR" dirty="0" smtClean="0"/>
-              <a:t>, </a:t>
-            </a:r>
-            <a:r>
-              <a:rPr lang="en-US" altLang="ko-KR" dirty="0" err="1" smtClean="0"/>
-              <a:t>Hikari</a:t>
-            </a:r>
-            <a:r>
-              <a:rPr lang="ko-KR" altLang="en-US" dirty="0" smtClean="0"/>
-              <a:t>가 </a:t>
-            </a:r>
-            <a:r>
-              <a:rPr lang="en-US" altLang="ko-KR" dirty="0" smtClean="0"/>
-              <a:t>Pool</a:t>
-            </a:r>
-            <a:r>
-              <a:rPr lang="ko-KR" altLang="en-US" dirty="0" smtClean="0"/>
-              <a:t>내 있는 커넥션을 연결</a:t>
-            </a:r>
-            <a:endParaRPr lang="en-US" altLang="ko-KR" dirty="0" smtClean="0"/>
-          </a:p>
-        </p:txBody>
-      </p:sp>
-      <p:sp>
-        <p:nvSpPr>
-          <p:cNvPr id="8" name="직사각형 7"/>
-          <p:cNvSpPr/>
-          <p:nvPr/>
-        </p:nvSpPr>
-        <p:spPr>
-          <a:xfrm>
-            <a:off x="1521229" y="1612669"/>
-            <a:ext cx="3175462" cy="565265"/>
-          </a:xfrm>
-          <a:prstGeom prst="rect">
-            <a:avLst/>
-          </a:prstGeom>
-          <a:noFill/>
-          <a:ln w="38100">
-            <a:solidFill>
-              <a:srgbClr val="00B0F0"/>
-            </a:solidFill>
-          </a:ln>
-        </p:spPr>
-        <p:style>
-          <a:lnRef idx="2">
-            <a:schemeClr val="accent1">
-              <a:shade val="50000"/>
-            </a:schemeClr>
-          </a:lnRef>
-          <a:fillRef idx="1">
-            <a:schemeClr val="accent1"/>
-          </a:fillRef>
-          <a:effectRef idx="0">
-            <a:schemeClr val="accent1"/>
-          </a:effectRef>
-          <a:fontRef idx="minor">
-            <a:schemeClr val="lt1"/>
-          </a:fontRef>
-        </p:style>
-        <p:txBody>
-          <a:bodyPr rtlCol="0" anchor="ctr"/>
-          <a:lstStyle/>
-          <a:p>
-            <a:pPr algn="ctr"/>
-            <a:endParaRPr lang="ko-KR" altLang="en-US"/>
-          </a:p>
-        </p:txBody>
-      </p:sp>
-      <p:sp>
-        <p:nvSpPr>
-          <p:cNvPr id="11" name="TextBox 10"/>
-          <p:cNvSpPr txBox="1"/>
-          <p:nvPr/>
-        </p:nvSpPr>
-        <p:spPr>
-          <a:xfrm>
-            <a:off x="7797870" y="4504317"/>
-            <a:ext cx="4394130" cy="2308324"/>
-          </a:xfrm>
-          <a:prstGeom prst="rect">
-            <a:avLst/>
-          </a:prstGeom>
-          <a:noFill/>
-        </p:spPr>
-        <p:txBody>
-          <a:bodyPr wrap="square" rtlCol="0">
-            <a:spAutoFit/>
-          </a:bodyPr>
-          <a:lstStyle/>
-          <a:p>
-            <a:r>
-              <a:rPr lang="en-US" altLang="ko-KR" dirty="0" smtClean="0"/>
-              <a:t>## </a:t>
-            </a:r>
-            <a:r>
-              <a:rPr lang="en-US" altLang="ko-KR" dirty="0" err="1" smtClean="0"/>
-              <a:t>MariaDB</a:t>
-            </a:r>
-            <a:r>
-              <a:rPr lang="en-US" altLang="ko-KR" dirty="0" smtClean="0"/>
-              <a:t> </a:t>
-            </a:r>
-            <a:r>
-              <a:rPr lang="en-US" altLang="ko-KR" dirty="0" err="1" smtClean="0"/>
-              <a:t>Connention</a:t>
-            </a:r>
-            <a:endParaRPr lang="en-US" altLang="ko-KR" dirty="0" smtClean="0"/>
-          </a:p>
-          <a:p>
-            <a:r>
-              <a:rPr lang="en-US" altLang="ko-KR" dirty="0" err="1" smtClean="0"/>
-              <a:t>spring.datasource.driverClassName</a:t>
-            </a:r>
-            <a:r>
-              <a:rPr lang="en-US" altLang="ko-KR" dirty="0" smtClean="0"/>
-              <a:t>=</a:t>
-            </a:r>
-            <a:r>
-              <a:rPr lang="en-US" altLang="ko-KR" dirty="0" err="1" smtClean="0"/>
-              <a:t>org.mariadb.jdbc.Driver</a:t>
-            </a:r>
-            <a:endParaRPr lang="en-US" altLang="ko-KR" dirty="0"/>
-          </a:p>
-          <a:p>
-            <a:r>
-              <a:rPr lang="en-US" altLang="ko-KR" dirty="0"/>
-              <a:t>spring.datasource.url=</a:t>
-            </a:r>
-            <a:r>
-              <a:rPr lang="en-US" altLang="ko-KR" dirty="0" err="1"/>
-              <a:t>jdbc:mariadb</a:t>
-            </a:r>
-            <a:r>
-              <a:rPr lang="en-US" altLang="ko-KR" dirty="0"/>
-              <a:t>://localhost:3306/</a:t>
-            </a:r>
-            <a:r>
-              <a:rPr lang="en-US" altLang="ko-KR" dirty="0" err="1"/>
-              <a:t>ismaniatest?characterEncoding</a:t>
-            </a:r>
-            <a:r>
-              <a:rPr lang="en-US" altLang="ko-KR" dirty="0"/>
-              <a:t>=UTF-8&amp;serverTimezone=UTC</a:t>
-            </a:r>
-          </a:p>
-          <a:p>
-            <a:r>
-              <a:rPr lang="en-US" altLang="ko-KR" dirty="0" err="1"/>
-              <a:t>spring.datasource.username</a:t>
-            </a:r>
-            <a:r>
-              <a:rPr lang="en-US" altLang="ko-KR" dirty="0"/>
-              <a:t>=root</a:t>
-            </a:r>
-          </a:p>
-          <a:p>
-            <a:r>
-              <a:rPr lang="en-US" altLang="ko-KR" dirty="0" err="1"/>
-              <a:t>spring.datasource.password</a:t>
-            </a:r>
-            <a:r>
-              <a:rPr lang="en-US" altLang="ko-KR" dirty="0"/>
-              <a:t>=root</a:t>
-            </a:r>
-            <a:r>
-              <a:rPr lang="en-US" altLang="ko-KR" dirty="0" smtClean="0"/>
-              <a:t>!!</a:t>
-            </a:r>
-            <a:endParaRPr lang="en-US" altLang="ko-KR" dirty="0"/>
-          </a:p>
-        </p:txBody>
-      </p:sp>
     </p:spTree>
     <p:extLst>
       <p:ext uri="{BB962C8B-B14F-4D97-AF65-F5344CB8AC3E}">
-        <p14:creationId xmlns:p14="http://schemas.microsoft.com/office/powerpoint/2010/main" val="3776518171"/>
+        <p14:creationId xmlns:p14="http://schemas.microsoft.com/office/powerpoint/2010/main" val="911187303"/>
       </p:ext>
     </p:extLst>
   </p:cSld>
@@ -9239,423 +8563,56 @@
           <a:chExt cx="0" cy="0"/>
         </a:xfrm>
       </p:grpSpPr>
-      <p:pic>
-        <p:nvPicPr>
-          <p:cNvPr id="2" name="그림 1"/>
-          <p:cNvPicPr>
-            <a:picLocks noChangeAspect="1"/>
-          </p:cNvPicPr>
-          <p:nvPr/>
-        </p:nvPicPr>
-        <p:blipFill>
-          <a:blip r:embed="rId2"/>
-          <a:stretch>
-            <a:fillRect/>
-          </a:stretch>
-        </p:blipFill>
-        <p:spPr>
-          <a:xfrm>
-            <a:off x="163043" y="1087997"/>
-            <a:ext cx="7259315" cy="5427138"/>
-          </a:xfrm>
-          <a:prstGeom prst="rect">
-            <a:avLst/>
-          </a:prstGeom>
-        </p:spPr>
-      </p:pic>
-      <p:sp>
-        <p:nvSpPr>
-          <p:cNvPr id="5" name="TextBox 4"/>
-          <p:cNvSpPr txBox="1"/>
-          <p:nvPr/>
-        </p:nvSpPr>
-        <p:spPr>
-          <a:xfrm>
-            <a:off x="163044" y="200921"/>
-            <a:ext cx="10008295" cy="461665"/>
-          </a:xfrm>
-          <a:prstGeom prst="rect">
-            <a:avLst/>
-          </a:prstGeom>
-          <a:noFill/>
-        </p:spPr>
-        <p:txBody>
-          <a:bodyPr wrap="square" rtlCol="0">
-            <a:spAutoFit/>
-          </a:bodyPr>
-          <a:lstStyle/>
-          <a:p>
-            <a:r>
-              <a:rPr lang="en-US" altLang="ko-KR" sz="2400" b="1" dirty="0" smtClean="0"/>
-              <a:t>3. </a:t>
-            </a:r>
-            <a:r>
-              <a:rPr lang="en-US" altLang="ko-KR" sz="2400" b="1" dirty="0" err="1" smtClean="0"/>
-              <a:t>Hikari</a:t>
-            </a:r>
-            <a:r>
-              <a:rPr lang="en-US" altLang="ko-KR" sz="2400" b="1" dirty="0" smtClean="0"/>
-              <a:t> </a:t>
-            </a:r>
-            <a:r>
-              <a:rPr lang="ko-KR" altLang="en-US" sz="2400" b="1" dirty="0" smtClean="0"/>
-              <a:t>설정</a:t>
-            </a:r>
-            <a:endParaRPr lang="ko-KR" altLang="en-US" sz="2400" b="1" dirty="0"/>
-          </a:p>
-        </p:txBody>
-      </p:sp>
-      <p:sp>
-        <p:nvSpPr>
-          <p:cNvPr id="7" name="직사각형 6"/>
-          <p:cNvSpPr/>
-          <p:nvPr/>
-        </p:nvSpPr>
-        <p:spPr>
-          <a:xfrm>
-            <a:off x="1321721" y="5156279"/>
-            <a:ext cx="3142212" cy="1186332"/>
-          </a:xfrm>
-          <a:prstGeom prst="rect">
-            <a:avLst/>
-          </a:prstGeom>
-          <a:noFill/>
-          <a:ln w="38100">
-            <a:solidFill>
-              <a:srgbClr val="00B0F0"/>
-            </a:solidFill>
-          </a:ln>
-        </p:spPr>
-        <p:style>
-          <a:lnRef idx="2">
-            <a:schemeClr val="accent1">
-              <a:shade val="50000"/>
-            </a:schemeClr>
-          </a:lnRef>
-          <a:fillRef idx="1">
-            <a:schemeClr val="accent1"/>
-          </a:fillRef>
-          <a:effectRef idx="0">
-            <a:schemeClr val="accent1"/>
-          </a:effectRef>
-          <a:fontRef idx="minor">
-            <a:schemeClr val="lt1"/>
-          </a:fontRef>
-        </p:style>
-        <p:txBody>
-          <a:bodyPr rtlCol="0" anchor="ctr"/>
-          <a:lstStyle/>
-          <a:p>
-            <a:pPr algn="ctr"/>
-            <a:endParaRPr lang="ko-KR" altLang="en-US"/>
-          </a:p>
-        </p:txBody>
-      </p:sp>
-      <p:cxnSp>
-        <p:nvCxnSpPr>
-          <p:cNvPr id="9" name="직선 화살표 연결선 8"/>
-          <p:cNvCxnSpPr/>
-          <p:nvPr/>
-        </p:nvCxnSpPr>
-        <p:spPr>
-          <a:xfrm flipV="1">
-            <a:off x="4696691" y="1895301"/>
-            <a:ext cx="3092333" cy="1"/>
-          </a:xfrm>
-          <a:prstGeom prst="straightConnector1">
-            <a:avLst/>
-          </a:prstGeom>
-          <a:ln>
-            <a:solidFill>
-              <a:srgbClr val="00B0F0"/>
-            </a:solidFill>
-            <a:tailEnd type="triangle"/>
-          </a:ln>
-        </p:spPr>
-        <p:style>
-          <a:lnRef idx="1">
-            <a:schemeClr val="accent1"/>
-          </a:lnRef>
-          <a:fillRef idx="0">
-            <a:schemeClr val="accent1"/>
-          </a:fillRef>
-          <a:effectRef idx="0">
-            <a:schemeClr val="accent1"/>
-          </a:effectRef>
-          <a:fontRef idx="minor">
-            <a:schemeClr val="tx1"/>
-          </a:fontRef>
-        </p:style>
-      </p:cxnSp>
-      <p:sp>
-        <p:nvSpPr>
-          <p:cNvPr id="10" name="TextBox 9"/>
-          <p:cNvSpPr txBox="1"/>
-          <p:nvPr/>
-        </p:nvSpPr>
-        <p:spPr>
-          <a:xfrm>
-            <a:off x="7789024" y="1087997"/>
-            <a:ext cx="4394130" cy="2031325"/>
-          </a:xfrm>
-          <a:prstGeom prst="rect">
-            <a:avLst/>
-          </a:prstGeom>
-          <a:noFill/>
-        </p:spPr>
-        <p:txBody>
-          <a:bodyPr wrap="square" rtlCol="0">
-            <a:spAutoFit/>
-          </a:bodyPr>
+      <p:sp>
+        <p:nvSpPr>
+          <p:cNvPr id="2" name="제목 1"/>
+          <p:cNvSpPr>
+            <a:spLocks noGrp="1"/>
+          </p:cNvSpPr>
+          <p:nvPr>
+            <p:ph type="ctrTitle"/>
+          </p:nvPr>
+        </p:nvSpPr>
+        <p:spPr/>
+        <p:txBody>
+          <a:bodyPr/>
           <a:lstStyle/>
           <a:p>
             <a:r>
               <a:rPr lang="en-US" altLang="ko-KR" dirty="0" smtClean="0"/>
-              <a:t>* </a:t>
-            </a:r>
-            <a:r>
-              <a:rPr lang="en-US" altLang="ko-KR" dirty="0" err="1" smtClean="0"/>
-              <a:t>Hikari</a:t>
-            </a:r>
+              <a:t>React + Spring Boot</a:t>
+            </a:r>
+            <a:endParaRPr lang="ko-KR" altLang="en-US" dirty="0"/>
+          </a:p>
+        </p:txBody>
+      </p:sp>
+      <p:sp>
+        <p:nvSpPr>
+          <p:cNvPr id="3" name="부제목 2"/>
+          <p:cNvSpPr>
+            <a:spLocks noGrp="1"/>
+          </p:cNvSpPr>
+          <p:nvPr>
+            <p:ph type="subTitle" idx="1"/>
+          </p:nvPr>
+        </p:nvSpPr>
+        <p:spPr/>
+        <p:txBody>
+          <a:bodyPr/>
+          <a:lstStyle/>
+          <a:p>
             <a:r>
               <a:rPr lang="en-US" altLang="ko-KR" dirty="0" smtClean="0"/>
-              <a:t> </a:t>
-            </a:r>
-          </a:p>
-          <a:p>
-            <a:pPr marL="285750" indent="-285750">
-              <a:buFontTx/>
-              <a:buChar char="-"/>
-            </a:pPr>
-            <a:r>
-              <a:rPr lang="en-US" altLang="ko-KR" dirty="0" err="1" smtClean="0"/>
-              <a:t>Hikari</a:t>
-            </a:r>
-            <a:r>
-              <a:rPr lang="ko-KR" altLang="en-US" dirty="0" smtClean="0"/>
-              <a:t>는 </a:t>
-            </a:r>
-            <a:r>
-              <a:rPr lang="en-US" altLang="ko-KR" dirty="0" smtClean="0"/>
-              <a:t>Database</a:t>
-            </a:r>
-            <a:r>
-              <a:rPr lang="ko-KR" altLang="en-US" dirty="0" smtClean="0"/>
-              <a:t>와 </a:t>
-            </a:r>
-            <a:r>
-              <a:rPr lang="en-US" altLang="ko-KR" dirty="0" smtClean="0"/>
-              <a:t>Connection Pool</a:t>
-            </a:r>
-            <a:r>
-              <a:rPr lang="ko-KR" altLang="en-US" dirty="0" smtClean="0"/>
-              <a:t>을 관리해주는 역할</a:t>
-            </a:r>
-            <a:endParaRPr lang="en-US" altLang="ko-KR" dirty="0" smtClean="0"/>
-          </a:p>
-          <a:p>
-            <a:pPr marL="285750" indent="-285750">
-              <a:buFontTx/>
-              <a:buChar char="-"/>
-            </a:pPr>
-            <a:r>
-              <a:rPr lang="ko-KR" altLang="en-US" dirty="0" smtClean="0"/>
-              <a:t>미리 정해놓은 만큼의 커넥션을 </a:t>
-            </a:r>
-            <a:r>
-              <a:rPr lang="en-US" altLang="ko-KR" dirty="0" smtClean="0"/>
-              <a:t>Pool</a:t>
-            </a:r>
-            <a:r>
-              <a:rPr lang="ko-KR" altLang="en-US" dirty="0" smtClean="0"/>
-              <a:t>을 담아놓고 요청이 들어오면 </a:t>
-            </a:r>
-            <a:r>
-              <a:rPr lang="en-US" altLang="ko-KR" dirty="0" smtClean="0"/>
-              <a:t>Thread</a:t>
-            </a:r>
-            <a:r>
-              <a:rPr lang="ko-KR" altLang="en-US" dirty="0" smtClean="0"/>
-              <a:t>가 커넥션을 요청하고</a:t>
-            </a:r>
-            <a:r>
-              <a:rPr lang="en-US" altLang="ko-KR" dirty="0" smtClean="0"/>
-              <a:t>, </a:t>
-            </a:r>
-            <a:r>
-              <a:rPr lang="en-US" altLang="ko-KR" dirty="0" err="1" smtClean="0"/>
-              <a:t>Hikari</a:t>
-            </a:r>
-            <a:r>
-              <a:rPr lang="ko-KR" altLang="en-US" dirty="0" smtClean="0"/>
-              <a:t>가 </a:t>
-            </a:r>
-            <a:r>
-              <a:rPr lang="en-US" altLang="ko-KR" dirty="0" smtClean="0"/>
-              <a:t>Pool</a:t>
-            </a:r>
-            <a:r>
-              <a:rPr lang="ko-KR" altLang="en-US" dirty="0" smtClean="0"/>
-              <a:t>내 있는 커넥션을 연결</a:t>
-            </a:r>
-            <a:endParaRPr lang="en-US" altLang="ko-KR" dirty="0" smtClean="0"/>
-          </a:p>
-        </p:txBody>
-      </p:sp>
-      <p:sp>
-        <p:nvSpPr>
-          <p:cNvPr id="8" name="직사각형 7"/>
-          <p:cNvSpPr/>
-          <p:nvPr/>
-        </p:nvSpPr>
-        <p:spPr>
-          <a:xfrm>
-            <a:off x="1521229" y="1612669"/>
-            <a:ext cx="3175462" cy="565265"/>
-          </a:xfrm>
-          <a:prstGeom prst="rect">
-            <a:avLst/>
-          </a:prstGeom>
-          <a:noFill/>
-          <a:ln w="38100">
-            <a:solidFill>
-              <a:srgbClr val="00B0F0"/>
-            </a:solidFill>
-          </a:ln>
-        </p:spPr>
-        <p:style>
-          <a:lnRef idx="2">
-            <a:schemeClr val="accent1">
-              <a:shade val="50000"/>
-            </a:schemeClr>
-          </a:lnRef>
-          <a:fillRef idx="1">
-            <a:schemeClr val="accent1"/>
-          </a:fillRef>
-          <a:effectRef idx="0">
-            <a:schemeClr val="accent1"/>
-          </a:effectRef>
-          <a:fontRef idx="minor">
-            <a:schemeClr val="lt1"/>
-          </a:fontRef>
-        </p:style>
-        <p:txBody>
-          <a:bodyPr rtlCol="0" anchor="ctr"/>
-          <a:lstStyle/>
-          <a:p>
-            <a:pPr algn="ctr"/>
-            <a:endParaRPr lang="ko-KR" altLang="en-US"/>
-          </a:p>
-        </p:txBody>
-      </p:sp>
-      <p:sp>
-        <p:nvSpPr>
-          <p:cNvPr id="11" name="TextBox 10"/>
-          <p:cNvSpPr txBox="1"/>
-          <p:nvPr/>
-        </p:nvSpPr>
-        <p:spPr>
-          <a:xfrm>
-            <a:off x="7797870" y="4504317"/>
-            <a:ext cx="4394130" cy="2308324"/>
-          </a:xfrm>
-          <a:prstGeom prst="rect">
-            <a:avLst/>
-          </a:prstGeom>
-          <a:noFill/>
-        </p:spPr>
-        <p:txBody>
-          <a:bodyPr wrap="square" rtlCol="0">
-            <a:spAutoFit/>
-          </a:bodyPr>
-          <a:lstStyle/>
-          <a:p>
-            <a:r>
-              <a:rPr lang="en-US" altLang="ko-KR" dirty="0" smtClean="0"/>
-              <a:t>## </a:t>
-            </a:r>
-            <a:r>
-              <a:rPr lang="en-US" altLang="ko-KR" dirty="0" err="1" smtClean="0"/>
-              <a:t>MariaDB</a:t>
-            </a:r>
-            <a:r>
-              <a:rPr lang="en-US" altLang="ko-KR" dirty="0" smtClean="0"/>
-              <a:t> </a:t>
-            </a:r>
-            <a:r>
-              <a:rPr lang="en-US" altLang="ko-KR" dirty="0" err="1" smtClean="0"/>
-              <a:t>Connention</a:t>
-            </a:r>
-            <a:endParaRPr lang="en-US" altLang="ko-KR" dirty="0" smtClean="0"/>
-          </a:p>
-          <a:p>
-            <a:r>
-              <a:rPr lang="en-US" altLang="ko-KR" dirty="0" err="1" smtClean="0"/>
-              <a:t>spring.datasource.driverClassName</a:t>
-            </a:r>
-            <a:r>
-              <a:rPr lang="en-US" altLang="ko-KR" dirty="0" smtClean="0"/>
-              <a:t>=</a:t>
-            </a:r>
-            <a:r>
-              <a:rPr lang="en-US" altLang="ko-KR" dirty="0" err="1" smtClean="0"/>
-              <a:t>org.mariadb.jdbc.Driver</a:t>
-            </a:r>
-            <a:endParaRPr lang="en-US" altLang="ko-KR" dirty="0"/>
-          </a:p>
-          <a:p>
-            <a:r>
-              <a:rPr lang="en-US" altLang="ko-KR" dirty="0"/>
-              <a:t>spring.datasource.url=</a:t>
-            </a:r>
-            <a:r>
-              <a:rPr lang="en-US" altLang="ko-KR" dirty="0" err="1"/>
-              <a:t>jdbc:mariadb</a:t>
-            </a:r>
-            <a:r>
-              <a:rPr lang="en-US" altLang="ko-KR" dirty="0"/>
-              <a:t>://localhost:3306/</a:t>
-            </a:r>
-            <a:r>
-              <a:rPr lang="en-US" altLang="ko-KR" dirty="0" err="1"/>
-              <a:t>ismaniatest?characterEncoding</a:t>
-            </a:r>
-            <a:r>
-              <a:rPr lang="en-US" altLang="ko-KR" dirty="0"/>
-              <a:t>=UTF-8&amp;serverTimezone=UTC</a:t>
-            </a:r>
-          </a:p>
-          <a:p>
-            <a:r>
-              <a:rPr lang="en-US" altLang="ko-KR" dirty="0" err="1"/>
-              <a:t>spring.datasource.username</a:t>
-            </a:r>
-            <a:r>
-              <a:rPr lang="en-US" altLang="ko-KR" dirty="0"/>
-              <a:t>=root</a:t>
-            </a:r>
-          </a:p>
-          <a:p>
-            <a:r>
-              <a:rPr lang="en-US" altLang="ko-KR" dirty="0" err="1"/>
-              <a:t>spring.datasource.password</a:t>
-            </a:r>
-            <a:r>
-              <a:rPr lang="en-US" altLang="ko-KR" dirty="0"/>
-              <a:t>=root</a:t>
-            </a:r>
-            <a:r>
-              <a:rPr lang="en-US" altLang="ko-KR" dirty="0" smtClean="0"/>
-              <a:t>!!</a:t>
-            </a:r>
-            <a:endParaRPr lang="en-US" altLang="ko-KR" dirty="0"/>
+              <a:t>1. </a:t>
+            </a:r>
+            <a:endParaRPr lang="ko-KR" altLang="en-US" dirty="0"/>
           </a:p>
         </p:txBody>
       </p:sp>
     </p:spTree>
     <p:extLst>
       <p:ext uri="{BB962C8B-B14F-4D97-AF65-F5344CB8AC3E}">
-        <p14:creationId xmlns:p14="http://schemas.microsoft.com/office/powerpoint/2010/main" val="1576552369"/>
+        <p14:creationId xmlns:p14="http://schemas.microsoft.com/office/powerpoint/2010/main" val="696595208"/>
       </p:ext>
     </p:extLst>
   </p:cSld>
@@ -9684,7 +8641,7 @@
       </p:grpSpPr>
       <p:pic>
         <p:nvPicPr>
-          <p:cNvPr id="2" name="그림 1"/>
+          <p:cNvPr id="3" name="그림 2"/>
           <p:cNvPicPr>
             <a:picLocks noChangeAspect="1"/>
           </p:cNvPicPr>
@@ -9698,8 +8655,8 @@
         </p:blipFill>
         <p:spPr>
           <a:xfrm>
-            <a:off x="163043" y="1087997"/>
-            <a:ext cx="7259315" cy="5427138"/>
+            <a:off x="163045" y="1087997"/>
+            <a:ext cx="7259314" cy="5427138"/>
           </a:xfrm>
           <a:prstGeom prst="rect">
             <a:avLst/>
@@ -9730,19 +8687,19 @@
           <a:p>
             <a:r>
               <a:rPr lang="en-US" altLang="ko-KR" sz="2400" b="1" dirty="0" smtClean="0"/>
-              <a:t>3. </a:t>
-            </a:r>
-            <a:r>
-              <a:rPr lang="en-US" altLang="ko-KR" sz="2400" b="1" dirty="0" err="1" smtClean="0"/>
-              <a:t>Hikari</a:t>
+              <a:t>1. CORS </a:t>
+            </a:r>
+            <a:r>
+              <a:rPr lang="ko-KR" altLang="en-US" sz="2400" b="1" dirty="0" smtClean="0"/>
+              <a:t>해결을 위한 </a:t>
             </a:r>
             <a:r>
               <a:rPr lang="en-US" altLang="ko-KR" sz="2400" b="1" dirty="0" smtClean="0"/>
-              <a:t> </a:t>
-            </a:r>
-            <a:r>
-              <a:rPr lang="ko-KR" altLang="en-US" sz="2400" b="1" dirty="0" smtClean="0"/>
-              <a:t>설정</a:t>
+              <a:t>Proxy </a:t>
+            </a:r>
+            <a:r>
+              <a:rPr lang="ko-KR" altLang="en-US" sz="2400" b="1" smtClean="0"/>
+              <a:t>등록</a:t>
             </a:r>
             <a:endParaRPr lang="ko-KR" altLang="en-US" sz="2400" b="1" dirty="0"/>
           </a:p>
@@ -9756,8 +8713,8 @@
         </p:nvSpPr>
         <p:spPr>
           <a:xfrm>
-            <a:off x="1321721" y="5156279"/>
-            <a:ext cx="3142212" cy="1186332"/>
+            <a:off x="473825" y="5145578"/>
+            <a:ext cx="1496291" cy="180397"/>
           </a:xfrm>
           <a:prstGeom prst="rect">
             <a:avLst/>
@@ -9802,8 +8759,8 @@
         </p:nvCxnSpPr>
         <p:spPr>
           <a:xfrm flipV="1">
-            <a:off x="4696691" y="1895301"/>
-            <a:ext cx="3092333" cy="1"/>
+            <a:off x="4056611" y="3261320"/>
+            <a:ext cx="3732413" cy="8641"/>
           </a:xfrm>
           <a:prstGeom prst="straightConnector1">
             <a:avLst/>
@@ -9838,8 +8795,8 @@
         </p:nvSpPr>
         <p:spPr>
           <a:xfrm>
-            <a:off x="7789024" y="1087997"/>
-            <a:ext cx="4394130" cy="2031325"/>
+            <a:off x="7789024" y="2938154"/>
+            <a:ext cx="4394130" cy="2308324"/>
           </a:xfrm>
           <a:prstGeom prst="rect">
             <a:avLst/>
@@ -9854,25 +8811,7 @@
           <a:p>
             <a:r>
               <a:rPr lang="en-US" altLang="ko-KR" dirty="0" smtClean="0"/>
-              <a:t>* </a:t>
-            </a:r>
-            <a:r>
-              <a:rPr lang="en-US" altLang="ko-KR" dirty="0" err="1" smtClean="0"/>
-              <a:t>Hikari</a:t>
-            </a:r>
-            <a:r>
-              <a:rPr lang="en-US" altLang="ko-KR" dirty="0" smtClean="0"/>
-              <a:t> </a:t>
-            </a:r>
-          </a:p>
-          <a:p>
-            <a:pPr marL="285750" indent="-285750">
-              <a:buFontTx/>
-              <a:buChar char="-"/>
-            </a:pPr>
-            <a:r>
-              <a:rPr lang="en-US" altLang="ko-KR" dirty="0" err="1" smtClean="0"/>
-              <a:t>Hikari</a:t>
+              <a:t>Spring Boot</a:t>
             </a:r>
             <a:r>
               <a:rPr lang="ko-KR" altLang="en-US" dirty="0" smtClean="0"/>
@@ -9880,68 +8819,90 @@
             </a:r>
             <a:r>
               <a:rPr lang="en-US" altLang="ko-KR" dirty="0" smtClean="0"/>
-              <a:t>Database</a:t>
+              <a:t>8080 </a:t>
             </a:r>
             <a:r>
               <a:rPr lang="ko-KR" altLang="en-US" dirty="0" smtClean="0"/>
-              <a:t>와 </a:t>
+              <a:t>포트에서</a:t>
             </a:r>
             <a:r>
               <a:rPr lang="en-US" altLang="ko-KR" dirty="0" smtClean="0"/>
-              <a:t>Connection Pool</a:t>
+              <a:t>, React</a:t>
             </a:r>
             <a:r>
               <a:rPr lang="ko-KR" altLang="en-US" dirty="0" smtClean="0"/>
-              <a:t>을 관리해주는 역할</a:t>
-            </a:r>
-            <a:endParaRPr lang="en-US" altLang="ko-KR" dirty="0" smtClean="0"/>
-          </a:p>
-          <a:p>
-            <a:pPr marL="285750" indent="-285750">
-              <a:buFontTx/>
-              <a:buChar char="-"/>
-            </a:pPr>
+              <a:t>는 </a:t>
+            </a:r>
+            <a:r>
+              <a:rPr lang="en-US" altLang="ko-KR" dirty="0" smtClean="0"/>
+              <a:t>3000 </a:t>
+            </a:r>
             <a:r>
               <a:rPr lang="ko-KR" altLang="en-US" dirty="0" smtClean="0"/>
-              <a:t>미리 정해놓은 만큼의 커넥션을 </a:t>
+              <a:t>포트에서 실행되므로</a:t>
             </a:r>
             <a:r>
               <a:rPr lang="en-US" altLang="ko-KR" dirty="0" smtClean="0"/>
-              <a:t>Pool</a:t>
+              <a:t>, CORS( cross-origin requests)</a:t>
             </a:r>
             <a:r>
               <a:rPr lang="ko-KR" altLang="en-US" dirty="0" smtClean="0"/>
-              <a:t>을 담아놓고 요청이 들어오면 </a:t>
-            </a:r>
-            <a:r>
-              <a:rPr lang="en-US" altLang="ko-KR" dirty="0" smtClean="0"/>
-              <a:t>Thread</a:t>
-            </a:r>
-            <a:r>
-              <a:rPr lang="ko-KR" altLang="en-US" dirty="0" smtClean="0"/>
-              <a:t>가 커넥션을 요청하고</a:t>
+              <a:t>가 발생하므로</a:t>
             </a:r>
             <a:r>
               <a:rPr lang="en-US" altLang="ko-KR" dirty="0" smtClean="0"/>
               <a:t>, </a:t>
             </a:r>
             <a:r>
+              <a:rPr lang="ko-KR" altLang="en-US" dirty="0" smtClean="0"/>
+              <a:t>이 문제를 해결하기 위해 </a:t>
+            </a:r>
+            <a:r>
+              <a:rPr lang="en-US" altLang="ko-KR" dirty="0" smtClean="0"/>
+              <a:t>React PJT &gt; </a:t>
+            </a:r>
+            <a:r>
               <a:rPr lang="en-US" altLang="ko-KR" dirty="0" err="1" smtClean="0"/>
-              <a:t>Hikari</a:t>
+              <a:t>src</a:t>
+            </a:r>
+            <a:r>
+              <a:rPr lang="en-US" altLang="ko-KR" dirty="0" smtClean="0"/>
+              <a:t> &gt; </a:t>
+            </a:r>
+            <a:r>
+              <a:rPr lang="en-US" altLang="ko-KR" dirty="0" err="1" smtClean="0"/>
+              <a:t>package.json</a:t>
             </a:r>
             <a:r>
               <a:rPr lang="ko-KR" altLang="en-US" dirty="0" smtClean="0"/>
-              <a:t>가 </a:t>
+              <a:t>에서 </a:t>
             </a:r>
             <a:r>
               <a:rPr lang="en-US" altLang="ko-KR" dirty="0" smtClean="0"/>
-              <a:t>Pool</a:t>
+              <a:t>proxy</a:t>
             </a:r>
             <a:r>
               <a:rPr lang="ko-KR" altLang="en-US" dirty="0" smtClean="0"/>
-              <a:t>내 있는 커넥션을 연결</a:t>
-            </a:r>
-            <a:endParaRPr lang="en-US" altLang="ko-KR" dirty="0" smtClean="0"/>
+              <a:t>를 설정하여 이 문제를 해결한다</a:t>
+            </a:r>
+            <a:r>
+              <a:rPr lang="en-US" altLang="ko-KR" dirty="0" smtClean="0"/>
+              <a:t>.</a:t>
+            </a:r>
+          </a:p>
+          <a:p>
+            <a:endParaRPr lang="en-US" altLang="ko-KR" dirty="0"/>
+          </a:p>
+          <a:p>
+            <a:r>
+              <a:rPr lang="en-US" altLang="ko-KR" dirty="0" smtClean="0"/>
+              <a:t>“proxy”: “http://localhost:8080/” </a:t>
+            </a:r>
+            <a:r>
+              <a:rPr lang="ko-KR" altLang="en-US" dirty="0" smtClean="0"/>
+              <a:t>추가</a:t>
+            </a:r>
+            <a:endParaRPr lang="ko-KR" altLang="en-US" dirty="0"/>
           </a:p>
         </p:txBody>
       </p:sp>
@@ -9953,8 +8914,8 @@
         </p:nvSpPr>
         <p:spPr>
           <a:xfrm>
-            <a:off x="1521229" y="1612669"/>
-            <a:ext cx="3175462" cy="565265"/>
+            <a:off x="2402378" y="3194858"/>
+            <a:ext cx="1654233" cy="171797"/>
           </a:xfrm>
           <a:prstGeom prst="rect">
             <a:avLst/>
@@ -9991,1893 +8952,10 @@
           </a:p>
         </p:txBody>
       </p:sp>
-      <p:sp>
-        <p:nvSpPr>
-          <p:cNvPr id="11" name="TextBox 10"/>
-          <p:cNvSpPr txBox="1"/>
-          <p:nvPr/>
-        </p:nvSpPr>
-        <p:spPr>
-          <a:xfrm>
-            <a:off x="7797870" y="4504317"/>
-            <a:ext cx="4394130" cy="2308324"/>
-          </a:xfrm>
-          <a:prstGeom prst="rect">
-            <a:avLst/>
-          </a:prstGeom>
-          <a:noFill/>
-        </p:spPr>
-        <p:txBody>
-          <a:bodyPr wrap="square" rtlCol="0">
-            <a:spAutoFit/>
-          </a:bodyPr>
-          <a:lstStyle/>
-          <a:p>
-            <a:r>
-              <a:rPr lang="en-US" altLang="ko-KR" dirty="0" smtClean="0"/>
-              <a:t>## </a:t>
-            </a:r>
-            <a:r>
-              <a:rPr lang="en-US" altLang="ko-KR" dirty="0" err="1" smtClean="0"/>
-              <a:t>MariaDB</a:t>
-            </a:r>
-            <a:r>
-              <a:rPr lang="en-US" altLang="ko-KR" dirty="0" smtClean="0"/>
-              <a:t> </a:t>
-            </a:r>
-            <a:r>
-              <a:rPr lang="en-US" altLang="ko-KR" dirty="0" err="1" smtClean="0"/>
-              <a:t>Connention</a:t>
-            </a:r>
-            <a:endParaRPr lang="en-US" altLang="ko-KR" dirty="0" smtClean="0"/>
-          </a:p>
-          <a:p>
-            <a:r>
-              <a:rPr lang="en-US" altLang="ko-KR" dirty="0" err="1" smtClean="0"/>
-              <a:t>spring.datasource.driverClassName</a:t>
-            </a:r>
-            <a:r>
-              <a:rPr lang="en-US" altLang="ko-KR" dirty="0" smtClean="0"/>
-              <a:t>=</a:t>
-            </a:r>
-            <a:r>
-              <a:rPr lang="en-US" altLang="ko-KR" dirty="0" err="1" smtClean="0"/>
-              <a:t>org.mariadb.jdbc.Driver</a:t>
-            </a:r>
-            <a:endParaRPr lang="en-US" altLang="ko-KR" dirty="0"/>
-          </a:p>
-          <a:p>
-            <a:r>
-              <a:rPr lang="en-US" altLang="ko-KR" dirty="0"/>
-              <a:t>spring.datasource.url=</a:t>
-            </a:r>
-            <a:r>
-              <a:rPr lang="en-US" altLang="ko-KR" dirty="0" err="1"/>
-              <a:t>jdbc:mariadb</a:t>
-            </a:r>
-            <a:r>
-              <a:rPr lang="en-US" altLang="ko-KR" dirty="0"/>
-              <a:t>://localhost:3306/</a:t>
-            </a:r>
-            <a:r>
-              <a:rPr lang="en-US" altLang="ko-KR" dirty="0" err="1"/>
-              <a:t>ismaniatest?characterEncoding</a:t>
-            </a:r>
-            <a:r>
-              <a:rPr lang="en-US" altLang="ko-KR" dirty="0"/>
-              <a:t>=UTF-8&amp;serverTimezone=UTC</a:t>
-            </a:r>
-          </a:p>
-          <a:p>
-            <a:r>
-              <a:rPr lang="en-US" altLang="ko-KR" dirty="0" err="1"/>
-              <a:t>spring.datasource.username</a:t>
-            </a:r>
-            <a:r>
-              <a:rPr lang="en-US" altLang="ko-KR" dirty="0"/>
-              <a:t>=root</a:t>
-            </a:r>
-          </a:p>
-          <a:p>
-            <a:r>
-              <a:rPr lang="en-US" altLang="ko-KR" dirty="0" err="1"/>
-              <a:t>spring.datasource.password</a:t>
-            </a:r>
-            <a:r>
-              <a:rPr lang="en-US" altLang="ko-KR" dirty="0"/>
-              <a:t>=root</a:t>
-            </a:r>
-            <a:r>
-              <a:rPr lang="en-US" altLang="ko-KR" dirty="0" smtClean="0"/>
-              <a:t>!!</a:t>
-            </a:r>
-            <a:endParaRPr lang="en-US" altLang="ko-KR" dirty="0"/>
-          </a:p>
-        </p:txBody>
-      </p:sp>
     </p:spTree>
     <p:extLst>
       <p:ext uri="{BB962C8B-B14F-4D97-AF65-F5344CB8AC3E}">
-        <p14:creationId xmlns:p14="http://schemas.microsoft.com/office/powerpoint/2010/main" val="3272695616"/>
-      </p:ext>
-    </p:extLst>
-  </p:cSld>
-  <p:clrMapOvr>
-    <a:masterClrMapping/>
-  </p:clrMapOvr>
-</p:sld>
-</file>
-
-<file path=ppt/slides/slide34.xml><?xml version="1.0" encoding="utf-8"?>
-<p:sld xmlns:a="http://schemas.openxmlformats.org/drawingml/2006/main" xmlns:r="http://schemas.openxmlformats.org/officeDocument/2006/relationships" xmlns:p="http://schemas.openxmlformats.org/presentationml/2006/main">
-  <p:cSld>
-    <p:spTree>
-      <p:nvGrpSpPr>
-        <p:cNvPr id="1" name=""/>
-        <p:cNvGrpSpPr/>
-        <p:nvPr/>
-      </p:nvGrpSpPr>
-      <p:grpSpPr>
-        <a:xfrm>
-          <a:off x="0" y="0"/>
-          <a:ext cx="0" cy="0"/>
-          <a:chOff x="0" y="0"/>
-          <a:chExt cx="0" cy="0"/>
-        </a:xfrm>
-      </p:grpSpPr>
-      <p:pic>
-        <p:nvPicPr>
-          <p:cNvPr id="2" name="그림 1"/>
-          <p:cNvPicPr>
-            <a:picLocks noChangeAspect="1"/>
-          </p:cNvPicPr>
-          <p:nvPr/>
-        </p:nvPicPr>
-        <p:blipFill>
-          <a:blip r:embed="rId2"/>
-          <a:stretch>
-            <a:fillRect/>
-          </a:stretch>
-        </p:blipFill>
-        <p:spPr>
-          <a:xfrm>
-            <a:off x="163043" y="1087997"/>
-            <a:ext cx="7259315" cy="5427138"/>
-          </a:xfrm>
-          <a:prstGeom prst="rect">
-            <a:avLst/>
-          </a:prstGeom>
-        </p:spPr>
-      </p:pic>
-      <p:sp>
-        <p:nvSpPr>
-          <p:cNvPr id="5" name="TextBox 4"/>
-          <p:cNvSpPr txBox="1"/>
-          <p:nvPr/>
-        </p:nvSpPr>
-        <p:spPr>
-          <a:xfrm>
-            <a:off x="163044" y="200921"/>
-            <a:ext cx="10008295" cy="461665"/>
-          </a:xfrm>
-          <a:prstGeom prst="rect">
-            <a:avLst/>
-          </a:prstGeom>
-          <a:noFill/>
-        </p:spPr>
-        <p:txBody>
-          <a:bodyPr wrap="square" rtlCol="0">
-            <a:spAutoFit/>
-          </a:bodyPr>
-          <a:lstStyle/>
-          <a:p>
-            <a:r>
-              <a:rPr lang="en-US" altLang="ko-KR" sz="2400" b="1" dirty="0" smtClean="0"/>
-              <a:t>3. </a:t>
-            </a:r>
-            <a:r>
-              <a:rPr lang="en-US" altLang="ko-KR" sz="2400" b="1" dirty="0" err="1" smtClean="0"/>
-              <a:t>Hikari</a:t>
-            </a:r>
-            <a:r>
-              <a:rPr lang="en-US" altLang="ko-KR" sz="2400" b="1" dirty="0" smtClean="0"/>
-              <a:t> </a:t>
-            </a:r>
-            <a:r>
-              <a:rPr lang="ko-KR" altLang="en-US" sz="2400" b="1" dirty="0" smtClean="0"/>
-              <a:t>설정</a:t>
-            </a:r>
-            <a:endParaRPr lang="ko-KR" altLang="en-US" sz="2400" b="1" dirty="0"/>
-          </a:p>
-        </p:txBody>
-      </p:sp>
-      <p:sp>
-        <p:nvSpPr>
-          <p:cNvPr id="7" name="직사각형 6"/>
-          <p:cNvSpPr/>
-          <p:nvPr/>
-        </p:nvSpPr>
-        <p:spPr>
-          <a:xfrm>
-            <a:off x="1321721" y="5156279"/>
-            <a:ext cx="3142212" cy="1186332"/>
-          </a:xfrm>
-          <a:prstGeom prst="rect">
-            <a:avLst/>
-          </a:prstGeom>
-          <a:noFill/>
-          <a:ln w="38100">
-            <a:solidFill>
-              <a:srgbClr val="00B0F0"/>
-            </a:solidFill>
-          </a:ln>
-        </p:spPr>
-        <p:style>
-          <a:lnRef idx="2">
-            <a:schemeClr val="accent1">
-              <a:shade val="50000"/>
-            </a:schemeClr>
-          </a:lnRef>
-          <a:fillRef idx="1">
-            <a:schemeClr val="accent1"/>
-          </a:fillRef>
-          <a:effectRef idx="0">
-            <a:schemeClr val="accent1"/>
-          </a:effectRef>
-          <a:fontRef idx="minor">
-            <a:schemeClr val="lt1"/>
-          </a:fontRef>
-        </p:style>
-        <p:txBody>
-          <a:bodyPr rtlCol="0" anchor="ctr"/>
-          <a:lstStyle/>
-          <a:p>
-            <a:pPr algn="ctr"/>
-            <a:endParaRPr lang="ko-KR" altLang="en-US"/>
-          </a:p>
-        </p:txBody>
-      </p:sp>
-      <p:cxnSp>
-        <p:nvCxnSpPr>
-          <p:cNvPr id="9" name="직선 화살표 연결선 8"/>
-          <p:cNvCxnSpPr/>
-          <p:nvPr/>
-        </p:nvCxnSpPr>
-        <p:spPr>
-          <a:xfrm flipV="1">
-            <a:off x="4696691" y="1895301"/>
-            <a:ext cx="3092333" cy="1"/>
-          </a:xfrm>
-          <a:prstGeom prst="straightConnector1">
-            <a:avLst/>
-          </a:prstGeom>
-          <a:ln>
-            <a:solidFill>
-              <a:srgbClr val="00B0F0"/>
-            </a:solidFill>
-            <a:tailEnd type="triangle"/>
-          </a:ln>
-        </p:spPr>
-        <p:style>
-          <a:lnRef idx="1">
-            <a:schemeClr val="accent1"/>
-          </a:lnRef>
-          <a:fillRef idx="0">
-            <a:schemeClr val="accent1"/>
-          </a:fillRef>
-          <a:effectRef idx="0">
-            <a:schemeClr val="accent1"/>
-          </a:effectRef>
-          <a:fontRef idx="minor">
-            <a:schemeClr val="tx1"/>
-          </a:fontRef>
-        </p:style>
-      </p:cxnSp>
-      <p:sp>
-        <p:nvSpPr>
-          <p:cNvPr id="10" name="TextBox 9"/>
-          <p:cNvSpPr txBox="1"/>
-          <p:nvPr/>
-        </p:nvSpPr>
-        <p:spPr>
-          <a:xfrm>
-            <a:off x="7789024" y="1087997"/>
-            <a:ext cx="4394130" cy="2031325"/>
-          </a:xfrm>
-          <a:prstGeom prst="rect">
-            <a:avLst/>
-          </a:prstGeom>
-          <a:noFill/>
-        </p:spPr>
-        <p:txBody>
-          <a:bodyPr wrap="square" rtlCol="0">
-            <a:spAutoFit/>
-          </a:bodyPr>
-          <a:lstStyle/>
-          <a:p>
-            <a:r>
-              <a:rPr lang="en-US" altLang="ko-KR" dirty="0" smtClean="0"/>
-              <a:t>* </a:t>
-            </a:r>
-            <a:r>
-              <a:rPr lang="en-US" altLang="ko-KR" dirty="0" err="1" smtClean="0"/>
-              <a:t>Hikari</a:t>
-            </a:r>
-            <a:r>
-              <a:rPr lang="en-US" altLang="ko-KR" dirty="0" smtClean="0"/>
-              <a:t> </a:t>
-            </a:r>
-          </a:p>
-          <a:p>
-            <a:pPr marL="285750" indent="-285750">
-              <a:buFontTx/>
-              <a:buChar char="-"/>
-            </a:pPr>
-            <a:r>
-              <a:rPr lang="en-US" altLang="ko-KR" dirty="0" err="1" smtClean="0"/>
-              <a:t>Hikari</a:t>
-            </a:r>
-            <a:r>
-              <a:rPr lang="ko-KR" altLang="en-US" dirty="0" smtClean="0"/>
-              <a:t>는 </a:t>
-            </a:r>
-            <a:r>
-              <a:rPr lang="en-US" altLang="ko-KR" dirty="0" smtClean="0"/>
-              <a:t>Database</a:t>
-            </a:r>
-            <a:r>
-              <a:rPr lang="ko-KR" altLang="en-US" dirty="0" smtClean="0"/>
-              <a:t>와 </a:t>
-            </a:r>
-            <a:r>
-              <a:rPr lang="en-US" altLang="ko-KR" dirty="0" smtClean="0"/>
-              <a:t>Connection Pool</a:t>
-            </a:r>
-            <a:r>
-              <a:rPr lang="ko-KR" altLang="en-US" dirty="0" smtClean="0"/>
-              <a:t>을 관리해주는 역할</a:t>
-            </a:r>
-            <a:endParaRPr lang="en-US" altLang="ko-KR" dirty="0" smtClean="0"/>
-          </a:p>
-          <a:p>
-            <a:pPr marL="285750" indent="-285750">
-              <a:buFontTx/>
-              <a:buChar char="-"/>
-            </a:pPr>
-            <a:r>
-              <a:rPr lang="ko-KR" altLang="en-US" dirty="0" smtClean="0"/>
-              <a:t>미리 정해놓은 만큼의 커넥션을 </a:t>
-            </a:r>
-            <a:r>
-              <a:rPr lang="en-US" altLang="ko-KR" dirty="0" smtClean="0"/>
-              <a:t>Pool</a:t>
-            </a:r>
-            <a:r>
-              <a:rPr lang="ko-KR" altLang="en-US" dirty="0" smtClean="0"/>
-              <a:t>을 담아놓고 요청이 들어오면 </a:t>
-            </a:r>
-            <a:r>
-              <a:rPr lang="en-US" altLang="ko-KR" dirty="0" smtClean="0"/>
-              <a:t>Thread</a:t>
-            </a:r>
-            <a:r>
-              <a:rPr lang="ko-KR" altLang="en-US" dirty="0" smtClean="0"/>
-              <a:t>가 커넥션을 요청하고</a:t>
-            </a:r>
-            <a:r>
-              <a:rPr lang="en-US" altLang="ko-KR" dirty="0" smtClean="0"/>
-              <a:t>, </a:t>
-            </a:r>
-            <a:r>
-              <a:rPr lang="en-US" altLang="ko-KR" dirty="0" err="1" smtClean="0"/>
-              <a:t>Hikari</a:t>
-            </a:r>
-            <a:r>
-              <a:rPr lang="ko-KR" altLang="en-US" dirty="0" smtClean="0"/>
-              <a:t>가 </a:t>
-            </a:r>
-            <a:r>
-              <a:rPr lang="en-US" altLang="ko-KR" dirty="0" smtClean="0"/>
-              <a:t>Pool</a:t>
-            </a:r>
-            <a:r>
-              <a:rPr lang="ko-KR" altLang="en-US" dirty="0" smtClean="0"/>
-              <a:t>내 있는 커넥션을 연결</a:t>
-            </a:r>
-            <a:endParaRPr lang="en-US" altLang="ko-KR" dirty="0" smtClean="0"/>
-          </a:p>
-        </p:txBody>
-      </p:sp>
-      <p:sp>
-        <p:nvSpPr>
-          <p:cNvPr id="8" name="직사각형 7"/>
-          <p:cNvSpPr/>
-          <p:nvPr/>
-        </p:nvSpPr>
-        <p:spPr>
-          <a:xfrm>
-            <a:off x="1521229" y="1612669"/>
-            <a:ext cx="3175462" cy="565265"/>
-          </a:xfrm>
-          <a:prstGeom prst="rect">
-            <a:avLst/>
-          </a:prstGeom>
-          <a:noFill/>
-          <a:ln w="38100">
-            <a:solidFill>
-              <a:srgbClr val="00B0F0"/>
-            </a:solidFill>
-          </a:ln>
-        </p:spPr>
-        <p:style>
-          <a:lnRef idx="2">
-            <a:schemeClr val="accent1">
-              <a:shade val="50000"/>
-            </a:schemeClr>
-          </a:lnRef>
-          <a:fillRef idx="1">
-            <a:schemeClr val="accent1"/>
-          </a:fillRef>
-          <a:effectRef idx="0">
-            <a:schemeClr val="accent1"/>
-          </a:effectRef>
-          <a:fontRef idx="minor">
-            <a:schemeClr val="lt1"/>
-          </a:fontRef>
-        </p:style>
-        <p:txBody>
-          <a:bodyPr rtlCol="0" anchor="ctr"/>
-          <a:lstStyle/>
-          <a:p>
-            <a:pPr algn="ctr"/>
-            <a:endParaRPr lang="ko-KR" altLang="en-US"/>
-          </a:p>
-        </p:txBody>
-      </p:sp>
-      <p:sp>
-        <p:nvSpPr>
-          <p:cNvPr id="11" name="TextBox 10"/>
-          <p:cNvSpPr txBox="1"/>
-          <p:nvPr/>
-        </p:nvSpPr>
-        <p:spPr>
-          <a:xfrm>
-            <a:off x="7797870" y="4504317"/>
-            <a:ext cx="4394130" cy="2308324"/>
-          </a:xfrm>
-          <a:prstGeom prst="rect">
-            <a:avLst/>
-          </a:prstGeom>
-          <a:noFill/>
-        </p:spPr>
-        <p:txBody>
-          <a:bodyPr wrap="square" rtlCol="0">
-            <a:spAutoFit/>
-          </a:bodyPr>
-          <a:lstStyle/>
-          <a:p>
-            <a:r>
-              <a:rPr lang="en-US" altLang="ko-KR" dirty="0" smtClean="0"/>
-              <a:t>## </a:t>
-            </a:r>
-            <a:r>
-              <a:rPr lang="en-US" altLang="ko-KR" dirty="0" err="1" smtClean="0"/>
-              <a:t>MariaDB</a:t>
-            </a:r>
-            <a:r>
-              <a:rPr lang="en-US" altLang="ko-KR" dirty="0" smtClean="0"/>
-              <a:t> </a:t>
-            </a:r>
-            <a:r>
-              <a:rPr lang="en-US" altLang="ko-KR" dirty="0" err="1" smtClean="0"/>
-              <a:t>Connention</a:t>
-            </a:r>
-            <a:endParaRPr lang="en-US" altLang="ko-KR" dirty="0" smtClean="0"/>
-          </a:p>
-          <a:p>
-            <a:r>
-              <a:rPr lang="en-US" altLang="ko-KR" dirty="0" err="1" smtClean="0"/>
-              <a:t>spring.datasource.driverClassName</a:t>
-            </a:r>
-            <a:r>
-              <a:rPr lang="en-US" altLang="ko-KR" dirty="0" smtClean="0"/>
-              <a:t>=</a:t>
-            </a:r>
-            <a:r>
-              <a:rPr lang="en-US" altLang="ko-KR" dirty="0" err="1" smtClean="0"/>
-              <a:t>org.mariadb.jdbc.Driver</a:t>
-            </a:r>
-            <a:endParaRPr lang="en-US" altLang="ko-KR" dirty="0"/>
-          </a:p>
-          <a:p>
-            <a:r>
-              <a:rPr lang="en-US" altLang="ko-KR" dirty="0"/>
-              <a:t>spring.datasource.url=</a:t>
-            </a:r>
-            <a:r>
-              <a:rPr lang="en-US" altLang="ko-KR" dirty="0" err="1"/>
-              <a:t>jdbc:mariadb</a:t>
-            </a:r>
-            <a:r>
-              <a:rPr lang="en-US" altLang="ko-KR" dirty="0"/>
-              <a:t>://localhost:3306/</a:t>
-            </a:r>
-            <a:r>
-              <a:rPr lang="en-US" altLang="ko-KR" dirty="0" err="1"/>
-              <a:t>ismaniatest?characterEncoding</a:t>
-            </a:r>
-            <a:r>
-              <a:rPr lang="en-US" altLang="ko-KR" dirty="0"/>
-              <a:t>=UTF-8&amp;serverTimezone=UTC</a:t>
-            </a:r>
-          </a:p>
-          <a:p>
-            <a:r>
-              <a:rPr lang="en-US" altLang="ko-KR" dirty="0" err="1"/>
-              <a:t>spring.datasource.username</a:t>
-            </a:r>
-            <a:r>
-              <a:rPr lang="en-US" altLang="ko-KR" dirty="0"/>
-              <a:t>=root</a:t>
-            </a:r>
-          </a:p>
-          <a:p>
-            <a:r>
-              <a:rPr lang="en-US" altLang="ko-KR" dirty="0" err="1"/>
-              <a:t>spring.datasource.password</a:t>
-            </a:r>
-            <a:r>
-              <a:rPr lang="en-US" altLang="ko-KR" dirty="0"/>
-              <a:t>=root</a:t>
-            </a:r>
-            <a:r>
-              <a:rPr lang="en-US" altLang="ko-KR" dirty="0" smtClean="0"/>
-              <a:t>!!</a:t>
-            </a:r>
-            <a:endParaRPr lang="en-US" altLang="ko-KR" dirty="0"/>
-          </a:p>
-        </p:txBody>
-      </p:sp>
-    </p:spTree>
-    <p:extLst>
-      <p:ext uri="{BB962C8B-B14F-4D97-AF65-F5344CB8AC3E}">
-        <p14:creationId xmlns:p14="http://schemas.microsoft.com/office/powerpoint/2010/main" val="1687787037"/>
-      </p:ext>
-    </p:extLst>
-  </p:cSld>
-  <p:clrMapOvr>
-    <a:masterClrMapping/>
-  </p:clrMapOvr>
-</p:sld>
-</file>
-
-<file path=ppt/slides/slide35.xml><?xml version="1.0" encoding="utf-8"?>
-<p:sld xmlns:a="http://schemas.openxmlformats.org/drawingml/2006/main" xmlns:r="http://schemas.openxmlformats.org/officeDocument/2006/relationships" xmlns:p="http://schemas.openxmlformats.org/presentationml/2006/main">
-  <p:cSld>
-    <p:spTree>
-      <p:nvGrpSpPr>
-        <p:cNvPr id="1" name=""/>
-        <p:cNvGrpSpPr/>
-        <p:nvPr/>
-      </p:nvGrpSpPr>
-      <p:grpSpPr>
-        <a:xfrm>
-          <a:off x="0" y="0"/>
-          <a:ext cx="0" cy="0"/>
-          <a:chOff x="0" y="0"/>
-          <a:chExt cx="0" cy="0"/>
-        </a:xfrm>
-      </p:grpSpPr>
-      <p:pic>
-        <p:nvPicPr>
-          <p:cNvPr id="2" name="그림 1"/>
-          <p:cNvPicPr>
-            <a:picLocks noChangeAspect="1"/>
-          </p:cNvPicPr>
-          <p:nvPr/>
-        </p:nvPicPr>
-        <p:blipFill>
-          <a:blip r:embed="rId2"/>
-          <a:stretch>
-            <a:fillRect/>
-          </a:stretch>
-        </p:blipFill>
-        <p:spPr>
-          <a:xfrm>
-            <a:off x="163043" y="1087997"/>
-            <a:ext cx="7259315" cy="5427138"/>
-          </a:xfrm>
-          <a:prstGeom prst="rect">
-            <a:avLst/>
-          </a:prstGeom>
-        </p:spPr>
-      </p:pic>
-      <p:sp>
-        <p:nvSpPr>
-          <p:cNvPr id="5" name="TextBox 4"/>
-          <p:cNvSpPr txBox="1"/>
-          <p:nvPr/>
-        </p:nvSpPr>
-        <p:spPr>
-          <a:xfrm>
-            <a:off x="163044" y="200921"/>
-            <a:ext cx="10008295" cy="461665"/>
-          </a:xfrm>
-          <a:prstGeom prst="rect">
-            <a:avLst/>
-          </a:prstGeom>
-          <a:noFill/>
-        </p:spPr>
-        <p:txBody>
-          <a:bodyPr wrap="square" rtlCol="0">
-            <a:spAutoFit/>
-          </a:bodyPr>
-          <a:lstStyle/>
-          <a:p>
-            <a:r>
-              <a:rPr lang="en-US" altLang="ko-KR" sz="2400" b="1" dirty="0" smtClean="0"/>
-              <a:t>3. </a:t>
-            </a:r>
-            <a:r>
-              <a:rPr lang="en-US" altLang="ko-KR" sz="2400" b="1" dirty="0" err="1" smtClean="0"/>
-              <a:t>Hikari</a:t>
-            </a:r>
-            <a:r>
-              <a:rPr lang="en-US" altLang="ko-KR" sz="2400" b="1" dirty="0" smtClean="0"/>
-              <a:t> </a:t>
-            </a:r>
-            <a:r>
-              <a:rPr lang="ko-KR" altLang="en-US" sz="2400" b="1" dirty="0" smtClean="0"/>
-              <a:t>설정</a:t>
-            </a:r>
-            <a:endParaRPr lang="ko-KR" altLang="en-US" sz="2400" b="1" dirty="0"/>
-          </a:p>
-        </p:txBody>
-      </p:sp>
-      <p:sp>
-        <p:nvSpPr>
-          <p:cNvPr id="7" name="직사각형 6"/>
-          <p:cNvSpPr/>
-          <p:nvPr/>
-        </p:nvSpPr>
-        <p:spPr>
-          <a:xfrm>
-            <a:off x="1321721" y="5156279"/>
-            <a:ext cx="3142212" cy="1186332"/>
-          </a:xfrm>
-          <a:prstGeom prst="rect">
-            <a:avLst/>
-          </a:prstGeom>
-          <a:noFill/>
-          <a:ln w="38100">
-            <a:solidFill>
-              <a:srgbClr val="00B0F0"/>
-            </a:solidFill>
-          </a:ln>
-        </p:spPr>
-        <p:style>
-          <a:lnRef idx="2">
-            <a:schemeClr val="accent1">
-              <a:shade val="50000"/>
-            </a:schemeClr>
-          </a:lnRef>
-          <a:fillRef idx="1">
-            <a:schemeClr val="accent1"/>
-          </a:fillRef>
-          <a:effectRef idx="0">
-            <a:schemeClr val="accent1"/>
-          </a:effectRef>
-          <a:fontRef idx="minor">
-            <a:schemeClr val="lt1"/>
-          </a:fontRef>
-        </p:style>
-        <p:txBody>
-          <a:bodyPr rtlCol="0" anchor="ctr"/>
-          <a:lstStyle/>
-          <a:p>
-            <a:pPr algn="ctr"/>
-            <a:endParaRPr lang="ko-KR" altLang="en-US"/>
-          </a:p>
-        </p:txBody>
-      </p:sp>
-      <p:cxnSp>
-        <p:nvCxnSpPr>
-          <p:cNvPr id="9" name="직선 화살표 연결선 8"/>
-          <p:cNvCxnSpPr/>
-          <p:nvPr/>
-        </p:nvCxnSpPr>
-        <p:spPr>
-          <a:xfrm flipV="1">
-            <a:off x="4696691" y="1895301"/>
-            <a:ext cx="3092333" cy="1"/>
-          </a:xfrm>
-          <a:prstGeom prst="straightConnector1">
-            <a:avLst/>
-          </a:prstGeom>
-          <a:ln>
-            <a:solidFill>
-              <a:srgbClr val="00B0F0"/>
-            </a:solidFill>
-            <a:tailEnd type="triangle"/>
-          </a:ln>
-        </p:spPr>
-        <p:style>
-          <a:lnRef idx="1">
-            <a:schemeClr val="accent1"/>
-          </a:lnRef>
-          <a:fillRef idx="0">
-            <a:schemeClr val="accent1"/>
-          </a:fillRef>
-          <a:effectRef idx="0">
-            <a:schemeClr val="accent1"/>
-          </a:effectRef>
-          <a:fontRef idx="minor">
-            <a:schemeClr val="tx1"/>
-          </a:fontRef>
-        </p:style>
-      </p:cxnSp>
-      <p:sp>
-        <p:nvSpPr>
-          <p:cNvPr id="10" name="TextBox 9"/>
-          <p:cNvSpPr txBox="1"/>
-          <p:nvPr/>
-        </p:nvSpPr>
-        <p:spPr>
-          <a:xfrm>
-            <a:off x="7789024" y="1087997"/>
-            <a:ext cx="4394130" cy="2031325"/>
-          </a:xfrm>
-          <a:prstGeom prst="rect">
-            <a:avLst/>
-          </a:prstGeom>
-          <a:noFill/>
-        </p:spPr>
-        <p:txBody>
-          <a:bodyPr wrap="square" rtlCol="0">
-            <a:spAutoFit/>
-          </a:bodyPr>
-          <a:lstStyle/>
-          <a:p>
-            <a:r>
-              <a:rPr lang="en-US" altLang="ko-KR" dirty="0" smtClean="0"/>
-              <a:t>* </a:t>
-            </a:r>
-            <a:r>
-              <a:rPr lang="en-US" altLang="ko-KR" dirty="0" err="1" smtClean="0"/>
-              <a:t>Hikari</a:t>
-            </a:r>
-            <a:r>
-              <a:rPr lang="en-US" altLang="ko-KR" dirty="0" smtClean="0"/>
-              <a:t> </a:t>
-            </a:r>
-          </a:p>
-          <a:p>
-            <a:pPr marL="285750" indent="-285750">
-              <a:buFontTx/>
-              <a:buChar char="-"/>
-            </a:pPr>
-            <a:r>
-              <a:rPr lang="en-US" altLang="ko-KR" dirty="0" err="1" smtClean="0"/>
-              <a:t>Hikari</a:t>
-            </a:r>
-            <a:r>
-              <a:rPr lang="ko-KR" altLang="en-US" dirty="0" smtClean="0"/>
-              <a:t>는 </a:t>
-            </a:r>
-            <a:r>
-              <a:rPr lang="en-US" altLang="ko-KR" dirty="0" smtClean="0"/>
-              <a:t>Database</a:t>
-            </a:r>
-            <a:r>
-              <a:rPr lang="ko-KR" altLang="en-US" dirty="0" smtClean="0"/>
-              <a:t>와 </a:t>
-            </a:r>
-            <a:r>
-              <a:rPr lang="en-US" altLang="ko-KR" dirty="0" smtClean="0"/>
-              <a:t>Connection Pool</a:t>
-            </a:r>
-            <a:r>
-              <a:rPr lang="ko-KR" altLang="en-US" dirty="0" smtClean="0"/>
-              <a:t>을 관리해주는 역할</a:t>
-            </a:r>
-            <a:endParaRPr lang="en-US" altLang="ko-KR" dirty="0" smtClean="0"/>
-          </a:p>
-          <a:p>
-            <a:pPr marL="285750" indent="-285750">
-              <a:buFontTx/>
-              <a:buChar char="-"/>
-            </a:pPr>
-            <a:r>
-              <a:rPr lang="ko-KR" altLang="en-US" dirty="0" smtClean="0"/>
-              <a:t>미리 정해놓은 만큼의 커넥션을 </a:t>
-            </a:r>
-            <a:r>
-              <a:rPr lang="en-US" altLang="ko-KR" dirty="0" smtClean="0"/>
-              <a:t>Pool</a:t>
-            </a:r>
-            <a:r>
-              <a:rPr lang="ko-KR" altLang="en-US" dirty="0" smtClean="0"/>
-              <a:t>을 담아놓고 요청이 들어오면 </a:t>
-            </a:r>
-            <a:r>
-              <a:rPr lang="en-US" altLang="ko-KR" dirty="0" smtClean="0"/>
-              <a:t>Thread</a:t>
-            </a:r>
-            <a:r>
-              <a:rPr lang="ko-KR" altLang="en-US" dirty="0" smtClean="0"/>
-              <a:t>가 커넥션을 요청하고</a:t>
-            </a:r>
-            <a:r>
-              <a:rPr lang="en-US" altLang="ko-KR" dirty="0" smtClean="0"/>
-              <a:t>, </a:t>
-            </a:r>
-            <a:r>
-              <a:rPr lang="en-US" altLang="ko-KR" dirty="0" err="1" smtClean="0"/>
-              <a:t>Hikari</a:t>
-            </a:r>
-            <a:r>
-              <a:rPr lang="ko-KR" altLang="en-US" dirty="0" smtClean="0"/>
-              <a:t>가 </a:t>
-            </a:r>
-            <a:r>
-              <a:rPr lang="en-US" altLang="ko-KR" dirty="0" smtClean="0"/>
-              <a:t>Pool</a:t>
-            </a:r>
-            <a:r>
-              <a:rPr lang="ko-KR" altLang="en-US" dirty="0" smtClean="0"/>
-              <a:t>내 있는 커넥션을 연결</a:t>
-            </a:r>
-            <a:endParaRPr lang="en-US" altLang="ko-KR" dirty="0" smtClean="0"/>
-          </a:p>
-        </p:txBody>
-      </p:sp>
-      <p:sp>
-        <p:nvSpPr>
-          <p:cNvPr id="8" name="직사각형 7"/>
-          <p:cNvSpPr/>
-          <p:nvPr/>
-        </p:nvSpPr>
-        <p:spPr>
-          <a:xfrm>
-            <a:off x="1521229" y="1612669"/>
-            <a:ext cx="3175462" cy="565265"/>
-          </a:xfrm>
-          <a:prstGeom prst="rect">
-            <a:avLst/>
-          </a:prstGeom>
-          <a:noFill/>
-          <a:ln w="38100">
-            <a:solidFill>
-              <a:srgbClr val="00B0F0"/>
-            </a:solidFill>
-          </a:ln>
-        </p:spPr>
-        <p:style>
-          <a:lnRef idx="2">
-            <a:schemeClr val="accent1">
-              <a:shade val="50000"/>
-            </a:schemeClr>
-          </a:lnRef>
-          <a:fillRef idx="1">
-            <a:schemeClr val="accent1"/>
-          </a:fillRef>
-          <a:effectRef idx="0">
-            <a:schemeClr val="accent1"/>
-          </a:effectRef>
-          <a:fontRef idx="minor">
-            <a:schemeClr val="lt1"/>
-          </a:fontRef>
-        </p:style>
-        <p:txBody>
-          <a:bodyPr rtlCol="0" anchor="ctr"/>
-          <a:lstStyle/>
-          <a:p>
-            <a:pPr algn="ctr"/>
-            <a:endParaRPr lang="ko-KR" altLang="en-US"/>
-          </a:p>
-        </p:txBody>
-      </p:sp>
-      <p:sp>
-        <p:nvSpPr>
-          <p:cNvPr id="11" name="TextBox 10"/>
-          <p:cNvSpPr txBox="1"/>
-          <p:nvPr/>
-        </p:nvSpPr>
-        <p:spPr>
-          <a:xfrm>
-            <a:off x="7797870" y="4504317"/>
-            <a:ext cx="4394130" cy="2308324"/>
-          </a:xfrm>
-          <a:prstGeom prst="rect">
-            <a:avLst/>
-          </a:prstGeom>
-          <a:noFill/>
-        </p:spPr>
-        <p:txBody>
-          <a:bodyPr wrap="square" rtlCol="0">
-            <a:spAutoFit/>
-          </a:bodyPr>
-          <a:lstStyle/>
-          <a:p>
-            <a:r>
-              <a:rPr lang="en-US" altLang="ko-KR" dirty="0" smtClean="0"/>
-              <a:t>## </a:t>
-            </a:r>
-            <a:r>
-              <a:rPr lang="en-US" altLang="ko-KR" dirty="0" err="1" smtClean="0"/>
-              <a:t>MariaDB</a:t>
-            </a:r>
-            <a:r>
-              <a:rPr lang="en-US" altLang="ko-KR" dirty="0" smtClean="0"/>
-              <a:t> </a:t>
-            </a:r>
-            <a:r>
-              <a:rPr lang="en-US" altLang="ko-KR" dirty="0" err="1" smtClean="0"/>
-              <a:t>Connention</a:t>
-            </a:r>
-            <a:endParaRPr lang="en-US" altLang="ko-KR" dirty="0" smtClean="0"/>
-          </a:p>
-          <a:p>
-            <a:r>
-              <a:rPr lang="en-US" altLang="ko-KR" dirty="0" err="1" smtClean="0"/>
-              <a:t>spring.datasource.driverClassName</a:t>
-            </a:r>
-            <a:r>
-              <a:rPr lang="en-US" altLang="ko-KR" dirty="0" smtClean="0"/>
-              <a:t>=</a:t>
-            </a:r>
-            <a:r>
-              <a:rPr lang="en-US" altLang="ko-KR" dirty="0" err="1" smtClean="0"/>
-              <a:t>org.mariadb.jdbc.Driver</a:t>
-            </a:r>
-            <a:endParaRPr lang="en-US" altLang="ko-KR" dirty="0"/>
-          </a:p>
-          <a:p>
-            <a:r>
-              <a:rPr lang="en-US" altLang="ko-KR" dirty="0"/>
-              <a:t>spring.datasource.url=</a:t>
-            </a:r>
-            <a:r>
-              <a:rPr lang="en-US" altLang="ko-KR" dirty="0" err="1"/>
-              <a:t>jdbc:mariadb</a:t>
-            </a:r>
-            <a:r>
-              <a:rPr lang="en-US" altLang="ko-KR" dirty="0"/>
-              <a:t>://localhost:3306/</a:t>
-            </a:r>
-            <a:r>
-              <a:rPr lang="en-US" altLang="ko-KR" dirty="0" err="1"/>
-              <a:t>ismaniatest?characterEncoding</a:t>
-            </a:r>
-            <a:r>
-              <a:rPr lang="en-US" altLang="ko-KR" dirty="0"/>
-              <a:t>=UTF-8&amp;serverTimezone=UTC</a:t>
-            </a:r>
-          </a:p>
-          <a:p>
-            <a:r>
-              <a:rPr lang="en-US" altLang="ko-KR" dirty="0" err="1"/>
-              <a:t>spring.datasource.username</a:t>
-            </a:r>
-            <a:r>
-              <a:rPr lang="en-US" altLang="ko-KR" dirty="0"/>
-              <a:t>=root</a:t>
-            </a:r>
-          </a:p>
-          <a:p>
-            <a:r>
-              <a:rPr lang="en-US" altLang="ko-KR" dirty="0" err="1"/>
-              <a:t>spring.datasource.password</a:t>
-            </a:r>
-            <a:r>
-              <a:rPr lang="en-US" altLang="ko-KR" dirty="0"/>
-              <a:t>=root</a:t>
-            </a:r>
-            <a:r>
-              <a:rPr lang="en-US" altLang="ko-KR" dirty="0" smtClean="0"/>
-              <a:t>!!</a:t>
-            </a:r>
-            <a:endParaRPr lang="en-US" altLang="ko-KR" dirty="0"/>
-          </a:p>
-        </p:txBody>
-      </p:sp>
-    </p:spTree>
-    <p:extLst>
-      <p:ext uri="{BB962C8B-B14F-4D97-AF65-F5344CB8AC3E}">
-        <p14:creationId xmlns:p14="http://schemas.microsoft.com/office/powerpoint/2010/main" val="2871034186"/>
-      </p:ext>
-    </p:extLst>
-  </p:cSld>
-  <p:clrMapOvr>
-    <a:masterClrMapping/>
-  </p:clrMapOvr>
-</p:sld>
-</file>
-
-<file path=ppt/slides/slide36.xml><?xml version="1.0" encoding="utf-8"?>
-<p:sld xmlns:a="http://schemas.openxmlformats.org/drawingml/2006/main" xmlns:r="http://schemas.openxmlformats.org/officeDocument/2006/relationships" xmlns:p="http://schemas.openxmlformats.org/presentationml/2006/main">
-  <p:cSld>
-    <p:spTree>
-      <p:nvGrpSpPr>
-        <p:cNvPr id="1" name=""/>
-        <p:cNvGrpSpPr/>
-        <p:nvPr/>
-      </p:nvGrpSpPr>
-      <p:grpSpPr>
-        <a:xfrm>
-          <a:off x="0" y="0"/>
-          <a:ext cx="0" cy="0"/>
-          <a:chOff x="0" y="0"/>
-          <a:chExt cx="0" cy="0"/>
-        </a:xfrm>
-      </p:grpSpPr>
-      <p:pic>
-        <p:nvPicPr>
-          <p:cNvPr id="2" name="그림 1"/>
-          <p:cNvPicPr>
-            <a:picLocks noChangeAspect="1"/>
-          </p:cNvPicPr>
-          <p:nvPr/>
-        </p:nvPicPr>
-        <p:blipFill>
-          <a:blip r:embed="rId2"/>
-          <a:stretch>
-            <a:fillRect/>
-          </a:stretch>
-        </p:blipFill>
-        <p:spPr>
-          <a:xfrm>
-            <a:off x="163043" y="1087997"/>
-            <a:ext cx="7259315" cy="5427138"/>
-          </a:xfrm>
-          <a:prstGeom prst="rect">
-            <a:avLst/>
-          </a:prstGeom>
-        </p:spPr>
-      </p:pic>
-      <p:sp>
-        <p:nvSpPr>
-          <p:cNvPr id="5" name="TextBox 4"/>
-          <p:cNvSpPr txBox="1"/>
-          <p:nvPr/>
-        </p:nvSpPr>
-        <p:spPr>
-          <a:xfrm>
-            <a:off x="163044" y="200921"/>
-            <a:ext cx="10008295" cy="461665"/>
-          </a:xfrm>
-          <a:prstGeom prst="rect">
-            <a:avLst/>
-          </a:prstGeom>
-          <a:noFill/>
-        </p:spPr>
-        <p:txBody>
-          <a:bodyPr wrap="square" rtlCol="0">
-            <a:spAutoFit/>
-          </a:bodyPr>
-          <a:lstStyle/>
-          <a:p>
-            <a:r>
-              <a:rPr lang="en-US" altLang="ko-KR" sz="2400" b="1" dirty="0" smtClean="0"/>
-              <a:t>3. </a:t>
-            </a:r>
-            <a:r>
-              <a:rPr lang="en-US" altLang="ko-KR" sz="2400" b="1" dirty="0" err="1" smtClean="0"/>
-              <a:t>Hikari</a:t>
-            </a:r>
-            <a:r>
-              <a:rPr lang="en-US" altLang="ko-KR" sz="2400" b="1" dirty="0" smtClean="0"/>
-              <a:t> </a:t>
-            </a:r>
-            <a:r>
-              <a:rPr lang="ko-KR" altLang="en-US" sz="2400" b="1" dirty="0" smtClean="0"/>
-              <a:t>설정</a:t>
-            </a:r>
-            <a:endParaRPr lang="ko-KR" altLang="en-US" sz="2400" b="1" dirty="0"/>
-          </a:p>
-        </p:txBody>
-      </p:sp>
-      <p:sp>
-        <p:nvSpPr>
-          <p:cNvPr id="7" name="직사각형 6"/>
-          <p:cNvSpPr/>
-          <p:nvPr/>
-        </p:nvSpPr>
-        <p:spPr>
-          <a:xfrm>
-            <a:off x="1321721" y="5156279"/>
-            <a:ext cx="3142212" cy="1186332"/>
-          </a:xfrm>
-          <a:prstGeom prst="rect">
-            <a:avLst/>
-          </a:prstGeom>
-          <a:noFill/>
-          <a:ln w="38100">
-            <a:solidFill>
-              <a:srgbClr val="00B0F0"/>
-            </a:solidFill>
-          </a:ln>
-        </p:spPr>
-        <p:style>
-          <a:lnRef idx="2">
-            <a:schemeClr val="accent1">
-              <a:shade val="50000"/>
-            </a:schemeClr>
-          </a:lnRef>
-          <a:fillRef idx="1">
-            <a:schemeClr val="accent1"/>
-          </a:fillRef>
-          <a:effectRef idx="0">
-            <a:schemeClr val="accent1"/>
-          </a:effectRef>
-          <a:fontRef idx="minor">
-            <a:schemeClr val="lt1"/>
-          </a:fontRef>
-        </p:style>
-        <p:txBody>
-          <a:bodyPr rtlCol="0" anchor="ctr"/>
-          <a:lstStyle/>
-          <a:p>
-            <a:pPr algn="ctr"/>
-            <a:endParaRPr lang="ko-KR" altLang="en-US"/>
-          </a:p>
-        </p:txBody>
-      </p:sp>
-      <p:cxnSp>
-        <p:nvCxnSpPr>
-          <p:cNvPr id="9" name="직선 화살표 연결선 8"/>
-          <p:cNvCxnSpPr/>
-          <p:nvPr/>
-        </p:nvCxnSpPr>
-        <p:spPr>
-          <a:xfrm flipV="1">
-            <a:off x="4696691" y="1895301"/>
-            <a:ext cx="3092333" cy="1"/>
-          </a:xfrm>
-          <a:prstGeom prst="straightConnector1">
-            <a:avLst/>
-          </a:prstGeom>
-          <a:ln>
-            <a:solidFill>
-              <a:srgbClr val="00B0F0"/>
-            </a:solidFill>
-            <a:tailEnd type="triangle"/>
-          </a:ln>
-        </p:spPr>
-        <p:style>
-          <a:lnRef idx="1">
-            <a:schemeClr val="accent1"/>
-          </a:lnRef>
-          <a:fillRef idx="0">
-            <a:schemeClr val="accent1"/>
-          </a:fillRef>
-          <a:effectRef idx="0">
-            <a:schemeClr val="accent1"/>
-          </a:effectRef>
-          <a:fontRef idx="minor">
-            <a:schemeClr val="tx1"/>
-          </a:fontRef>
-        </p:style>
-      </p:cxnSp>
-      <p:sp>
-        <p:nvSpPr>
-          <p:cNvPr id="10" name="TextBox 9"/>
-          <p:cNvSpPr txBox="1"/>
-          <p:nvPr/>
-        </p:nvSpPr>
-        <p:spPr>
-          <a:xfrm>
-            <a:off x="7789024" y="1087997"/>
-            <a:ext cx="4394130" cy="2031325"/>
-          </a:xfrm>
-          <a:prstGeom prst="rect">
-            <a:avLst/>
-          </a:prstGeom>
-          <a:noFill/>
-        </p:spPr>
-        <p:txBody>
-          <a:bodyPr wrap="square" rtlCol="0">
-            <a:spAutoFit/>
-          </a:bodyPr>
-          <a:lstStyle/>
-          <a:p>
-            <a:r>
-              <a:rPr lang="en-US" altLang="ko-KR" dirty="0" smtClean="0"/>
-              <a:t>* </a:t>
-            </a:r>
-            <a:r>
-              <a:rPr lang="en-US" altLang="ko-KR" dirty="0" err="1" smtClean="0"/>
-              <a:t>Hikari</a:t>
-            </a:r>
-            <a:r>
-              <a:rPr lang="en-US" altLang="ko-KR" dirty="0" smtClean="0"/>
-              <a:t> </a:t>
-            </a:r>
-          </a:p>
-          <a:p>
-            <a:pPr marL="285750" indent="-285750">
-              <a:buFontTx/>
-              <a:buChar char="-"/>
-            </a:pPr>
-            <a:r>
-              <a:rPr lang="en-US" altLang="ko-KR" dirty="0" err="1" smtClean="0"/>
-              <a:t>Hikari</a:t>
-            </a:r>
-            <a:r>
-              <a:rPr lang="ko-KR" altLang="en-US" dirty="0" smtClean="0"/>
-              <a:t>는 </a:t>
-            </a:r>
-            <a:r>
-              <a:rPr lang="en-US" altLang="ko-KR" dirty="0" smtClean="0"/>
-              <a:t>Database</a:t>
-            </a:r>
-            <a:r>
-              <a:rPr lang="ko-KR" altLang="en-US" dirty="0" smtClean="0"/>
-              <a:t>와 </a:t>
-            </a:r>
-            <a:r>
-              <a:rPr lang="en-US" altLang="ko-KR" dirty="0" smtClean="0"/>
-              <a:t>Connection Pool</a:t>
-            </a:r>
-            <a:r>
-              <a:rPr lang="ko-KR" altLang="en-US" dirty="0" smtClean="0"/>
-              <a:t>을 관리해주는 역할</a:t>
-            </a:r>
-            <a:endParaRPr lang="en-US" altLang="ko-KR" dirty="0" smtClean="0"/>
-          </a:p>
-          <a:p>
-            <a:pPr marL="285750" indent="-285750">
-              <a:buFontTx/>
-              <a:buChar char="-"/>
-            </a:pPr>
-            <a:r>
-              <a:rPr lang="ko-KR" altLang="en-US" dirty="0" smtClean="0"/>
-              <a:t>미리 정해놓은 만큼의 커넥션을 </a:t>
-            </a:r>
-            <a:r>
-              <a:rPr lang="en-US" altLang="ko-KR" dirty="0" smtClean="0"/>
-              <a:t>Pool</a:t>
-            </a:r>
-            <a:r>
-              <a:rPr lang="ko-KR" altLang="en-US" dirty="0" smtClean="0"/>
-              <a:t>을 담아놓고 요청이 들어오면 </a:t>
-            </a:r>
-            <a:r>
-              <a:rPr lang="en-US" altLang="ko-KR" dirty="0" smtClean="0"/>
-              <a:t>Thread</a:t>
-            </a:r>
-            <a:r>
-              <a:rPr lang="ko-KR" altLang="en-US" dirty="0" smtClean="0"/>
-              <a:t>가 커넥션을 요청하고</a:t>
-            </a:r>
-            <a:r>
-              <a:rPr lang="en-US" altLang="ko-KR" dirty="0" smtClean="0"/>
-              <a:t>, </a:t>
-            </a:r>
-            <a:r>
-              <a:rPr lang="en-US" altLang="ko-KR" dirty="0" err="1" smtClean="0"/>
-              <a:t>Hikari</a:t>
-            </a:r>
-            <a:r>
-              <a:rPr lang="ko-KR" altLang="en-US" dirty="0" smtClean="0"/>
-              <a:t>가 </a:t>
-            </a:r>
-            <a:r>
-              <a:rPr lang="en-US" altLang="ko-KR" dirty="0" smtClean="0"/>
-              <a:t>Pool</a:t>
-            </a:r>
-            <a:r>
-              <a:rPr lang="ko-KR" altLang="en-US" dirty="0" smtClean="0"/>
-              <a:t>내 있는 커넥션을 연결</a:t>
-            </a:r>
-            <a:endParaRPr lang="en-US" altLang="ko-KR" dirty="0" smtClean="0"/>
-          </a:p>
-        </p:txBody>
-      </p:sp>
-      <p:sp>
-        <p:nvSpPr>
-          <p:cNvPr id="8" name="직사각형 7"/>
-          <p:cNvSpPr/>
-          <p:nvPr/>
-        </p:nvSpPr>
-        <p:spPr>
-          <a:xfrm>
-            <a:off x="1521229" y="1612669"/>
-            <a:ext cx="3175462" cy="565265"/>
-          </a:xfrm>
-          <a:prstGeom prst="rect">
-            <a:avLst/>
-          </a:prstGeom>
-          <a:noFill/>
-          <a:ln w="38100">
-            <a:solidFill>
-              <a:srgbClr val="00B0F0"/>
-            </a:solidFill>
-          </a:ln>
-        </p:spPr>
-        <p:style>
-          <a:lnRef idx="2">
-            <a:schemeClr val="accent1">
-              <a:shade val="50000"/>
-            </a:schemeClr>
-          </a:lnRef>
-          <a:fillRef idx="1">
-            <a:schemeClr val="accent1"/>
-          </a:fillRef>
-          <a:effectRef idx="0">
-            <a:schemeClr val="accent1"/>
-          </a:effectRef>
-          <a:fontRef idx="minor">
-            <a:schemeClr val="lt1"/>
-          </a:fontRef>
-        </p:style>
-        <p:txBody>
-          <a:bodyPr rtlCol="0" anchor="ctr"/>
-          <a:lstStyle/>
-          <a:p>
-            <a:pPr algn="ctr"/>
-            <a:endParaRPr lang="ko-KR" altLang="en-US"/>
-          </a:p>
-        </p:txBody>
-      </p:sp>
-      <p:sp>
-        <p:nvSpPr>
-          <p:cNvPr id="11" name="TextBox 10"/>
-          <p:cNvSpPr txBox="1"/>
-          <p:nvPr/>
-        </p:nvSpPr>
-        <p:spPr>
-          <a:xfrm>
-            <a:off x="7797870" y="4504317"/>
-            <a:ext cx="4394130" cy="2308324"/>
-          </a:xfrm>
-          <a:prstGeom prst="rect">
-            <a:avLst/>
-          </a:prstGeom>
-          <a:noFill/>
-        </p:spPr>
-        <p:txBody>
-          <a:bodyPr wrap="square" rtlCol="0">
-            <a:spAutoFit/>
-          </a:bodyPr>
-          <a:lstStyle/>
-          <a:p>
-            <a:r>
-              <a:rPr lang="en-US" altLang="ko-KR" dirty="0" smtClean="0"/>
-              <a:t>## </a:t>
-            </a:r>
-            <a:r>
-              <a:rPr lang="en-US" altLang="ko-KR" dirty="0" err="1" smtClean="0"/>
-              <a:t>MariaDB</a:t>
-            </a:r>
-            <a:r>
-              <a:rPr lang="en-US" altLang="ko-KR" dirty="0" smtClean="0"/>
-              <a:t> </a:t>
-            </a:r>
-            <a:r>
-              <a:rPr lang="en-US" altLang="ko-KR" dirty="0" err="1" smtClean="0"/>
-              <a:t>Connention</a:t>
-            </a:r>
-            <a:endParaRPr lang="en-US" altLang="ko-KR" dirty="0" smtClean="0"/>
-          </a:p>
-          <a:p>
-            <a:r>
-              <a:rPr lang="en-US" altLang="ko-KR" dirty="0" err="1" smtClean="0"/>
-              <a:t>spring.datasource.driverClassName</a:t>
-            </a:r>
-            <a:r>
-              <a:rPr lang="en-US" altLang="ko-KR" dirty="0" smtClean="0"/>
-              <a:t>=</a:t>
-            </a:r>
-            <a:r>
-              <a:rPr lang="en-US" altLang="ko-KR" dirty="0" err="1" smtClean="0"/>
-              <a:t>org.mariadb.jdbc.Driver</a:t>
-            </a:r>
-            <a:endParaRPr lang="en-US" altLang="ko-KR" dirty="0"/>
-          </a:p>
-          <a:p>
-            <a:r>
-              <a:rPr lang="en-US" altLang="ko-KR" dirty="0"/>
-              <a:t>spring.datasource.url=</a:t>
-            </a:r>
-            <a:r>
-              <a:rPr lang="en-US" altLang="ko-KR" dirty="0" err="1"/>
-              <a:t>jdbc:mariadb</a:t>
-            </a:r>
-            <a:r>
-              <a:rPr lang="en-US" altLang="ko-KR" dirty="0"/>
-              <a:t>://localhost:3306/</a:t>
-            </a:r>
-            <a:r>
-              <a:rPr lang="en-US" altLang="ko-KR" dirty="0" err="1"/>
-              <a:t>ismaniatest?characterEncoding</a:t>
-            </a:r>
-            <a:r>
-              <a:rPr lang="en-US" altLang="ko-KR" dirty="0"/>
-              <a:t>=UTF-8&amp;serverTimezone=UTC</a:t>
-            </a:r>
-          </a:p>
-          <a:p>
-            <a:r>
-              <a:rPr lang="en-US" altLang="ko-KR" dirty="0" err="1"/>
-              <a:t>spring.datasource.username</a:t>
-            </a:r>
-            <a:r>
-              <a:rPr lang="en-US" altLang="ko-KR" dirty="0"/>
-              <a:t>=root</a:t>
-            </a:r>
-          </a:p>
-          <a:p>
-            <a:r>
-              <a:rPr lang="en-US" altLang="ko-KR" dirty="0" err="1"/>
-              <a:t>spring.datasource.password</a:t>
-            </a:r>
-            <a:r>
-              <a:rPr lang="en-US" altLang="ko-KR" dirty="0"/>
-              <a:t>=root</a:t>
-            </a:r>
-            <a:r>
-              <a:rPr lang="en-US" altLang="ko-KR" dirty="0" smtClean="0"/>
-              <a:t>!!</a:t>
-            </a:r>
-            <a:endParaRPr lang="en-US" altLang="ko-KR" dirty="0"/>
-          </a:p>
-        </p:txBody>
-      </p:sp>
-    </p:spTree>
-    <p:extLst>
-      <p:ext uri="{BB962C8B-B14F-4D97-AF65-F5344CB8AC3E}">
-        <p14:creationId xmlns:p14="http://schemas.microsoft.com/office/powerpoint/2010/main" val="739673036"/>
-      </p:ext>
-    </p:extLst>
-  </p:cSld>
-  <p:clrMapOvr>
-    <a:masterClrMapping/>
-  </p:clrMapOvr>
-</p:sld>
-</file>
-
-<file path=ppt/slides/slide37.xml><?xml version="1.0" encoding="utf-8"?>
-<p:sld xmlns:a="http://schemas.openxmlformats.org/drawingml/2006/main" xmlns:r="http://schemas.openxmlformats.org/officeDocument/2006/relationships" xmlns:p="http://schemas.openxmlformats.org/presentationml/2006/main">
-  <p:cSld>
-    <p:spTree>
-      <p:nvGrpSpPr>
-        <p:cNvPr id="1" name=""/>
-        <p:cNvGrpSpPr/>
-        <p:nvPr/>
-      </p:nvGrpSpPr>
-      <p:grpSpPr>
-        <a:xfrm>
-          <a:off x="0" y="0"/>
-          <a:ext cx="0" cy="0"/>
-          <a:chOff x="0" y="0"/>
-          <a:chExt cx="0" cy="0"/>
-        </a:xfrm>
-      </p:grpSpPr>
-      <p:sp>
-        <p:nvSpPr>
-          <p:cNvPr id="2" name="제목 1"/>
-          <p:cNvSpPr>
-            <a:spLocks noGrp="1"/>
-          </p:cNvSpPr>
-          <p:nvPr>
-            <p:ph type="ctrTitle"/>
-          </p:nvPr>
-        </p:nvSpPr>
-        <p:spPr/>
-        <p:txBody>
-          <a:bodyPr/>
-          <a:lstStyle/>
-          <a:p>
-            <a:r>
-              <a:rPr lang="en-US" altLang="ko-KR" dirty="0" smtClean="0"/>
-              <a:t>React</a:t>
-            </a:r>
-            <a:endParaRPr lang="ko-KR" altLang="en-US" dirty="0"/>
-          </a:p>
-        </p:txBody>
-      </p:sp>
-      <p:sp>
-        <p:nvSpPr>
-          <p:cNvPr id="3" name="부제목 2"/>
-          <p:cNvSpPr>
-            <a:spLocks noGrp="1"/>
-          </p:cNvSpPr>
-          <p:nvPr>
-            <p:ph type="subTitle" idx="1"/>
-          </p:nvPr>
-        </p:nvSpPr>
-        <p:spPr/>
-        <p:txBody>
-          <a:bodyPr/>
-          <a:lstStyle/>
-          <a:p>
-            <a:r>
-              <a:rPr lang="en-US" altLang="ko-KR" dirty="0" smtClean="0"/>
-              <a:t>1. </a:t>
-            </a:r>
-            <a:r>
-              <a:rPr lang="ko-KR" altLang="en-US" dirty="0" smtClean="0"/>
-              <a:t>사전 세팅</a:t>
-            </a:r>
-            <a:endParaRPr lang="ko-KR" altLang="en-US" dirty="0"/>
-          </a:p>
-        </p:txBody>
-      </p:sp>
-    </p:spTree>
-    <p:extLst>
-      <p:ext uri="{BB962C8B-B14F-4D97-AF65-F5344CB8AC3E}">
-        <p14:creationId xmlns:p14="http://schemas.microsoft.com/office/powerpoint/2010/main" val="3456050011"/>
-      </p:ext>
-    </p:extLst>
-  </p:cSld>
-  <p:clrMapOvr>
-    <a:masterClrMapping/>
-  </p:clrMapOvr>
-</p:sld>
-</file>
-
-<file path=ppt/slides/slide38.xml><?xml version="1.0" encoding="utf-8"?>
-<p:sld xmlns:a="http://schemas.openxmlformats.org/drawingml/2006/main" xmlns:r="http://schemas.openxmlformats.org/officeDocument/2006/relationships" xmlns:p="http://schemas.openxmlformats.org/presentationml/2006/main">
-  <p:cSld>
-    <p:spTree>
-      <p:nvGrpSpPr>
-        <p:cNvPr id="1" name=""/>
-        <p:cNvGrpSpPr/>
-        <p:nvPr/>
-      </p:nvGrpSpPr>
-      <p:grpSpPr>
-        <a:xfrm>
-          <a:off x="0" y="0"/>
-          <a:ext cx="0" cy="0"/>
-          <a:chOff x="0" y="0"/>
-          <a:chExt cx="0" cy="0"/>
-        </a:xfrm>
-      </p:grpSpPr>
-      <p:sp>
-        <p:nvSpPr>
-          <p:cNvPr id="5" name="TextBox 4"/>
-          <p:cNvSpPr txBox="1"/>
-          <p:nvPr/>
-        </p:nvSpPr>
-        <p:spPr>
-          <a:xfrm>
-            <a:off x="163044" y="200921"/>
-            <a:ext cx="10008295" cy="461665"/>
-          </a:xfrm>
-          <a:prstGeom prst="rect">
-            <a:avLst/>
-          </a:prstGeom>
-          <a:noFill/>
-        </p:spPr>
-        <p:txBody>
-          <a:bodyPr wrap="square" rtlCol="0">
-            <a:spAutoFit/>
-          </a:bodyPr>
-          <a:lstStyle/>
-          <a:p>
-            <a:r>
-              <a:rPr lang="en-US" altLang="ko-KR" sz="2400" b="1" dirty="0" smtClean="0"/>
-              <a:t>0. </a:t>
-            </a:r>
-            <a:endParaRPr lang="ko-KR" altLang="en-US" sz="2400" b="1" dirty="0"/>
-          </a:p>
-        </p:txBody>
-      </p:sp>
-      <p:sp>
-        <p:nvSpPr>
-          <p:cNvPr id="10" name="TextBox 9"/>
-          <p:cNvSpPr txBox="1"/>
-          <p:nvPr/>
-        </p:nvSpPr>
-        <p:spPr>
-          <a:xfrm>
-            <a:off x="163043" y="732978"/>
-            <a:ext cx="11873785" cy="369332"/>
-          </a:xfrm>
-          <a:prstGeom prst="rect">
-            <a:avLst/>
-          </a:prstGeom>
-          <a:noFill/>
-        </p:spPr>
-        <p:txBody>
-          <a:bodyPr wrap="square" rtlCol="0">
-            <a:spAutoFit/>
-          </a:bodyPr>
-          <a:lstStyle/>
-          <a:p>
-            <a:r>
-              <a:rPr lang="ko-KR" altLang="en-US" dirty="0" smtClean="0">
-                <a:solidFill>
-                  <a:srgbClr val="FF0000"/>
-                </a:solidFill>
-              </a:rPr>
-              <a:t>사전</a:t>
-            </a:r>
-            <a:r>
-              <a:rPr lang="en-US" altLang="ko-KR" dirty="0" smtClean="0">
-                <a:solidFill>
-                  <a:srgbClr val="FF0000"/>
-                </a:solidFill>
-              </a:rPr>
-              <a:t>, node.js </a:t>
-            </a:r>
-            <a:r>
-              <a:rPr lang="ko-KR" altLang="en-US" dirty="0" smtClean="0">
-                <a:solidFill>
-                  <a:srgbClr val="FF0000"/>
-                </a:solidFill>
-              </a:rPr>
-              <a:t>및 </a:t>
-            </a:r>
-            <a:r>
-              <a:rPr lang="en-US" altLang="ko-KR" dirty="0" err="1" smtClean="0">
-                <a:solidFill>
-                  <a:srgbClr val="FF0000"/>
-                </a:solidFill>
-              </a:rPr>
-              <a:t>npm</a:t>
-            </a:r>
-            <a:r>
-              <a:rPr lang="en-US" altLang="ko-KR" dirty="0" smtClean="0">
-                <a:solidFill>
-                  <a:srgbClr val="FF0000"/>
-                </a:solidFill>
-              </a:rPr>
-              <a:t> </a:t>
-            </a:r>
-            <a:r>
-              <a:rPr lang="ko-KR" altLang="en-US" dirty="0" smtClean="0">
-                <a:solidFill>
-                  <a:srgbClr val="FF0000"/>
-                </a:solidFill>
-              </a:rPr>
-              <a:t>설치</a:t>
-            </a:r>
-            <a:endParaRPr lang="en-US" altLang="ko-KR" dirty="0">
-              <a:solidFill>
-                <a:srgbClr val="FF0000"/>
-              </a:solidFill>
-            </a:endParaRPr>
-          </a:p>
-        </p:txBody>
-      </p:sp>
-    </p:spTree>
-    <p:extLst>
-      <p:ext uri="{BB962C8B-B14F-4D97-AF65-F5344CB8AC3E}">
-        <p14:creationId xmlns:p14="http://schemas.microsoft.com/office/powerpoint/2010/main" val="198589173"/>
-      </p:ext>
-    </p:extLst>
-  </p:cSld>
-  <p:clrMapOvr>
-    <a:masterClrMapping/>
-  </p:clrMapOvr>
-</p:sld>
-</file>
-
-<file path=ppt/slides/slide39.xml><?xml version="1.0" encoding="utf-8"?>
-<p:sld xmlns:a="http://schemas.openxmlformats.org/drawingml/2006/main" xmlns:r="http://schemas.openxmlformats.org/officeDocument/2006/relationships" xmlns:p="http://schemas.openxmlformats.org/presentationml/2006/main">
-  <p:cSld>
-    <p:spTree>
-      <p:nvGrpSpPr>
-        <p:cNvPr id="1" name=""/>
-        <p:cNvGrpSpPr/>
-        <p:nvPr/>
-      </p:nvGrpSpPr>
-      <p:grpSpPr>
-        <a:xfrm>
-          <a:off x="0" y="0"/>
-          <a:ext cx="0" cy="0"/>
-          <a:chOff x="0" y="0"/>
-          <a:chExt cx="0" cy="0"/>
-        </a:xfrm>
-      </p:grpSpPr>
-      <p:pic>
-        <p:nvPicPr>
-          <p:cNvPr id="2" name="그림 1"/>
-          <p:cNvPicPr>
-            <a:picLocks noChangeAspect="1"/>
-          </p:cNvPicPr>
-          <p:nvPr/>
-        </p:nvPicPr>
-        <p:blipFill>
-          <a:blip r:embed="rId2"/>
-          <a:stretch>
-            <a:fillRect/>
-          </a:stretch>
-        </p:blipFill>
-        <p:spPr>
-          <a:xfrm>
-            <a:off x="163044" y="1087997"/>
-            <a:ext cx="7255821" cy="5427138"/>
-          </a:xfrm>
-          <a:prstGeom prst="rect">
-            <a:avLst/>
-          </a:prstGeom>
-        </p:spPr>
-      </p:pic>
-      <p:sp>
-        <p:nvSpPr>
-          <p:cNvPr id="5" name="TextBox 4"/>
-          <p:cNvSpPr txBox="1"/>
-          <p:nvPr/>
-        </p:nvSpPr>
-        <p:spPr>
-          <a:xfrm>
-            <a:off x="163044" y="200921"/>
-            <a:ext cx="10008295" cy="461665"/>
-          </a:xfrm>
-          <a:prstGeom prst="rect">
-            <a:avLst/>
-          </a:prstGeom>
-          <a:noFill/>
-        </p:spPr>
-        <p:txBody>
-          <a:bodyPr wrap="square" rtlCol="0">
-            <a:spAutoFit/>
-          </a:bodyPr>
-          <a:lstStyle/>
-          <a:p>
-            <a:r>
-              <a:rPr lang="en-US" altLang="ko-KR" sz="2400" b="1" dirty="0" smtClean="0"/>
-              <a:t>1. React PJT </a:t>
-            </a:r>
-            <a:r>
-              <a:rPr lang="ko-KR" altLang="en-US" sz="2400" b="1" dirty="0" smtClean="0"/>
-              <a:t>생성</a:t>
-            </a:r>
-            <a:endParaRPr lang="ko-KR" altLang="en-US" sz="2400" b="1" dirty="0"/>
-          </a:p>
-        </p:txBody>
-      </p:sp>
-      <p:sp>
-        <p:nvSpPr>
-          <p:cNvPr id="7" name="직사각형 6"/>
-          <p:cNvSpPr/>
-          <p:nvPr/>
-        </p:nvSpPr>
-        <p:spPr>
-          <a:xfrm>
-            <a:off x="573577" y="5187142"/>
-            <a:ext cx="1828801" cy="277668"/>
-          </a:xfrm>
-          <a:prstGeom prst="rect">
-            <a:avLst/>
-          </a:prstGeom>
-          <a:noFill/>
-          <a:ln w="38100">
-            <a:solidFill>
-              <a:srgbClr val="00B0F0"/>
-            </a:solidFill>
-          </a:ln>
-        </p:spPr>
-        <p:style>
-          <a:lnRef idx="2">
-            <a:schemeClr val="accent1">
-              <a:shade val="50000"/>
-            </a:schemeClr>
-          </a:lnRef>
-          <a:fillRef idx="1">
-            <a:schemeClr val="accent1"/>
-          </a:fillRef>
-          <a:effectRef idx="0">
-            <a:schemeClr val="accent1"/>
-          </a:effectRef>
-          <a:fontRef idx="minor">
-            <a:schemeClr val="lt1"/>
-          </a:fontRef>
-        </p:style>
-        <p:txBody>
-          <a:bodyPr rtlCol="0" anchor="ctr"/>
-          <a:lstStyle/>
-          <a:p>
-            <a:pPr algn="ctr"/>
-            <a:endParaRPr lang="ko-KR" altLang="en-US"/>
-          </a:p>
-        </p:txBody>
-      </p:sp>
-      <p:cxnSp>
-        <p:nvCxnSpPr>
-          <p:cNvPr id="9" name="직선 화살표 연결선 8"/>
-          <p:cNvCxnSpPr/>
-          <p:nvPr/>
-        </p:nvCxnSpPr>
-        <p:spPr>
-          <a:xfrm flipV="1">
-            <a:off x="2402378" y="5313507"/>
-            <a:ext cx="5386646" cy="12469"/>
-          </a:xfrm>
-          <a:prstGeom prst="straightConnector1">
-            <a:avLst/>
-          </a:prstGeom>
-          <a:ln>
-            <a:solidFill>
-              <a:srgbClr val="00B0F0"/>
-            </a:solidFill>
-            <a:tailEnd type="triangle"/>
-          </a:ln>
-        </p:spPr>
-        <p:style>
-          <a:lnRef idx="1">
-            <a:schemeClr val="accent1"/>
-          </a:lnRef>
-          <a:fillRef idx="0">
-            <a:schemeClr val="accent1"/>
-          </a:fillRef>
-          <a:effectRef idx="0">
-            <a:schemeClr val="accent1"/>
-          </a:effectRef>
-          <a:fontRef idx="minor">
-            <a:schemeClr val="tx1"/>
-          </a:fontRef>
-        </p:style>
-      </p:cxnSp>
-      <p:sp>
-        <p:nvSpPr>
-          <p:cNvPr id="10" name="TextBox 9"/>
-          <p:cNvSpPr txBox="1"/>
-          <p:nvPr/>
-        </p:nvSpPr>
-        <p:spPr>
-          <a:xfrm>
-            <a:off x="7789024" y="5002810"/>
-            <a:ext cx="4394130" cy="646331"/>
-          </a:xfrm>
-          <a:prstGeom prst="rect">
-            <a:avLst/>
-          </a:prstGeom>
-          <a:noFill/>
-        </p:spPr>
-        <p:txBody>
-          <a:bodyPr wrap="square" rtlCol="0">
-            <a:spAutoFit/>
-          </a:bodyPr>
-          <a:lstStyle/>
-          <a:p>
-            <a:r>
-              <a:rPr lang="en-US" altLang="ko-KR" dirty="0" smtClean="0"/>
-              <a:t>“</a:t>
-            </a:r>
-            <a:r>
-              <a:rPr lang="en-US" altLang="ko-KR" dirty="0" err="1" smtClean="0"/>
-              <a:t>npx</a:t>
-            </a:r>
-            <a:r>
-              <a:rPr lang="en-US" altLang="ko-KR" dirty="0" smtClean="0"/>
-              <a:t> create-react-app </a:t>
-            </a:r>
-            <a:r>
-              <a:rPr lang="en-US" altLang="ko-KR" dirty="0" err="1" smtClean="0"/>
-              <a:t>pjtName</a:t>
-            </a:r>
-            <a:r>
-              <a:rPr lang="en-US" altLang="ko-KR" dirty="0" smtClean="0"/>
-              <a:t>” </a:t>
-            </a:r>
-            <a:r>
-              <a:rPr lang="ko-KR" altLang="en-US" dirty="0" smtClean="0"/>
-              <a:t>명령어를 통해 </a:t>
-            </a:r>
-            <a:r>
-              <a:rPr lang="en-US" altLang="ko-KR" dirty="0" smtClean="0"/>
-              <a:t>React </a:t>
-            </a:r>
-            <a:r>
-              <a:rPr lang="ko-KR" altLang="en-US" dirty="0" smtClean="0"/>
-              <a:t>프로젝트 생성</a:t>
-            </a:r>
-            <a:r>
-              <a:rPr lang="en-US" altLang="ko-KR" dirty="0" smtClean="0"/>
-              <a:t>.</a:t>
-            </a:r>
-            <a:endParaRPr lang="ko-KR" altLang="en-US" dirty="0"/>
-          </a:p>
-        </p:txBody>
-      </p:sp>
-    </p:spTree>
-    <p:extLst>
-      <p:ext uri="{BB962C8B-B14F-4D97-AF65-F5344CB8AC3E}">
-        <p14:creationId xmlns:p14="http://schemas.microsoft.com/office/powerpoint/2010/main" val="877759609"/>
+        <p14:creationId xmlns:p14="http://schemas.microsoft.com/office/powerpoint/2010/main" val="3681124306"/>
       </p:ext>
     </p:extLst>
   </p:cSld>
@@ -12094,869 +9172,6 @@
     <p:extLst>
       <p:ext uri="{BB962C8B-B14F-4D97-AF65-F5344CB8AC3E}">
         <p14:creationId xmlns:p14="http://schemas.microsoft.com/office/powerpoint/2010/main" val="1388170042"/>
-      </p:ext>
-    </p:extLst>
-  </p:cSld>
-  <p:clrMapOvr>
-    <a:masterClrMapping/>
-  </p:clrMapOvr>
-</p:sld>
-</file>
-
-<file path=ppt/slides/slide40.xml><?xml version="1.0" encoding="utf-8"?>
-<p:sld xmlns:a="http://schemas.openxmlformats.org/drawingml/2006/main" xmlns:r="http://schemas.openxmlformats.org/officeDocument/2006/relationships" xmlns:p="http://schemas.openxmlformats.org/presentationml/2006/main">
-  <p:cSld>
-    <p:spTree>
-      <p:nvGrpSpPr>
-        <p:cNvPr id="1" name=""/>
-        <p:cNvGrpSpPr/>
-        <p:nvPr/>
-      </p:nvGrpSpPr>
-      <p:grpSpPr>
-        <a:xfrm>
-          <a:off x="0" y="0"/>
-          <a:ext cx="0" cy="0"/>
-          <a:chOff x="0" y="0"/>
-          <a:chExt cx="0" cy="0"/>
-        </a:xfrm>
-      </p:grpSpPr>
-      <p:pic>
-        <p:nvPicPr>
-          <p:cNvPr id="8" name="그림 7"/>
-          <p:cNvPicPr>
-            <a:picLocks noChangeAspect="1"/>
-          </p:cNvPicPr>
-          <p:nvPr/>
-        </p:nvPicPr>
-        <p:blipFill>
-          <a:blip r:embed="rId2"/>
-          <a:stretch>
-            <a:fillRect/>
-          </a:stretch>
-        </p:blipFill>
-        <p:spPr>
-          <a:xfrm>
-            <a:off x="163045" y="1087998"/>
-            <a:ext cx="7255820" cy="5427138"/>
-          </a:xfrm>
-          <a:prstGeom prst="rect">
-            <a:avLst/>
-          </a:prstGeom>
-        </p:spPr>
-      </p:pic>
-      <p:sp>
-        <p:nvSpPr>
-          <p:cNvPr id="5" name="TextBox 4"/>
-          <p:cNvSpPr txBox="1"/>
-          <p:nvPr/>
-        </p:nvSpPr>
-        <p:spPr>
-          <a:xfrm>
-            <a:off x="163044" y="200921"/>
-            <a:ext cx="10008295" cy="461665"/>
-          </a:xfrm>
-          <a:prstGeom prst="rect">
-            <a:avLst/>
-          </a:prstGeom>
-          <a:noFill/>
-        </p:spPr>
-        <p:txBody>
-          <a:bodyPr wrap="square" rtlCol="0">
-            <a:spAutoFit/>
-          </a:bodyPr>
-          <a:lstStyle/>
-          <a:p>
-            <a:r>
-              <a:rPr lang="en-US" altLang="ko-KR" sz="2400" b="1" dirty="0" smtClean="0"/>
-              <a:t>1. React PJT </a:t>
-            </a:r>
-            <a:r>
-              <a:rPr lang="ko-KR" altLang="en-US" sz="2400" b="1" dirty="0" smtClean="0"/>
-              <a:t>실행 확인</a:t>
-            </a:r>
-            <a:endParaRPr lang="ko-KR" altLang="en-US" sz="2400" b="1" dirty="0"/>
-          </a:p>
-        </p:txBody>
-      </p:sp>
-      <p:sp>
-        <p:nvSpPr>
-          <p:cNvPr id="7" name="직사각형 6"/>
-          <p:cNvSpPr/>
-          <p:nvPr/>
-        </p:nvSpPr>
-        <p:spPr>
-          <a:xfrm>
-            <a:off x="573577" y="6143106"/>
-            <a:ext cx="1828801" cy="277668"/>
-          </a:xfrm>
-          <a:prstGeom prst="rect">
-            <a:avLst/>
-          </a:prstGeom>
-          <a:noFill/>
-          <a:ln w="38100">
-            <a:solidFill>
-              <a:srgbClr val="00B0F0"/>
-            </a:solidFill>
-          </a:ln>
-        </p:spPr>
-        <p:style>
-          <a:lnRef idx="2">
-            <a:schemeClr val="accent1">
-              <a:shade val="50000"/>
-            </a:schemeClr>
-          </a:lnRef>
-          <a:fillRef idx="1">
-            <a:schemeClr val="accent1"/>
-          </a:fillRef>
-          <a:effectRef idx="0">
-            <a:schemeClr val="accent1"/>
-          </a:effectRef>
-          <a:fontRef idx="minor">
-            <a:schemeClr val="lt1"/>
-          </a:fontRef>
-        </p:style>
-        <p:txBody>
-          <a:bodyPr rtlCol="0" anchor="ctr"/>
-          <a:lstStyle/>
-          <a:p>
-            <a:pPr algn="ctr"/>
-            <a:endParaRPr lang="ko-KR" altLang="en-US"/>
-          </a:p>
-        </p:txBody>
-      </p:sp>
-      <p:sp>
-        <p:nvSpPr>
-          <p:cNvPr id="10" name="TextBox 9"/>
-          <p:cNvSpPr txBox="1"/>
-          <p:nvPr/>
-        </p:nvSpPr>
-        <p:spPr>
-          <a:xfrm>
-            <a:off x="7789024" y="5002810"/>
-            <a:ext cx="4394130" cy="923330"/>
-          </a:xfrm>
-          <a:prstGeom prst="rect">
-            <a:avLst/>
-          </a:prstGeom>
-          <a:noFill/>
-        </p:spPr>
-        <p:txBody>
-          <a:bodyPr wrap="square" rtlCol="0">
-            <a:spAutoFit/>
-          </a:bodyPr>
-          <a:lstStyle/>
-          <a:p>
-            <a:r>
-              <a:rPr lang="ko-KR" altLang="en-US" dirty="0" smtClean="0"/>
-              <a:t>프로젝트 경로로 이동</a:t>
-            </a:r>
-            <a:r>
-              <a:rPr lang="en-US" altLang="ko-KR" dirty="0" smtClean="0"/>
-              <a:t>.</a:t>
-            </a:r>
-          </a:p>
-          <a:p>
-            <a:r>
-              <a:rPr lang="en-US" altLang="ko-KR" dirty="0" smtClean="0"/>
-              <a:t>“yarn start” </a:t>
-            </a:r>
-            <a:r>
-              <a:rPr lang="ko-KR" altLang="en-US" dirty="0" smtClean="0"/>
-              <a:t>명령어를 통해 </a:t>
-            </a:r>
-            <a:r>
-              <a:rPr lang="en-US" altLang="ko-KR" dirty="0" smtClean="0"/>
-              <a:t>React </a:t>
-            </a:r>
-            <a:r>
-              <a:rPr lang="ko-KR" altLang="en-US" dirty="0" smtClean="0"/>
-              <a:t>프로젝트 실행</a:t>
-            </a:r>
-            <a:r>
-              <a:rPr lang="en-US" altLang="ko-KR" dirty="0" smtClean="0"/>
-              <a:t>.</a:t>
-            </a:r>
-            <a:endParaRPr lang="ko-KR" altLang="en-US" dirty="0"/>
-          </a:p>
-        </p:txBody>
-      </p:sp>
-      <p:cxnSp>
-        <p:nvCxnSpPr>
-          <p:cNvPr id="4" name="꺾인 연결선 3"/>
-          <p:cNvCxnSpPr>
-            <a:stCxn id="7" idx="3"/>
-            <a:endCxn id="10" idx="1"/>
-          </p:cNvCxnSpPr>
-          <p:nvPr/>
-        </p:nvCxnSpPr>
-        <p:spPr>
-          <a:xfrm flipV="1">
-            <a:off x="2402378" y="5464475"/>
-            <a:ext cx="5386646" cy="817465"/>
-          </a:xfrm>
-          <a:prstGeom prst="bentConnector3">
-            <a:avLst/>
-          </a:prstGeom>
-          <a:ln>
-            <a:solidFill>
-              <a:srgbClr val="00B0F0"/>
-            </a:solidFill>
-            <a:tailEnd type="triangle"/>
-          </a:ln>
-        </p:spPr>
-        <p:style>
-          <a:lnRef idx="1">
-            <a:schemeClr val="accent1"/>
-          </a:lnRef>
-          <a:fillRef idx="0">
-            <a:schemeClr val="accent1"/>
-          </a:fillRef>
-          <a:effectRef idx="0">
-            <a:schemeClr val="accent1"/>
-          </a:effectRef>
-          <a:fontRef idx="minor">
-            <a:schemeClr val="tx1"/>
-          </a:fontRef>
-        </p:style>
-      </p:cxnSp>
-    </p:spTree>
-    <p:extLst>
-      <p:ext uri="{BB962C8B-B14F-4D97-AF65-F5344CB8AC3E}">
-        <p14:creationId xmlns:p14="http://schemas.microsoft.com/office/powerpoint/2010/main" val="3500613467"/>
-      </p:ext>
-    </p:extLst>
-  </p:cSld>
-  <p:clrMapOvr>
-    <a:masterClrMapping/>
-  </p:clrMapOvr>
-</p:sld>
-</file>
-
-<file path=ppt/slides/slide41.xml><?xml version="1.0" encoding="utf-8"?>
-<p:sld xmlns:a="http://schemas.openxmlformats.org/drawingml/2006/main" xmlns:r="http://schemas.openxmlformats.org/officeDocument/2006/relationships" xmlns:p="http://schemas.openxmlformats.org/presentationml/2006/main">
-  <p:cSld>
-    <p:spTree>
-      <p:nvGrpSpPr>
-        <p:cNvPr id="1" name=""/>
-        <p:cNvGrpSpPr/>
-        <p:nvPr/>
-      </p:nvGrpSpPr>
-      <p:grpSpPr>
-        <a:xfrm>
-          <a:off x="0" y="0"/>
-          <a:ext cx="0" cy="0"/>
-          <a:chOff x="0" y="0"/>
-          <a:chExt cx="0" cy="0"/>
-        </a:xfrm>
-      </p:grpSpPr>
-      <p:pic>
-        <p:nvPicPr>
-          <p:cNvPr id="6" name="그림 5"/>
-          <p:cNvPicPr>
-            <a:picLocks noChangeAspect="1"/>
-          </p:cNvPicPr>
-          <p:nvPr/>
-        </p:nvPicPr>
-        <p:blipFill>
-          <a:blip r:embed="rId2"/>
-          <a:stretch>
-            <a:fillRect/>
-          </a:stretch>
-        </p:blipFill>
-        <p:spPr>
-          <a:xfrm>
-            <a:off x="163044" y="1087998"/>
-            <a:ext cx="7255821" cy="5427138"/>
-          </a:xfrm>
-          <a:prstGeom prst="rect">
-            <a:avLst/>
-          </a:prstGeom>
-        </p:spPr>
-      </p:pic>
-      <p:sp>
-        <p:nvSpPr>
-          <p:cNvPr id="5" name="TextBox 4"/>
-          <p:cNvSpPr txBox="1"/>
-          <p:nvPr/>
-        </p:nvSpPr>
-        <p:spPr>
-          <a:xfrm>
-            <a:off x="163044" y="200921"/>
-            <a:ext cx="10008295" cy="461665"/>
-          </a:xfrm>
-          <a:prstGeom prst="rect">
-            <a:avLst/>
-          </a:prstGeom>
-          <a:noFill/>
-        </p:spPr>
-        <p:txBody>
-          <a:bodyPr wrap="square" rtlCol="0">
-            <a:spAutoFit/>
-          </a:bodyPr>
-          <a:lstStyle/>
-          <a:p>
-            <a:r>
-              <a:rPr lang="en-US" altLang="ko-KR" sz="2400" b="1" dirty="0" smtClean="0"/>
-              <a:t>1. React PJT </a:t>
-            </a:r>
-            <a:r>
-              <a:rPr lang="ko-KR" altLang="en-US" sz="2400" b="1" dirty="0" smtClean="0"/>
-              <a:t>실행 확인</a:t>
-            </a:r>
-            <a:endParaRPr lang="ko-KR" altLang="en-US" sz="2400" b="1" dirty="0"/>
-          </a:p>
-        </p:txBody>
-      </p:sp>
-      <p:sp>
-        <p:nvSpPr>
-          <p:cNvPr id="7" name="직사각형 6"/>
-          <p:cNvSpPr/>
-          <p:nvPr/>
-        </p:nvSpPr>
-        <p:spPr>
-          <a:xfrm>
-            <a:off x="698268" y="1288473"/>
-            <a:ext cx="822961" cy="277668"/>
-          </a:xfrm>
-          <a:prstGeom prst="rect">
-            <a:avLst/>
-          </a:prstGeom>
-          <a:noFill/>
-          <a:ln w="38100">
-            <a:solidFill>
-              <a:srgbClr val="00B0F0"/>
-            </a:solidFill>
-          </a:ln>
-        </p:spPr>
-        <p:style>
-          <a:lnRef idx="2">
-            <a:schemeClr val="accent1">
-              <a:shade val="50000"/>
-            </a:schemeClr>
-          </a:lnRef>
-          <a:fillRef idx="1">
-            <a:schemeClr val="accent1"/>
-          </a:fillRef>
-          <a:effectRef idx="0">
-            <a:schemeClr val="accent1"/>
-          </a:effectRef>
-          <a:fontRef idx="minor">
-            <a:schemeClr val="lt1"/>
-          </a:fontRef>
-        </p:style>
-        <p:txBody>
-          <a:bodyPr rtlCol="0" anchor="ctr"/>
-          <a:lstStyle/>
-          <a:p>
-            <a:pPr algn="ctr"/>
-            <a:endParaRPr lang="ko-KR" altLang="en-US"/>
-          </a:p>
-        </p:txBody>
-      </p:sp>
-      <p:sp>
-        <p:nvSpPr>
-          <p:cNvPr id="10" name="TextBox 9"/>
-          <p:cNvSpPr txBox="1"/>
-          <p:nvPr/>
-        </p:nvSpPr>
-        <p:spPr>
-          <a:xfrm>
-            <a:off x="7722524" y="965642"/>
-            <a:ext cx="4394130" cy="646331"/>
-          </a:xfrm>
-          <a:prstGeom prst="rect">
-            <a:avLst/>
-          </a:prstGeom>
-          <a:noFill/>
-        </p:spPr>
-        <p:txBody>
-          <a:bodyPr wrap="square" rtlCol="0">
-            <a:spAutoFit/>
-          </a:bodyPr>
-          <a:lstStyle/>
-          <a:p>
-            <a:r>
-              <a:rPr lang="en-US" altLang="ko-KR" dirty="0" smtClean="0"/>
-              <a:t>Localhost:300 </a:t>
-            </a:r>
-            <a:r>
-              <a:rPr lang="ko-KR" altLang="en-US" dirty="0" smtClean="0"/>
-              <a:t>접속하여 </a:t>
-            </a:r>
-            <a:endParaRPr lang="en-US" altLang="ko-KR" dirty="0" smtClean="0"/>
-          </a:p>
-          <a:p>
-            <a:r>
-              <a:rPr lang="en-US" altLang="ko-KR" dirty="0" smtClean="0"/>
-              <a:t>React PJT </a:t>
-            </a:r>
-            <a:r>
-              <a:rPr lang="ko-KR" altLang="en-US" dirty="0" smtClean="0"/>
-              <a:t>최종 실행 확인</a:t>
-            </a:r>
-            <a:endParaRPr lang="ko-KR" altLang="en-US" dirty="0"/>
-          </a:p>
-        </p:txBody>
-      </p:sp>
-      <p:cxnSp>
-        <p:nvCxnSpPr>
-          <p:cNvPr id="9" name="직선 화살표 연결선 8"/>
-          <p:cNvCxnSpPr/>
-          <p:nvPr/>
-        </p:nvCxnSpPr>
-        <p:spPr>
-          <a:xfrm flipV="1">
-            <a:off x="1521229" y="1433542"/>
-            <a:ext cx="6201295" cy="1"/>
-          </a:xfrm>
-          <a:prstGeom prst="straightConnector1">
-            <a:avLst/>
-          </a:prstGeom>
-          <a:ln>
-            <a:solidFill>
-              <a:srgbClr val="00B0F0"/>
-            </a:solidFill>
-            <a:tailEnd type="triangle"/>
-          </a:ln>
-        </p:spPr>
-        <p:style>
-          <a:lnRef idx="1">
-            <a:schemeClr val="accent1"/>
-          </a:lnRef>
-          <a:fillRef idx="0">
-            <a:schemeClr val="accent1"/>
-          </a:fillRef>
-          <a:effectRef idx="0">
-            <a:schemeClr val="accent1"/>
-          </a:effectRef>
-          <a:fontRef idx="minor">
-            <a:schemeClr val="tx1"/>
-          </a:fontRef>
-        </p:style>
-      </p:cxnSp>
-    </p:spTree>
-    <p:extLst>
-      <p:ext uri="{BB962C8B-B14F-4D97-AF65-F5344CB8AC3E}">
-        <p14:creationId xmlns:p14="http://schemas.microsoft.com/office/powerpoint/2010/main" val="911187303"/>
-      </p:ext>
-    </p:extLst>
-  </p:cSld>
-  <p:clrMapOvr>
-    <a:masterClrMapping/>
-  </p:clrMapOvr>
-</p:sld>
-</file>
-
-<file path=ppt/slides/slide42.xml><?xml version="1.0" encoding="utf-8"?>
-<p:sld xmlns:a="http://schemas.openxmlformats.org/drawingml/2006/main" xmlns:r="http://schemas.openxmlformats.org/officeDocument/2006/relationships" xmlns:p="http://schemas.openxmlformats.org/presentationml/2006/main">
-  <p:cSld>
-    <p:spTree>
-      <p:nvGrpSpPr>
-        <p:cNvPr id="1" name=""/>
-        <p:cNvGrpSpPr/>
-        <p:nvPr/>
-      </p:nvGrpSpPr>
-      <p:grpSpPr>
-        <a:xfrm>
-          <a:off x="0" y="0"/>
-          <a:ext cx="0" cy="0"/>
-          <a:chOff x="0" y="0"/>
-          <a:chExt cx="0" cy="0"/>
-        </a:xfrm>
-      </p:grpSpPr>
-      <p:sp>
-        <p:nvSpPr>
-          <p:cNvPr id="2" name="제목 1"/>
-          <p:cNvSpPr>
-            <a:spLocks noGrp="1"/>
-          </p:cNvSpPr>
-          <p:nvPr>
-            <p:ph type="ctrTitle"/>
-          </p:nvPr>
-        </p:nvSpPr>
-        <p:spPr/>
-        <p:txBody>
-          <a:bodyPr/>
-          <a:lstStyle/>
-          <a:p>
-            <a:r>
-              <a:rPr lang="en-US" altLang="ko-KR" dirty="0" smtClean="0"/>
-              <a:t>React + Spring Boot</a:t>
-            </a:r>
-            <a:endParaRPr lang="ko-KR" altLang="en-US" dirty="0"/>
-          </a:p>
-        </p:txBody>
-      </p:sp>
-      <p:sp>
-        <p:nvSpPr>
-          <p:cNvPr id="3" name="부제목 2"/>
-          <p:cNvSpPr>
-            <a:spLocks noGrp="1"/>
-          </p:cNvSpPr>
-          <p:nvPr>
-            <p:ph type="subTitle" idx="1"/>
-          </p:nvPr>
-        </p:nvSpPr>
-        <p:spPr/>
-        <p:txBody>
-          <a:bodyPr/>
-          <a:lstStyle/>
-          <a:p>
-            <a:r>
-              <a:rPr lang="en-US" altLang="ko-KR" dirty="0" smtClean="0"/>
-              <a:t>1. </a:t>
-            </a:r>
-            <a:endParaRPr lang="ko-KR" altLang="en-US" dirty="0"/>
-          </a:p>
-        </p:txBody>
-      </p:sp>
-    </p:spTree>
-    <p:extLst>
-      <p:ext uri="{BB962C8B-B14F-4D97-AF65-F5344CB8AC3E}">
-        <p14:creationId xmlns:p14="http://schemas.microsoft.com/office/powerpoint/2010/main" val="696595208"/>
-      </p:ext>
-    </p:extLst>
-  </p:cSld>
-  <p:clrMapOvr>
-    <a:masterClrMapping/>
-  </p:clrMapOvr>
-</p:sld>
-</file>
-
-<file path=ppt/slides/slide43.xml><?xml version="1.0" encoding="utf-8"?>
-<p:sld xmlns:a="http://schemas.openxmlformats.org/drawingml/2006/main" xmlns:r="http://schemas.openxmlformats.org/officeDocument/2006/relationships" xmlns:p="http://schemas.openxmlformats.org/presentationml/2006/main">
-  <p:cSld>
-    <p:spTree>
-      <p:nvGrpSpPr>
-        <p:cNvPr id="1" name=""/>
-        <p:cNvGrpSpPr/>
-        <p:nvPr/>
-      </p:nvGrpSpPr>
-      <p:grpSpPr>
-        <a:xfrm>
-          <a:off x="0" y="0"/>
-          <a:ext cx="0" cy="0"/>
-          <a:chOff x="0" y="0"/>
-          <a:chExt cx="0" cy="0"/>
-        </a:xfrm>
-      </p:grpSpPr>
-      <p:pic>
-        <p:nvPicPr>
-          <p:cNvPr id="3" name="그림 2"/>
-          <p:cNvPicPr>
-            <a:picLocks noChangeAspect="1"/>
-          </p:cNvPicPr>
-          <p:nvPr/>
-        </p:nvPicPr>
-        <p:blipFill>
-          <a:blip r:embed="rId2"/>
-          <a:stretch>
-            <a:fillRect/>
-          </a:stretch>
-        </p:blipFill>
-        <p:spPr>
-          <a:xfrm>
-            <a:off x="163045" y="1087997"/>
-            <a:ext cx="7259314" cy="5427138"/>
-          </a:xfrm>
-          <a:prstGeom prst="rect">
-            <a:avLst/>
-          </a:prstGeom>
-        </p:spPr>
-      </p:pic>
-      <p:sp>
-        <p:nvSpPr>
-          <p:cNvPr id="5" name="TextBox 4"/>
-          <p:cNvSpPr txBox="1"/>
-          <p:nvPr/>
-        </p:nvSpPr>
-        <p:spPr>
-          <a:xfrm>
-            <a:off x="163044" y="200921"/>
-            <a:ext cx="10008295" cy="461665"/>
-          </a:xfrm>
-          <a:prstGeom prst="rect">
-            <a:avLst/>
-          </a:prstGeom>
-          <a:noFill/>
-        </p:spPr>
-        <p:txBody>
-          <a:bodyPr wrap="square" rtlCol="0">
-            <a:spAutoFit/>
-          </a:bodyPr>
-          <a:lstStyle/>
-          <a:p>
-            <a:r>
-              <a:rPr lang="en-US" altLang="ko-KR" sz="2400" b="1" dirty="0" smtClean="0"/>
-              <a:t>1. CORS </a:t>
-            </a:r>
-            <a:r>
-              <a:rPr lang="ko-KR" altLang="en-US" sz="2400" b="1" dirty="0" smtClean="0"/>
-              <a:t>해결을 위한 </a:t>
-            </a:r>
-            <a:r>
-              <a:rPr lang="en-US" altLang="ko-KR" sz="2400" b="1" dirty="0" smtClean="0"/>
-              <a:t>Proxy </a:t>
-            </a:r>
-            <a:r>
-              <a:rPr lang="ko-KR" altLang="en-US" sz="2400" b="1" smtClean="0"/>
-              <a:t>등록</a:t>
-            </a:r>
-            <a:endParaRPr lang="ko-KR" altLang="en-US" sz="2400" b="1" dirty="0"/>
-          </a:p>
-        </p:txBody>
-      </p:sp>
-      <p:sp>
-        <p:nvSpPr>
-          <p:cNvPr id="7" name="직사각형 6"/>
-          <p:cNvSpPr/>
-          <p:nvPr/>
-        </p:nvSpPr>
-        <p:spPr>
-          <a:xfrm>
-            <a:off x="473825" y="5145578"/>
-            <a:ext cx="1496291" cy="180397"/>
-          </a:xfrm>
-          <a:prstGeom prst="rect">
-            <a:avLst/>
-          </a:prstGeom>
-          <a:noFill/>
-          <a:ln w="38100">
-            <a:solidFill>
-              <a:srgbClr val="00B0F0"/>
-            </a:solidFill>
-          </a:ln>
-        </p:spPr>
-        <p:style>
-          <a:lnRef idx="2">
-            <a:schemeClr val="accent1">
-              <a:shade val="50000"/>
-            </a:schemeClr>
-          </a:lnRef>
-          <a:fillRef idx="1">
-            <a:schemeClr val="accent1"/>
-          </a:fillRef>
-          <a:effectRef idx="0">
-            <a:schemeClr val="accent1"/>
-          </a:effectRef>
-          <a:fontRef idx="minor">
-            <a:schemeClr val="lt1"/>
-          </a:fontRef>
-        </p:style>
-        <p:txBody>
-          <a:bodyPr rtlCol="0" anchor="ctr"/>
-          <a:lstStyle/>
-          <a:p>
-            <a:pPr algn="ctr"/>
-            <a:endParaRPr lang="ko-KR" altLang="en-US"/>
-          </a:p>
-        </p:txBody>
-      </p:sp>
-      <p:cxnSp>
-        <p:nvCxnSpPr>
-          <p:cNvPr id="9" name="직선 화살표 연결선 8"/>
-          <p:cNvCxnSpPr/>
-          <p:nvPr/>
-        </p:nvCxnSpPr>
-        <p:spPr>
-          <a:xfrm flipV="1">
-            <a:off x="4056611" y="3261320"/>
-            <a:ext cx="3732413" cy="8641"/>
-          </a:xfrm>
-          <a:prstGeom prst="straightConnector1">
-            <a:avLst/>
-          </a:prstGeom>
-          <a:ln>
-            <a:solidFill>
-              <a:srgbClr val="00B0F0"/>
-            </a:solidFill>
-            <a:tailEnd type="triangle"/>
-          </a:ln>
-        </p:spPr>
-        <p:style>
-          <a:lnRef idx="1">
-            <a:schemeClr val="accent1"/>
-          </a:lnRef>
-          <a:fillRef idx="0">
-            <a:schemeClr val="accent1"/>
-          </a:fillRef>
-          <a:effectRef idx="0">
-            <a:schemeClr val="accent1"/>
-          </a:effectRef>
-          <a:fontRef idx="minor">
-            <a:schemeClr val="tx1"/>
-          </a:fontRef>
-        </p:style>
-      </p:cxnSp>
-      <p:sp>
-        <p:nvSpPr>
-          <p:cNvPr id="10" name="TextBox 9"/>
-          <p:cNvSpPr txBox="1"/>
-          <p:nvPr/>
-        </p:nvSpPr>
-        <p:spPr>
-          <a:xfrm>
-            <a:off x="7789024" y="2938154"/>
-            <a:ext cx="4394130" cy="2308324"/>
-          </a:xfrm>
-          <a:prstGeom prst="rect">
-            <a:avLst/>
-          </a:prstGeom>
-          <a:noFill/>
-        </p:spPr>
-        <p:txBody>
-          <a:bodyPr wrap="square" rtlCol="0">
-            <a:spAutoFit/>
-          </a:bodyPr>
-          <a:lstStyle/>
-          <a:p>
-            <a:r>
-              <a:rPr lang="en-US" altLang="ko-KR" dirty="0" smtClean="0"/>
-              <a:t>Spring Boot</a:t>
-            </a:r>
-            <a:r>
-              <a:rPr lang="ko-KR" altLang="en-US" dirty="0" smtClean="0"/>
-              <a:t>는 </a:t>
-            </a:r>
-            <a:r>
-              <a:rPr lang="en-US" altLang="ko-KR" dirty="0" smtClean="0"/>
-              <a:t>8080 </a:t>
-            </a:r>
-            <a:r>
-              <a:rPr lang="ko-KR" altLang="en-US" dirty="0" smtClean="0"/>
-              <a:t>포트에서</a:t>
-            </a:r>
-            <a:r>
-              <a:rPr lang="en-US" altLang="ko-KR" dirty="0" smtClean="0"/>
-              <a:t>, React</a:t>
-            </a:r>
-            <a:r>
-              <a:rPr lang="ko-KR" altLang="en-US" dirty="0" smtClean="0"/>
-              <a:t>는 </a:t>
-            </a:r>
-            <a:r>
-              <a:rPr lang="en-US" altLang="ko-KR" dirty="0" smtClean="0"/>
-              <a:t>3000 </a:t>
-            </a:r>
-            <a:r>
-              <a:rPr lang="ko-KR" altLang="en-US" dirty="0" smtClean="0"/>
-              <a:t>포트에서 실행되므로</a:t>
-            </a:r>
-            <a:r>
-              <a:rPr lang="en-US" altLang="ko-KR" dirty="0" smtClean="0"/>
-              <a:t>, CORS( cross-origin requests)</a:t>
-            </a:r>
-            <a:r>
-              <a:rPr lang="ko-KR" altLang="en-US" dirty="0" smtClean="0"/>
-              <a:t>가 발생하므로</a:t>
-            </a:r>
-            <a:r>
-              <a:rPr lang="en-US" altLang="ko-KR" dirty="0" smtClean="0"/>
-              <a:t>, </a:t>
-            </a:r>
-            <a:r>
-              <a:rPr lang="ko-KR" altLang="en-US" dirty="0" smtClean="0"/>
-              <a:t>이 문제를 해결하기 위해 </a:t>
-            </a:r>
-            <a:r>
-              <a:rPr lang="en-US" altLang="ko-KR" dirty="0" smtClean="0"/>
-              <a:t>React PJT &gt; </a:t>
-            </a:r>
-            <a:r>
-              <a:rPr lang="en-US" altLang="ko-KR" dirty="0" err="1" smtClean="0"/>
-              <a:t>src</a:t>
-            </a:r>
-            <a:r>
-              <a:rPr lang="en-US" altLang="ko-KR" dirty="0" smtClean="0"/>
-              <a:t> &gt; </a:t>
-            </a:r>
-            <a:r>
-              <a:rPr lang="en-US" altLang="ko-KR" dirty="0" err="1" smtClean="0"/>
-              <a:t>package.json</a:t>
-            </a:r>
-            <a:r>
-              <a:rPr lang="ko-KR" altLang="en-US" dirty="0" smtClean="0"/>
-              <a:t>에서 </a:t>
-            </a:r>
-            <a:r>
-              <a:rPr lang="en-US" altLang="ko-KR" dirty="0" smtClean="0"/>
-              <a:t>proxy</a:t>
-            </a:r>
-            <a:r>
-              <a:rPr lang="ko-KR" altLang="en-US" dirty="0" smtClean="0"/>
-              <a:t>를 설정하여 이 문제를 해결한다</a:t>
-            </a:r>
-            <a:r>
-              <a:rPr lang="en-US" altLang="ko-KR" dirty="0" smtClean="0"/>
-              <a:t>.</a:t>
-            </a:r>
-          </a:p>
-          <a:p>
-            <a:endParaRPr lang="en-US" altLang="ko-KR" dirty="0"/>
-          </a:p>
-          <a:p>
-            <a:r>
-              <a:rPr lang="en-US" altLang="ko-KR" dirty="0" smtClean="0"/>
-              <a:t>“proxy”: “http://localhost:8080/” </a:t>
-            </a:r>
-            <a:r>
-              <a:rPr lang="ko-KR" altLang="en-US" dirty="0" smtClean="0"/>
-              <a:t>추가</a:t>
-            </a:r>
-            <a:endParaRPr lang="ko-KR" altLang="en-US" dirty="0"/>
-          </a:p>
-        </p:txBody>
-      </p:sp>
-      <p:sp>
-        <p:nvSpPr>
-          <p:cNvPr id="8" name="직사각형 7"/>
-          <p:cNvSpPr/>
-          <p:nvPr/>
-        </p:nvSpPr>
-        <p:spPr>
-          <a:xfrm>
-            <a:off x="2402378" y="3194858"/>
-            <a:ext cx="1654233" cy="171797"/>
-          </a:xfrm>
-          <a:prstGeom prst="rect">
-            <a:avLst/>
-          </a:prstGeom>
-          <a:noFill/>
-          <a:ln w="38100">
-            <a:solidFill>
-              <a:srgbClr val="00B0F0"/>
-            </a:solidFill>
-          </a:ln>
-        </p:spPr>
-        <p:style>
-          <a:lnRef idx="2">
-            <a:schemeClr val="accent1">
-              <a:shade val="50000"/>
-            </a:schemeClr>
-          </a:lnRef>
-          <a:fillRef idx="1">
-            <a:schemeClr val="accent1"/>
-          </a:fillRef>
-          <a:effectRef idx="0">
-            <a:schemeClr val="accent1"/>
-          </a:effectRef>
-          <a:fontRef idx="minor">
-            <a:schemeClr val="lt1"/>
-          </a:fontRef>
-        </p:style>
-        <p:txBody>
-          <a:bodyPr rtlCol="0" anchor="ctr"/>
-          <a:lstStyle/>
-          <a:p>
-            <a:pPr algn="ctr"/>
-            <a:endParaRPr lang="ko-KR" altLang="en-US"/>
-          </a:p>
-        </p:txBody>
-      </p:sp>
-    </p:spTree>
-    <p:extLst>
-      <p:ext uri="{BB962C8B-B14F-4D97-AF65-F5344CB8AC3E}">
-        <p14:creationId xmlns:p14="http://schemas.microsoft.com/office/powerpoint/2010/main" val="3681124306"/>
       </p:ext>
     </p:extLst>
   </p:cSld>
